--- a/2019_03_28_Constructors_And_Operators_Exercise/Exercise 5.pptx
+++ b/2019_03_28_Constructors_And_Operators_Exercise/Exercise 5.pptx
@@ -5,19 +5,13 @@
     <p:sldMasterId id="2147483840" r:id="rId1"/>
   </p:sldMasterIdLst>
   <p:notesMasterIdLst>
-    <p:notesMasterId r:id="rId12"/>
+    <p:notesMasterId r:id="rId6"/>
   </p:notesMasterIdLst>
   <p:sldIdLst>
     <p:sldId id="339" r:id="rId2"/>
     <p:sldId id="320" r:id="rId3"/>
     <p:sldId id="321" r:id="rId4"/>
     <p:sldId id="322" r:id="rId5"/>
-    <p:sldId id="351" r:id="rId6"/>
-    <p:sldId id="352" r:id="rId7"/>
-    <p:sldId id="330" r:id="rId8"/>
-    <p:sldId id="336" r:id="rId9"/>
-    <p:sldId id="337" r:id="rId10"/>
-    <p:sldId id="338" r:id="rId11"/>
   </p:sldIdLst>
   <p:sldSz cx="12192000" cy="6858000"/>
   <p:notesSz cx="6858000" cy="9144000"/>
@@ -206,7 +200,7 @@
           <a:p>
             <a:fld id="{EA040917-E8B0-43E0-A42F-0075974202E8}" type="datetimeFigureOut">
               <a:rPr lang="en-US" smtClean="0"/>
-              <a:t>3/25/2019</a:t>
+              <a:t>4/11/2019</a:t>
             </a:fld>
             <a:endParaRPr lang="en-US"/>
           </a:p>
@@ -474,3873 +468,6 @@
 </p:notesMaster>
 </file>
 
-<file path=ppt/notesSlides/notesSlide1.xml><?xml version="1.0" encoding="utf-8"?>
-<p:notes xmlns:a="http://schemas.openxmlformats.org/drawingml/2006/main" xmlns:r="http://schemas.openxmlformats.org/officeDocument/2006/relationships" xmlns:p="http://schemas.openxmlformats.org/presentationml/2006/main">
-  <p:cSld>
-    <p:spTree>
-      <p:nvGrpSpPr>
-        <p:cNvPr id="1" name=""/>
-        <p:cNvGrpSpPr/>
-        <p:nvPr/>
-      </p:nvGrpSpPr>
-      <p:grpSpPr>
-        <a:xfrm>
-          <a:off x="0" y="0"/>
-          <a:ext cx="0" cy="0"/>
-          <a:chOff x="0" y="0"/>
-          <a:chExt cx="0" cy="0"/>
-        </a:xfrm>
-      </p:grpSpPr>
-      <p:sp>
-        <p:nvSpPr>
-          <p:cNvPr id="2" name="Slide Image Placeholder 1"/>
-          <p:cNvSpPr>
-            <a:spLocks noGrp="1" noRot="1" noChangeAspect="1"/>
-          </p:cNvSpPr>
-          <p:nvPr>
-            <p:ph type="sldImg"/>
-          </p:nvPr>
-        </p:nvSpPr>
-        <p:spPr/>
-      </p:sp>
-      <p:sp>
-        <p:nvSpPr>
-          <p:cNvPr id="3" name="Notes Placeholder 2"/>
-          <p:cNvSpPr>
-            <a:spLocks noGrp="1"/>
-          </p:cNvSpPr>
-          <p:nvPr>
-            <p:ph type="body" idx="1"/>
-          </p:nvPr>
-        </p:nvSpPr>
-        <p:spPr/>
-        <p:txBody>
-          <a:bodyPr/>
-          <a:lstStyle/>
-          <a:p>
-            <a:r>
-              <a:rPr lang="en-US" sz="1200" kern="1200" dirty="0" smtClean="0">
-                <a:solidFill>
-                  <a:schemeClr val="tx1"/>
-                </a:solidFill>
-                <a:latin typeface="+mn-lt"/>
-                <a:ea typeface="+mn-ea"/>
-                <a:cs typeface="+mn-cs"/>
-              </a:rPr>
-              <a:t>/*</a:t>
-            </a:r>
-          </a:p>
-          <a:p>
-            <a:r>
-              <a:rPr lang="en-US" sz="1200" kern="1200" dirty="0" smtClean="0">
-                <a:solidFill>
-                  <a:schemeClr val="tx1"/>
-                </a:solidFill>
-                <a:latin typeface="+mn-lt"/>
-                <a:ea typeface="+mn-ea"/>
-                <a:cs typeface="+mn-cs"/>
-              </a:rPr>
-              <a:t>Point3 Extra functionality</a:t>
-            </a:r>
-          </a:p>
-          <a:p>
-            <a:endParaRPr lang="en-US" sz="1200" kern="1200" dirty="0" smtClean="0">
-              <a:solidFill>
-                <a:schemeClr val="tx1"/>
-              </a:solidFill>
-              <a:latin typeface="+mn-lt"/>
-              <a:ea typeface="+mn-ea"/>
-              <a:cs typeface="+mn-cs"/>
-            </a:endParaRPr>
-          </a:p>
-          <a:p>
-            <a:r>
-              <a:rPr lang="en-US" sz="1200" kern="1200" dirty="0" smtClean="0">
-                <a:solidFill>
-                  <a:schemeClr val="tx1"/>
-                </a:solidFill>
-                <a:latin typeface="+mn-lt"/>
-                <a:ea typeface="+mn-ea"/>
-                <a:cs typeface="+mn-cs"/>
-              </a:rPr>
-              <a:t>void Point3D::</a:t>
-            </a:r>
-            <a:r>
-              <a:rPr lang="en-US" sz="1200" kern="1200" dirty="0" err="1" smtClean="0">
-                <a:solidFill>
-                  <a:schemeClr val="tx1"/>
-                </a:solidFill>
-                <a:latin typeface="+mn-lt"/>
-                <a:ea typeface="+mn-ea"/>
-                <a:cs typeface="+mn-cs"/>
-              </a:rPr>
-              <a:t>TranslateByVector</a:t>
-            </a:r>
-            <a:r>
-              <a:rPr lang="en-US" sz="1200" kern="1200" dirty="0" smtClean="0">
-                <a:solidFill>
-                  <a:schemeClr val="tx1"/>
-                </a:solidFill>
-                <a:latin typeface="+mn-lt"/>
-                <a:ea typeface="+mn-ea"/>
-                <a:cs typeface="+mn-cs"/>
-              </a:rPr>
-              <a:t>(</a:t>
-            </a:r>
-            <a:r>
-              <a:rPr lang="en-US" sz="1200" kern="1200" dirty="0" err="1" smtClean="0">
-                <a:solidFill>
-                  <a:schemeClr val="tx1"/>
-                </a:solidFill>
-                <a:latin typeface="+mn-lt"/>
-                <a:ea typeface="+mn-ea"/>
-                <a:cs typeface="+mn-cs"/>
-              </a:rPr>
-              <a:t>const</a:t>
-            </a:r>
-            <a:r>
-              <a:rPr lang="en-US" sz="1200" kern="1200" dirty="0" smtClean="0">
-                <a:solidFill>
-                  <a:schemeClr val="tx1"/>
-                </a:solidFill>
-                <a:latin typeface="+mn-lt"/>
-                <a:ea typeface="+mn-ea"/>
-                <a:cs typeface="+mn-cs"/>
-              </a:rPr>
-              <a:t> Point3D&amp; vector)</a:t>
-            </a:r>
-          </a:p>
-          <a:p>
-            <a:r>
-              <a:rPr lang="en-US" sz="1200" kern="1200" dirty="0" smtClean="0">
-                <a:solidFill>
-                  <a:schemeClr val="tx1"/>
-                </a:solidFill>
-                <a:latin typeface="+mn-lt"/>
-                <a:ea typeface="+mn-ea"/>
-                <a:cs typeface="+mn-cs"/>
-              </a:rPr>
-              <a:t>{</a:t>
-            </a:r>
-          </a:p>
-          <a:p>
-            <a:r>
-              <a:rPr lang="en-US" sz="1200" kern="1200" dirty="0" smtClean="0">
-                <a:solidFill>
-                  <a:schemeClr val="tx1"/>
-                </a:solidFill>
-                <a:latin typeface="+mn-lt"/>
-                <a:ea typeface="+mn-ea"/>
-                <a:cs typeface="+mn-cs"/>
-              </a:rPr>
-              <a:t>// Fix refactor using constructors or operator=</a:t>
-            </a:r>
-          </a:p>
-          <a:p>
-            <a:r>
-              <a:rPr lang="en-US" sz="1200" kern="1200" dirty="0" err="1" smtClean="0">
-                <a:solidFill>
-                  <a:schemeClr val="tx1"/>
-                </a:solidFill>
-                <a:latin typeface="+mn-lt"/>
-                <a:ea typeface="+mn-ea"/>
-                <a:cs typeface="+mn-cs"/>
-              </a:rPr>
-              <a:t>SetX</a:t>
-            </a:r>
-            <a:r>
-              <a:rPr lang="en-US" sz="1200" kern="1200" dirty="0" smtClean="0">
-                <a:solidFill>
-                  <a:schemeClr val="tx1"/>
-                </a:solidFill>
-                <a:latin typeface="+mn-lt"/>
-                <a:ea typeface="+mn-ea"/>
-                <a:cs typeface="+mn-cs"/>
-              </a:rPr>
-              <a:t>(</a:t>
-            </a:r>
-            <a:r>
-              <a:rPr lang="en-US" sz="1200" kern="1200" dirty="0" err="1" smtClean="0">
-                <a:solidFill>
-                  <a:schemeClr val="tx1"/>
-                </a:solidFill>
-                <a:latin typeface="+mn-lt"/>
-                <a:ea typeface="+mn-ea"/>
-                <a:cs typeface="+mn-cs"/>
-              </a:rPr>
-              <a:t>vector.GetX</a:t>
-            </a:r>
-            <a:r>
-              <a:rPr lang="en-US" sz="1200" kern="1200" dirty="0" smtClean="0">
-                <a:solidFill>
-                  <a:schemeClr val="tx1"/>
-                </a:solidFill>
-                <a:latin typeface="+mn-lt"/>
-                <a:ea typeface="+mn-ea"/>
-                <a:cs typeface="+mn-cs"/>
-              </a:rPr>
-              <a:t>() + </a:t>
-            </a:r>
-            <a:r>
-              <a:rPr lang="en-US" sz="1200" kern="1200" dirty="0" err="1" smtClean="0">
-                <a:solidFill>
-                  <a:schemeClr val="tx1"/>
-                </a:solidFill>
-                <a:latin typeface="+mn-lt"/>
-                <a:ea typeface="+mn-ea"/>
-                <a:cs typeface="+mn-cs"/>
-              </a:rPr>
-              <a:t>GetX</a:t>
-            </a:r>
-            <a:r>
-              <a:rPr lang="en-US" sz="1200" kern="1200" dirty="0" smtClean="0">
-                <a:solidFill>
-                  <a:schemeClr val="tx1"/>
-                </a:solidFill>
-                <a:latin typeface="+mn-lt"/>
-                <a:ea typeface="+mn-ea"/>
-                <a:cs typeface="+mn-cs"/>
-              </a:rPr>
-              <a:t>());</a:t>
-            </a:r>
-          </a:p>
-          <a:p>
-            <a:r>
-              <a:rPr lang="en-US" sz="1200" kern="1200" dirty="0" err="1" smtClean="0">
-                <a:solidFill>
-                  <a:schemeClr val="tx1"/>
-                </a:solidFill>
-                <a:latin typeface="+mn-lt"/>
-                <a:ea typeface="+mn-ea"/>
-                <a:cs typeface="+mn-cs"/>
-              </a:rPr>
-              <a:t>SetY</a:t>
-            </a:r>
-            <a:r>
-              <a:rPr lang="en-US" sz="1200" kern="1200" dirty="0" smtClean="0">
-                <a:solidFill>
-                  <a:schemeClr val="tx1"/>
-                </a:solidFill>
-                <a:latin typeface="+mn-lt"/>
-                <a:ea typeface="+mn-ea"/>
-                <a:cs typeface="+mn-cs"/>
-              </a:rPr>
-              <a:t>(</a:t>
-            </a:r>
-            <a:r>
-              <a:rPr lang="en-US" sz="1200" kern="1200" dirty="0" err="1" smtClean="0">
-                <a:solidFill>
-                  <a:schemeClr val="tx1"/>
-                </a:solidFill>
-                <a:latin typeface="+mn-lt"/>
-                <a:ea typeface="+mn-ea"/>
-                <a:cs typeface="+mn-cs"/>
-              </a:rPr>
-              <a:t>vector.GetY</a:t>
-            </a:r>
-            <a:r>
-              <a:rPr lang="en-US" sz="1200" kern="1200" dirty="0" smtClean="0">
-                <a:solidFill>
-                  <a:schemeClr val="tx1"/>
-                </a:solidFill>
-                <a:latin typeface="+mn-lt"/>
-                <a:ea typeface="+mn-ea"/>
-                <a:cs typeface="+mn-cs"/>
-              </a:rPr>
-              <a:t>() + </a:t>
-            </a:r>
-            <a:r>
-              <a:rPr lang="en-US" sz="1200" kern="1200" dirty="0" err="1" smtClean="0">
-                <a:solidFill>
-                  <a:schemeClr val="tx1"/>
-                </a:solidFill>
-                <a:latin typeface="+mn-lt"/>
-                <a:ea typeface="+mn-ea"/>
-                <a:cs typeface="+mn-cs"/>
-              </a:rPr>
-              <a:t>GetY</a:t>
-            </a:r>
-            <a:r>
-              <a:rPr lang="en-US" sz="1200" kern="1200" dirty="0" smtClean="0">
-                <a:solidFill>
-                  <a:schemeClr val="tx1"/>
-                </a:solidFill>
-                <a:latin typeface="+mn-lt"/>
-                <a:ea typeface="+mn-ea"/>
-                <a:cs typeface="+mn-cs"/>
-              </a:rPr>
-              <a:t>());</a:t>
-            </a:r>
-          </a:p>
-          <a:p>
-            <a:r>
-              <a:rPr lang="en-US" sz="1200" kern="1200" dirty="0" err="1" smtClean="0">
-                <a:solidFill>
-                  <a:schemeClr val="tx1"/>
-                </a:solidFill>
-                <a:latin typeface="+mn-lt"/>
-                <a:ea typeface="+mn-ea"/>
-                <a:cs typeface="+mn-cs"/>
-              </a:rPr>
-              <a:t>SetZ</a:t>
-            </a:r>
-            <a:r>
-              <a:rPr lang="en-US" sz="1200" kern="1200" dirty="0" smtClean="0">
-                <a:solidFill>
-                  <a:schemeClr val="tx1"/>
-                </a:solidFill>
-                <a:latin typeface="+mn-lt"/>
-                <a:ea typeface="+mn-ea"/>
-                <a:cs typeface="+mn-cs"/>
-              </a:rPr>
-              <a:t>(</a:t>
-            </a:r>
-            <a:r>
-              <a:rPr lang="en-US" sz="1200" kern="1200" dirty="0" err="1" smtClean="0">
-                <a:solidFill>
-                  <a:schemeClr val="tx1"/>
-                </a:solidFill>
-                <a:latin typeface="+mn-lt"/>
-                <a:ea typeface="+mn-ea"/>
-                <a:cs typeface="+mn-cs"/>
-              </a:rPr>
-              <a:t>vector.GetZ</a:t>
-            </a:r>
-            <a:r>
-              <a:rPr lang="en-US" sz="1200" kern="1200" dirty="0" smtClean="0">
-                <a:solidFill>
-                  <a:schemeClr val="tx1"/>
-                </a:solidFill>
-                <a:latin typeface="+mn-lt"/>
-                <a:ea typeface="+mn-ea"/>
-                <a:cs typeface="+mn-cs"/>
-              </a:rPr>
-              <a:t>() + </a:t>
-            </a:r>
-            <a:r>
-              <a:rPr lang="en-US" sz="1200" kern="1200" dirty="0" err="1" smtClean="0">
-                <a:solidFill>
-                  <a:schemeClr val="tx1"/>
-                </a:solidFill>
-                <a:latin typeface="+mn-lt"/>
-                <a:ea typeface="+mn-ea"/>
-                <a:cs typeface="+mn-cs"/>
-              </a:rPr>
-              <a:t>GetZ</a:t>
-            </a:r>
-            <a:r>
-              <a:rPr lang="en-US" sz="1200" kern="1200" dirty="0" smtClean="0">
-                <a:solidFill>
-                  <a:schemeClr val="tx1"/>
-                </a:solidFill>
-                <a:latin typeface="+mn-lt"/>
-                <a:ea typeface="+mn-ea"/>
-                <a:cs typeface="+mn-cs"/>
-              </a:rPr>
-              <a:t>());</a:t>
-            </a:r>
-          </a:p>
-          <a:p>
-            <a:r>
-              <a:rPr lang="en-US" sz="1200" kern="1200" dirty="0" smtClean="0">
-                <a:solidFill>
-                  <a:schemeClr val="tx1"/>
-                </a:solidFill>
-                <a:latin typeface="+mn-lt"/>
-                <a:ea typeface="+mn-ea"/>
-                <a:cs typeface="+mn-cs"/>
-              </a:rPr>
-              <a:t>}</a:t>
-            </a:r>
-          </a:p>
-          <a:p>
-            <a:endParaRPr lang="en-US" sz="1200" kern="1200" dirty="0" smtClean="0">
-              <a:solidFill>
-                <a:schemeClr val="tx1"/>
-              </a:solidFill>
-              <a:latin typeface="+mn-lt"/>
-              <a:ea typeface="+mn-ea"/>
-              <a:cs typeface="+mn-cs"/>
-            </a:endParaRPr>
-          </a:p>
-          <a:p>
-            <a:endParaRPr lang="en-US" sz="1200" kern="1200" dirty="0" smtClean="0">
-              <a:solidFill>
-                <a:schemeClr val="tx1"/>
-              </a:solidFill>
-              <a:latin typeface="+mn-lt"/>
-              <a:ea typeface="+mn-ea"/>
-              <a:cs typeface="+mn-cs"/>
-            </a:endParaRPr>
-          </a:p>
-          <a:p>
-            <a:r>
-              <a:rPr lang="en-US" sz="1200" kern="1200" dirty="0" smtClean="0">
-                <a:solidFill>
-                  <a:schemeClr val="tx1"/>
-                </a:solidFill>
-                <a:latin typeface="+mn-lt"/>
-                <a:ea typeface="+mn-ea"/>
-                <a:cs typeface="+mn-cs"/>
-              </a:rPr>
-              <a:t>Point3D&amp; Point3D::</a:t>
-            </a:r>
-            <a:r>
-              <a:rPr lang="en-US" sz="1200" kern="1200" dirty="0" err="1" smtClean="0">
-                <a:solidFill>
-                  <a:schemeClr val="tx1"/>
-                </a:solidFill>
-                <a:latin typeface="+mn-lt"/>
-                <a:ea typeface="+mn-ea"/>
-                <a:cs typeface="+mn-cs"/>
-              </a:rPr>
-              <a:t>GetSymetry</a:t>
-            </a:r>
-            <a:r>
-              <a:rPr lang="en-US" sz="1200" kern="1200" dirty="0" smtClean="0">
-                <a:solidFill>
-                  <a:schemeClr val="tx1"/>
-                </a:solidFill>
-                <a:latin typeface="+mn-lt"/>
-                <a:ea typeface="+mn-ea"/>
-                <a:cs typeface="+mn-cs"/>
-              </a:rPr>
-              <a:t>()</a:t>
-            </a:r>
-          </a:p>
-          <a:p>
-            <a:r>
-              <a:rPr lang="en-US" sz="1200" kern="1200" dirty="0" smtClean="0">
-                <a:solidFill>
-                  <a:schemeClr val="tx1"/>
-                </a:solidFill>
-                <a:latin typeface="+mn-lt"/>
-                <a:ea typeface="+mn-ea"/>
-                <a:cs typeface="+mn-cs"/>
-              </a:rPr>
-              <a:t>{</a:t>
-            </a:r>
-          </a:p>
-          <a:p>
-            <a:r>
-              <a:rPr lang="en-US" sz="1200" kern="1200" dirty="0" err="1" smtClean="0">
-                <a:solidFill>
-                  <a:schemeClr val="tx1"/>
-                </a:solidFill>
-                <a:latin typeface="+mn-lt"/>
-                <a:ea typeface="+mn-ea"/>
-                <a:cs typeface="+mn-cs"/>
-              </a:rPr>
-              <a:t>SetX</a:t>
-            </a:r>
-            <a:r>
-              <a:rPr lang="en-US" sz="1200" kern="1200" dirty="0" smtClean="0">
-                <a:solidFill>
-                  <a:schemeClr val="tx1"/>
-                </a:solidFill>
-                <a:latin typeface="+mn-lt"/>
-                <a:ea typeface="+mn-ea"/>
-                <a:cs typeface="+mn-cs"/>
-              </a:rPr>
-              <a:t>(-</a:t>
-            </a:r>
-            <a:r>
-              <a:rPr lang="en-US" sz="1200" kern="1200" dirty="0" err="1" smtClean="0">
-                <a:solidFill>
-                  <a:schemeClr val="tx1"/>
-                </a:solidFill>
-                <a:latin typeface="+mn-lt"/>
-                <a:ea typeface="+mn-ea"/>
-                <a:cs typeface="+mn-cs"/>
-              </a:rPr>
-              <a:t>GetX</a:t>
-            </a:r>
-            <a:r>
-              <a:rPr lang="en-US" sz="1200" kern="1200" dirty="0" smtClean="0">
-                <a:solidFill>
-                  <a:schemeClr val="tx1"/>
-                </a:solidFill>
-                <a:latin typeface="+mn-lt"/>
-                <a:ea typeface="+mn-ea"/>
-                <a:cs typeface="+mn-cs"/>
-              </a:rPr>
-              <a:t>());</a:t>
-            </a:r>
-          </a:p>
-          <a:p>
-            <a:r>
-              <a:rPr lang="en-US" sz="1200" kern="1200" dirty="0" err="1" smtClean="0">
-                <a:solidFill>
-                  <a:schemeClr val="tx1"/>
-                </a:solidFill>
-                <a:latin typeface="+mn-lt"/>
-                <a:ea typeface="+mn-ea"/>
-                <a:cs typeface="+mn-cs"/>
-              </a:rPr>
-              <a:t>SetY</a:t>
-            </a:r>
-            <a:r>
-              <a:rPr lang="en-US" sz="1200" kern="1200" dirty="0" smtClean="0">
-                <a:solidFill>
-                  <a:schemeClr val="tx1"/>
-                </a:solidFill>
-                <a:latin typeface="+mn-lt"/>
-                <a:ea typeface="+mn-ea"/>
-                <a:cs typeface="+mn-cs"/>
-              </a:rPr>
-              <a:t>(-</a:t>
-            </a:r>
-            <a:r>
-              <a:rPr lang="en-US" sz="1200" kern="1200" dirty="0" err="1" smtClean="0">
-                <a:solidFill>
-                  <a:schemeClr val="tx1"/>
-                </a:solidFill>
-                <a:latin typeface="+mn-lt"/>
-                <a:ea typeface="+mn-ea"/>
-                <a:cs typeface="+mn-cs"/>
-              </a:rPr>
-              <a:t>GetY</a:t>
-            </a:r>
-            <a:r>
-              <a:rPr lang="en-US" sz="1200" kern="1200" dirty="0" smtClean="0">
-                <a:solidFill>
-                  <a:schemeClr val="tx1"/>
-                </a:solidFill>
-                <a:latin typeface="+mn-lt"/>
-                <a:ea typeface="+mn-ea"/>
-                <a:cs typeface="+mn-cs"/>
-              </a:rPr>
-              <a:t>());</a:t>
-            </a:r>
-          </a:p>
-          <a:p>
-            <a:r>
-              <a:rPr lang="en-US" sz="1200" kern="1200" dirty="0" err="1" smtClean="0">
-                <a:solidFill>
-                  <a:schemeClr val="tx1"/>
-                </a:solidFill>
-                <a:latin typeface="+mn-lt"/>
-                <a:ea typeface="+mn-ea"/>
-                <a:cs typeface="+mn-cs"/>
-              </a:rPr>
-              <a:t>SetZ</a:t>
-            </a:r>
-            <a:r>
-              <a:rPr lang="en-US" sz="1200" kern="1200" dirty="0" smtClean="0">
-                <a:solidFill>
-                  <a:schemeClr val="tx1"/>
-                </a:solidFill>
-                <a:latin typeface="+mn-lt"/>
-                <a:ea typeface="+mn-ea"/>
-                <a:cs typeface="+mn-cs"/>
-              </a:rPr>
-              <a:t>(-</a:t>
-            </a:r>
-            <a:r>
-              <a:rPr lang="en-US" sz="1200" kern="1200" dirty="0" err="1" smtClean="0">
-                <a:solidFill>
-                  <a:schemeClr val="tx1"/>
-                </a:solidFill>
-                <a:latin typeface="+mn-lt"/>
-                <a:ea typeface="+mn-ea"/>
-                <a:cs typeface="+mn-cs"/>
-              </a:rPr>
-              <a:t>GetZ</a:t>
-            </a:r>
-            <a:r>
-              <a:rPr lang="en-US" sz="1200" kern="1200" dirty="0" smtClean="0">
-                <a:solidFill>
-                  <a:schemeClr val="tx1"/>
-                </a:solidFill>
-                <a:latin typeface="+mn-lt"/>
-                <a:ea typeface="+mn-ea"/>
-                <a:cs typeface="+mn-cs"/>
-              </a:rPr>
-              <a:t>());</a:t>
-            </a:r>
-          </a:p>
-          <a:p>
-            <a:r>
-              <a:rPr lang="en-US" sz="1200" kern="1200" dirty="0" smtClean="0">
-                <a:solidFill>
-                  <a:schemeClr val="tx1"/>
-                </a:solidFill>
-                <a:latin typeface="+mn-lt"/>
-                <a:ea typeface="+mn-ea"/>
-                <a:cs typeface="+mn-cs"/>
-              </a:rPr>
-              <a:t>}</a:t>
-            </a:r>
-          </a:p>
-          <a:p>
-            <a:endParaRPr lang="en-US" sz="1200" kern="1200" dirty="0" smtClean="0">
-              <a:solidFill>
-                <a:schemeClr val="tx1"/>
-              </a:solidFill>
-              <a:latin typeface="+mn-lt"/>
-              <a:ea typeface="+mn-ea"/>
-              <a:cs typeface="+mn-cs"/>
-            </a:endParaRPr>
-          </a:p>
-          <a:p>
-            <a:r>
-              <a:rPr lang="en-US" sz="1200" kern="1200" dirty="0" smtClean="0">
-                <a:solidFill>
-                  <a:schemeClr val="tx1"/>
-                </a:solidFill>
-                <a:latin typeface="+mn-lt"/>
-                <a:ea typeface="+mn-ea"/>
-                <a:cs typeface="+mn-cs"/>
-              </a:rPr>
-              <a:t>void Print() </a:t>
-            </a:r>
-            <a:r>
-              <a:rPr lang="en-US" sz="1200" kern="1200" dirty="0" err="1" smtClean="0">
-                <a:solidFill>
-                  <a:schemeClr val="tx1"/>
-                </a:solidFill>
-                <a:latin typeface="+mn-lt"/>
-                <a:ea typeface="+mn-ea"/>
-                <a:cs typeface="+mn-cs"/>
-              </a:rPr>
-              <a:t>const</a:t>
-            </a:r>
-            <a:endParaRPr lang="en-US" sz="1200" kern="1200" dirty="0" smtClean="0">
-              <a:solidFill>
-                <a:schemeClr val="tx1"/>
-              </a:solidFill>
-              <a:latin typeface="+mn-lt"/>
-              <a:ea typeface="+mn-ea"/>
-              <a:cs typeface="+mn-cs"/>
-            </a:endParaRPr>
-          </a:p>
-          <a:p>
-            <a:r>
-              <a:rPr lang="en-US" sz="1200" kern="1200" dirty="0" smtClean="0">
-                <a:solidFill>
-                  <a:schemeClr val="tx1"/>
-                </a:solidFill>
-                <a:latin typeface="+mn-lt"/>
-                <a:ea typeface="+mn-ea"/>
-                <a:cs typeface="+mn-cs"/>
-              </a:rPr>
-              <a:t>{</a:t>
-            </a:r>
-          </a:p>
-          <a:p>
-            <a:r>
-              <a:rPr lang="en-US" sz="1200" kern="1200" dirty="0" err="1" smtClean="0">
-                <a:solidFill>
-                  <a:schemeClr val="tx1"/>
-                </a:solidFill>
-                <a:latin typeface="+mn-lt"/>
-                <a:ea typeface="+mn-ea"/>
-                <a:cs typeface="+mn-cs"/>
-              </a:rPr>
-              <a:t>std</a:t>
-            </a:r>
-            <a:r>
-              <a:rPr lang="en-US" sz="1200" kern="1200" dirty="0" smtClean="0">
-                <a:solidFill>
-                  <a:schemeClr val="tx1"/>
-                </a:solidFill>
-                <a:latin typeface="+mn-lt"/>
-                <a:ea typeface="+mn-ea"/>
-                <a:cs typeface="+mn-cs"/>
-              </a:rPr>
-              <a:t>::</a:t>
-            </a:r>
-            <a:r>
-              <a:rPr lang="en-US" sz="1200" kern="1200" dirty="0" err="1" smtClean="0">
-                <a:solidFill>
-                  <a:schemeClr val="tx1"/>
-                </a:solidFill>
-                <a:latin typeface="+mn-lt"/>
-                <a:ea typeface="+mn-ea"/>
-                <a:cs typeface="+mn-cs"/>
-              </a:rPr>
-              <a:t>cout</a:t>
-            </a:r>
-            <a:r>
-              <a:rPr lang="en-US" sz="1200" kern="1200" dirty="0" smtClean="0">
-                <a:solidFill>
-                  <a:schemeClr val="tx1"/>
-                </a:solidFill>
-                <a:latin typeface="+mn-lt"/>
-                <a:ea typeface="+mn-ea"/>
-                <a:cs typeface="+mn-cs"/>
-              </a:rPr>
-              <a:t> &lt;&lt; </a:t>
-            </a:r>
-            <a:r>
-              <a:rPr lang="en-US" sz="1200" kern="1200" dirty="0" err="1" smtClean="0">
-                <a:solidFill>
-                  <a:schemeClr val="tx1"/>
-                </a:solidFill>
-                <a:latin typeface="+mn-lt"/>
-                <a:ea typeface="+mn-ea"/>
-                <a:cs typeface="+mn-cs"/>
-              </a:rPr>
-              <a:t>GetX</a:t>
-            </a:r>
-            <a:r>
-              <a:rPr lang="en-US" sz="1200" kern="1200" dirty="0" smtClean="0">
-                <a:solidFill>
-                  <a:schemeClr val="tx1"/>
-                </a:solidFill>
-                <a:latin typeface="+mn-lt"/>
-                <a:ea typeface="+mn-ea"/>
-                <a:cs typeface="+mn-cs"/>
-              </a:rPr>
-              <a:t>() &lt;&lt; ", " &lt;&lt; </a:t>
-            </a:r>
-            <a:r>
-              <a:rPr lang="en-US" sz="1200" kern="1200" dirty="0" err="1" smtClean="0">
-                <a:solidFill>
-                  <a:schemeClr val="tx1"/>
-                </a:solidFill>
-                <a:latin typeface="+mn-lt"/>
-                <a:ea typeface="+mn-ea"/>
-                <a:cs typeface="+mn-cs"/>
-              </a:rPr>
-              <a:t>GetY</a:t>
-            </a:r>
-            <a:r>
-              <a:rPr lang="en-US" sz="1200" kern="1200" dirty="0" smtClean="0">
-                <a:solidFill>
-                  <a:schemeClr val="tx1"/>
-                </a:solidFill>
-                <a:latin typeface="+mn-lt"/>
-                <a:ea typeface="+mn-ea"/>
-                <a:cs typeface="+mn-cs"/>
-              </a:rPr>
-              <a:t>() &lt;&lt; ", " &lt;&lt; </a:t>
-            </a:r>
-            <a:r>
-              <a:rPr lang="en-US" sz="1200" kern="1200" dirty="0" err="1" smtClean="0">
-                <a:solidFill>
-                  <a:schemeClr val="tx1"/>
-                </a:solidFill>
-                <a:latin typeface="+mn-lt"/>
-                <a:ea typeface="+mn-ea"/>
-                <a:cs typeface="+mn-cs"/>
-              </a:rPr>
-              <a:t>GetZ</a:t>
-            </a:r>
-            <a:r>
-              <a:rPr lang="en-US" sz="1200" kern="1200" dirty="0" smtClean="0">
-                <a:solidFill>
-                  <a:schemeClr val="tx1"/>
-                </a:solidFill>
-                <a:latin typeface="+mn-lt"/>
-                <a:ea typeface="+mn-ea"/>
-                <a:cs typeface="+mn-cs"/>
-              </a:rPr>
-              <a:t>() &lt;&lt; </a:t>
-            </a:r>
-            <a:r>
-              <a:rPr lang="en-US" sz="1200" kern="1200" dirty="0" err="1" smtClean="0">
-                <a:solidFill>
-                  <a:schemeClr val="tx1"/>
-                </a:solidFill>
-                <a:latin typeface="+mn-lt"/>
-                <a:ea typeface="+mn-ea"/>
-                <a:cs typeface="+mn-cs"/>
-              </a:rPr>
-              <a:t>std</a:t>
-            </a:r>
-            <a:r>
-              <a:rPr lang="en-US" sz="1200" kern="1200" dirty="0" smtClean="0">
-                <a:solidFill>
-                  <a:schemeClr val="tx1"/>
-                </a:solidFill>
-                <a:latin typeface="+mn-lt"/>
-                <a:ea typeface="+mn-ea"/>
-                <a:cs typeface="+mn-cs"/>
-              </a:rPr>
-              <a:t>::</a:t>
-            </a:r>
-            <a:r>
-              <a:rPr lang="en-US" sz="1200" kern="1200" dirty="0" err="1" smtClean="0">
-                <a:solidFill>
-                  <a:schemeClr val="tx1"/>
-                </a:solidFill>
-                <a:latin typeface="+mn-lt"/>
-                <a:ea typeface="+mn-ea"/>
-                <a:cs typeface="+mn-cs"/>
-              </a:rPr>
-              <a:t>endl</a:t>
-            </a:r>
-            <a:r>
-              <a:rPr lang="en-US" sz="1200" kern="1200" dirty="0" smtClean="0">
-                <a:solidFill>
-                  <a:schemeClr val="tx1"/>
-                </a:solidFill>
-                <a:latin typeface="+mn-lt"/>
-                <a:ea typeface="+mn-ea"/>
-                <a:cs typeface="+mn-cs"/>
-              </a:rPr>
-              <a:t>;</a:t>
-            </a:r>
-          </a:p>
-          <a:p>
-            <a:r>
-              <a:rPr lang="en-US" sz="1200" kern="1200" dirty="0" smtClean="0">
-                <a:solidFill>
-                  <a:schemeClr val="tx1"/>
-                </a:solidFill>
-                <a:latin typeface="+mn-lt"/>
-                <a:ea typeface="+mn-ea"/>
-                <a:cs typeface="+mn-cs"/>
-              </a:rPr>
-              <a:t>}</a:t>
-            </a:r>
-          </a:p>
-          <a:p>
-            <a:r>
-              <a:rPr lang="en-US" sz="1200" kern="1200" dirty="0" smtClean="0">
-                <a:solidFill>
-                  <a:schemeClr val="tx1"/>
-                </a:solidFill>
-                <a:latin typeface="+mn-lt"/>
-                <a:ea typeface="+mn-ea"/>
-                <a:cs typeface="+mn-cs"/>
-              </a:rPr>
-              <a:t>~Point3D() {}</a:t>
-            </a:r>
-          </a:p>
-          <a:p>
-            <a:endParaRPr lang="en-US" sz="1200" kern="1200" dirty="0" smtClean="0">
-              <a:solidFill>
-                <a:schemeClr val="tx1"/>
-              </a:solidFill>
-              <a:latin typeface="+mn-lt"/>
-              <a:ea typeface="+mn-ea"/>
-              <a:cs typeface="+mn-cs"/>
-            </a:endParaRPr>
-          </a:p>
-          <a:p>
-            <a:r>
-              <a:rPr lang="en-US" sz="1200" kern="1200" dirty="0" err="1" smtClean="0">
-                <a:solidFill>
-                  <a:schemeClr val="tx1"/>
-                </a:solidFill>
-                <a:latin typeface="+mn-lt"/>
-                <a:ea typeface="+mn-ea"/>
-                <a:cs typeface="+mn-cs"/>
-              </a:rPr>
-              <a:t>std</a:t>
-            </a:r>
-            <a:r>
-              <a:rPr lang="en-US" sz="1200" kern="1200" dirty="0" smtClean="0">
-                <a:solidFill>
-                  <a:schemeClr val="tx1"/>
-                </a:solidFill>
-                <a:latin typeface="+mn-lt"/>
-                <a:ea typeface="+mn-ea"/>
-                <a:cs typeface="+mn-cs"/>
-              </a:rPr>
-              <a:t>::</a:t>
-            </a:r>
-            <a:r>
-              <a:rPr lang="en-US" sz="1200" kern="1200" dirty="0" err="1" smtClean="0">
-                <a:solidFill>
-                  <a:schemeClr val="tx1"/>
-                </a:solidFill>
-                <a:latin typeface="+mn-lt"/>
-                <a:ea typeface="+mn-ea"/>
-                <a:cs typeface="+mn-cs"/>
-              </a:rPr>
-              <a:t>ostream</a:t>
-            </a:r>
-            <a:r>
-              <a:rPr lang="en-US" sz="1200" kern="1200" dirty="0" smtClean="0">
-                <a:solidFill>
-                  <a:schemeClr val="tx1"/>
-                </a:solidFill>
-                <a:latin typeface="+mn-lt"/>
-                <a:ea typeface="+mn-ea"/>
-                <a:cs typeface="+mn-cs"/>
-              </a:rPr>
-              <a:t>&amp; operator&lt;&lt; (</a:t>
-            </a:r>
-            <a:r>
-              <a:rPr lang="en-US" sz="1200" kern="1200" dirty="0" err="1" smtClean="0">
-                <a:solidFill>
-                  <a:schemeClr val="tx1"/>
-                </a:solidFill>
-                <a:latin typeface="+mn-lt"/>
-                <a:ea typeface="+mn-ea"/>
-                <a:cs typeface="+mn-cs"/>
-              </a:rPr>
-              <a:t>std</a:t>
-            </a:r>
-            <a:r>
-              <a:rPr lang="en-US" sz="1200" kern="1200" dirty="0" smtClean="0">
-                <a:solidFill>
-                  <a:schemeClr val="tx1"/>
-                </a:solidFill>
-                <a:latin typeface="+mn-lt"/>
-                <a:ea typeface="+mn-ea"/>
-                <a:cs typeface="+mn-cs"/>
-              </a:rPr>
-              <a:t>::</a:t>
-            </a:r>
-            <a:r>
-              <a:rPr lang="en-US" sz="1200" kern="1200" dirty="0" err="1" smtClean="0">
-                <a:solidFill>
-                  <a:schemeClr val="tx1"/>
-                </a:solidFill>
-                <a:latin typeface="+mn-lt"/>
-                <a:ea typeface="+mn-ea"/>
-                <a:cs typeface="+mn-cs"/>
-              </a:rPr>
-              <a:t>ostream</a:t>
-            </a:r>
-            <a:r>
-              <a:rPr lang="en-US" sz="1200" kern="1200" dirty="0" smtClean="0">
-                <a:solidFill>
-                  <a:schemeClr val="tx1"/>
-                </a:solidFill>
-                <a:latin typeface="+mn-lt"/>
-                <a:ea typeface="+mn-ea"/>
-                <a:cs typeface="+mn-cs"/>
-              </a:rPr>
-              <a:t>&amp; o)</a:t>
-            </a:r>
-          </a:p>
-          <a:p>
-            <a:r>
-              <a:rPr lang="en-US" sz="1200" kern="1200" dirty="0" smtClean="0">
-                <a:solidFill>
-                  <a:schemeClr val="tx1"/>
-                </a:solidFill>
-                <a:latin typeface="+mn-lt"/>
-                <a:ea typeface="+mn-ea"/>
-                <a:cs typeface="+mn-cs"/>
-              </a:rPr>
-              <a:t>{</a:t>
-            </a:r>
-          </a:p>
-          <a:p>
-            <a:r>
-              <a:rPr lang="de-DE" sz="1200" kern="1200" dirty="0" smtClean="0">
-                <a:solidFill>
-                  <a:schemeClr val="tx1"/>
-                </a:solidFill>
-                <a:latin typeface="+mn-lt"/>
-                <a:ea typeface="+mn-ea"/>
-                <a:cs typeface="+mn-cs"/>
-              </a:rPr>
-              <a:t>o &lt;&lt; GetX() &lt;&lt; ", " &lt;&lt; GetY() &lt;&lt; ", " &lt;&lt; GetZ() &lt;&lt; std::endl;</a:t>
-            </a:r>
-          </a:p>
-          <a:p>
-            <a:r>
-              <a:rPr lang="en-US" sz="1200" kern="1200" dirty="0" smtClean="0">
-                <a:solidFill>
-                  <a:schemeClr val="tx1"/>
-                </a:solidFill>
-                <a:latin typeface="+mn-lt"/>
-                <a:ea typeface="+mn-ea"/>
-                <a:cs typeface="+mn-cs"/>
-              </a:rPr>
-              <a:t>return o;</a:t>
-            </a:r>
-          </a:p>
-          <a:p>
-            <a:r>
-              <a:rPr lang="en-US" sz="1200" kern="1200" dirty="0" smtClean="0">
-                <a:solidFill>
-                  <a:schemeClr val="tx1"/>
-                </a:solidFill>
-                <a:latin typeface="+mn-lt"/>
-                <a:ea typeface="+mn-ea"/>
-                <a:cs typeface="+mn-cs"/>
-              </a:rPr>
-              <a:t>}</a:t>
-            </a:r>
-          </a:p>
-          <a:p>
-            <a:endParaRPr lang="en-US" sz="1200" kern="1200" dirty="0" smtClean="0">
-              <a:solidFill>
-                <a:schemeClr val="tx1"/>
-              </a:solidFill>
-              <a:latin typeface="+mn-lt"/>
-              <a:ea typeface="+mn-ea"/>
-              <a:cs typeface="+mn-cs"/>
-            </a:endParaRPr>
-          </a:p>
-          <a:p>
-            <a:r>
-              <a:rPr lang="en-US" sz="1200" kern="1200" dirty="0" smtClean="0">
-                <a:solidFill>
-                  <a:schemeClr val="tx1"/>
-                </a:solidFill>
-                <a:latin typeface="+mn-lt"/>
-                <a:ea typeface="+mn-ea"/>
-                <a:cs typeface="+mn-cs"/>
-              </a:rPr>
-              <a:t>friend </a:t>
-            </a:r>
-            <a:r>
-              <a:rPr lang="en-US" sz="1200" kern="1200" dirty="0" err="1" smtClean="0">
-                <a:solidFill>
-                  <a:schemeClr val="tx1"/>
-                </a:solidFill>
-                <a:latin typeface="+mn-lt"/>
-                <a:ea typeface="+mn-ea"/>
-                <a:cs typeface="+mn-cs"/>
-              </a:rPr>
-              <a:t>std</a:t>
-            </a:r>
-            <a:r>
-              <a:rPr lang="en-US" sz="1200" kern="1200" dirty="0" smtClean="0">
-                <a:solidFill>
-                  <a:schemeClr val="tx1"/>
-                </a:solidFill>
-                <a:latin typeface="+mn-lt"/>
-                <a:ea typeface="+mn-ea"/>
-                <a:cs typeface="+mn-cs"/>
-              </a:rPr>
-              <a:t>::</a:t>
-            </a:r>
-            <a:r>
-              <a:rPr lang="en-US" sz="1200" kern="1200" dirty="0" err="1" smtClean="0">
-                <a:solidFill>
-                  <a:schemeClr val="tx1"/>
-                </a:solidFill>
-                <a:latin typeface="+mn-lt"/>
-                <a:ea typeface="+mn-ea"/>
-                <a:cs typeface="+mn-cs"/>
-              </a:rPr>
-              <a:t>ostream</a:t>
-            </a:r>
-            <a:r>
-              <a:rPr lang="en-US" sz="1200" kern="1200" dirty="0" smtClean="0">
-                <a:solidFill>
-                  <a:schemeClr val="tx1"/>
-                </a:solidFill>
-                <a:latin typeface="+mn-lt"/>
-                <a:ea typeface="+mn-ea"/>
-                <a:cs typeface="+mn-cs"/>
-              </a:rPr>
-              <a:t>&amp; operator&lt;&lt; (</a:t>
-            </a:r>
-            <a:r>
-              <a:rPr lang="en-US" sz="1200" kern="1200" dirty="0" err="1" smtClean="0">
-                <a:solidFill>
-                  <a:schemeClr val="tx1"/>
-                </a:solidFill>
-                <a:latin typeface="+mn-lt"/>
-                <a:ea typeface="+mn-ea"/>
-                <a:cs typeface="+mn-cs"/>
-              </a:rPr>
-              <a:t>std</a:t>
-            </a:r>
-            <a:r>
-              <a:rPr lang="en-US" sz="1200" kern="1200" dirty="0" smtClean="0">
-                <a:solidFill>
-                  <a:schemeClr val="tx1"/>
-                </a:solidFill>
-                <a:latin typeface="+mn-lt"/>
-                <a:ea typeface="+mn-ea"/>
-                <a:cs typeface="+mn-cs"/>
-              </a:rPr>
-              <a:t>::</a:t>
-            </a:r>
-            <a:r>
-              <a:rPr lang="en-US" sz="1200" kern="1200" dirty="0" err="1" smtClean="0">
-                <a:solidFill>
-                  <a:schemeClr val="tx1"/>
-                </a:solidFill>
-                <a:latin typeface="+mn-lt"/>
-                <a:ea typeface="+mn-ea"/>
-                <a:cs typeface="+mn-cs"/>
-              </a:rPr>
-              <a:t>ostream</a:t>
-            </a:r>
-            <a:r>
-              <a:rPr lang="en-US" sz="1200" kern="1200" dirty="0" smtClean="0">
-                <a:solidFill>
-                  <a:schemeClr val="tx1"/>
-                </a:solidFill>
-                <a:latin typeface="+mn-lt"/>
-                <a:ea typeface="+mn-ea"/>
-                <a:cs typeface="+mn-cs"/>
-              </a:rPr>
-              <a:t>&amp; o, </a:t>
-            </a:r>
-            <a:r>
-              <a:rPr lang="en-US" sz="1200" kern="1200" dirty="0" err="1" smtClean="0">
-                <a:solidFill>
-                  <a:schemeClr val="tx1"/>
-                </a:solidFill>
-                <a:latin typeface="+mn-lt"/>
-                <a:ea typeface="+mn-ea"/>
-                <a:cs typeface="+mn-cs"/>
-              </a:rPr>
-              <a:t>const</a:t>
-            </a:r>
-            <a:r>
-              <a:rPr lang="en-US" sz="1200" kern="1200" dirty="0" smtClean="0">
-                <a:solidFill>
-                  <a:schemeClr val="tx1"/>
-                </a:solidFill>
-                <a:latin typeface="+mn-lt"/>
-                <a:ea typeface="+mn-ea"/>
-                <a:cs typeface="+mn-cs"/>
-              </a:rPr>
-              <a:t> Point3D&amp; vector);</a:t>
-            </a:r>
-          </a:p>
-          <a:p>
-            <a:endParaRPr lang="en-US" sz="1200" kern="1200" dirty="0" smtClean="0">
-              <a:solidFill>
-                <a:schemeClr val="tx1"/>
-              </a:solidFill>
-              <a:latin typeface="+mn-lt"/>
-              <a:ea typeface="+mn-ea"/>
-              <a:cs typeface="+mn-cs"/>
-            </a:endParaRPr>
-          </a:p>
-          <a:p>
-            <a:r>
-              <a:rPr lang="en-US" sz="1200" kern="1200" dirty="0" smtClean="0">
-                <a:solidFill>
-                  <a:schemeClr val="tx1"/>
-                </a:solidFill>
-                <a:latin typeface="+mn-lt"/>
-                <a:ea typeface="+mn-ea"/>
-                <a:cs typeface="+mn-cs"/>
-              </a:rPr>
-              <a:t>Point3D&amp; operator-()</a:t>
-            </a:r>
-          </a:p>
-          <a:p>
-            <a:r>
-              <a:rPr lang="en-US" sz="1200" kern="1200" dirty="0" smtClean="0">
-                <a:solidFill>
-                  <a:schemeClr val="tx1"/>
-                </a:solidFill>
-                <a:latin typeface="+mn-lt"/>
-                <a:ea typeface="+mn-ea"/>
-                <a:cs typeface="+mn-cs"/>
-              </a:rPr>
-              <a:t>{</a:t>
-            </a:r>
-          </a:p>
-          <a:p>
-            <a:r>
-              <a:rPr lang="en-US" sz="1200" kern="1200" dirty="0" err="1" smtClean="0">
-                <a:solidFill>
-                  <a:schemeClr val="tx1"/>
-                </a:solidFill>
-                <a:latin typeface="+mn-lt"/>
-                <a:ea typeface="+mn-ea"/>
-                <a:cs typeface="+mn-cs"/>
-              </a:rPr>
-              <a:t>SetX</a:t>
-            </a:r>
-            <a:r>
-              <a:rPr lang="en-US" sz="1200" kern="1200" dirty="0" smtClean="0">
-                <a:solidFill>
-                  <a:schemeClr val="tx1"/>
-                </a:solidFill>
-                <a:latin typeface="+mn-lt"/>
-                <a:ea typeface="+mn-ea"/>
-                <a:cs typeface="+mn-cs"/>
-              </a:rPr>
-              <a:t>(-</a:t>
-            </a:r>
-            <a:r>
-              <a:rPr lang="en-US" sz="1200" kern="1200" dirty="0" err="1" smtClean="0">
-                <a:solidFill>
-                  <a:schemeClr val="tx1"/>
-                </a:solidFill>
-                <a:latin typeface="+mn-lt"/>
-                <a:ea typeface="+mn-ea"/>
-                <a:cs typeface="+mn-cs"/>
-              </a:rPr>
-              <a:t>GetX</a:t>
-            </a:r>
-            <a:r>
-              <a:rPr lang="en-US" sz="1200" kern="1200" dirty="0" smtClean="0">
-                <a:solidFill>
-                  <a:schemeClr val="tx1"/>
-                </a:solidFill>
-                <a:latin typeface="+mn-lt"/>
-                <a:ea typeface="+mn-ea"/>
-                <a:cs typeface="+mn-cs"/>
-              </a:rPr>
-              <a:t>());</a:t>
-            </a:r>
-          </a:p>
-          <a:p>
-            <a:r>
-              <a:rPr lang="en-US" sz="1200" kern="1200" dirty="0" err="1" smtClean="0">
-                <a:solidFill>
-                  <a:schemeClr val="tx1"/>
-                </a:solidFill>
-                <a:latin typeface="+mn-lt"/>
-                <a:ea typeface="+mn-ea"/>
-                <a:cs typeface="+mn-cs"/>
-              </a:rPr>
-              <a:t>SetY</a:t>
-            </a:r>
-            <a:r>
-              <a:rPr lang="en-US" sz="1200" kern="1200" dirty="0" smtClean="0">
-                <a:solidFill>
-                  <a:schemeClr val="tx1"/>
-                </a:solidFill>
-                <a:latin typeface="+mn-lt"/>
-                <a:ea typeface="+mn-ea"/>
-                <a:cs typeface="+mn-cs"/>
-              </a:rPr>
-              <a:t>(-</a:t>
-            </a:r>
-            <a:r>
-              <a:rPr lang="en-US" sz="1200" kern="1200" dirty="0" err="1" smtClean="0">
-                <a:solidFill>
-                  <a:schemeClr val="tx1"/>
-                </a:solidFill>
-                <a:latin typeface="+mn-lt"/>
-                <a:ea typeface="+mn-ea"/>
-                <a:cs typeface="+mn-cs"/>
-              </a:rPr>
-              <a:t>GetY</a:t>
-            </a:r>
-            <a:r>
-              <a:rPr lang="en-US" sz="1200" kern="1200" dirty="0" smtClean="0">
-                <a:solidFill>
-                  <a:schemeClr val="tx1"/>
-                </a:solidFill>
-                <a:latin typeface="+mn-lt"/>
-                <a:ea typeface="+mn-ea"/>
-                <a:cs typeface="+mn-cs"/>
-              </a:rPr>
-              <a:t>());</a:t>
-            </a:r>
-          </a:p>
-          <a:p>
-            <a:r>
-              <a:rPr lang="en-US" sz="1200" kern="1200" dirty="0" err="1" smtClean="0">
-                <a:solidFill>
-                  <a:schemeClr val="tx1"/>
-                </a:solidFill>
-                <a:latin typeface="+mn-lt"/>
-                <a:ea typeface="+mn-ea"/>
-                <a:cs typeface="+mn-cs"/>
-              </a:rPr>
-              <a:t>SetZ</a:t>
-            </a:r>
-            <a:r>
-              <a:rPr lang="en-US" sz="1200" kern="1200" dirty="0" smtClean="0">
-                <a:solidFill>
-                  <a:schemeClr val="tx1"/>
-                </a:solidFill>
-                <a:latin typeface="+mn-lt"/>
-                <a:ea typeface="+mn-ea"/>
-                <a:cs typeface="+mn-cs"/>
-              </a:rPr>
-              <a:t>(-</a:t>
-            </a:r>
-            <a:r>
-              <a:rPr lang="en-US" sz="1200" kern="1200" dirty="0" err="1" smtClean="0">
-                <a:solidFill>
-                  <a:schemeClr val="tx1"/>
-                </a:solidFill>
-                <a:latin typeface="+mn-lt"/>
-                <a:ea typeface="+mn-ea"/>
-                <a:cs typeface="+mn-cs"/>
-              </a:rPr>
-              <a:t>GetZ</a:t>
-            </a:r>
-            <a:r>
-              <a:rPr lang="en-US" sz="1200" kern="1200" dirty="0" smtClean="0">
-                <a:solidFill>
-                  <a:schemeClr val="tx1"/>
-                </a:solidFill>
-                <a:latin typeface="+mn-lt"/>
-                <a:ea typeface="+mn-ea"/>
-                <a:cs typeface="+mn-cs"/>
-              </a:rPr>
-              <a:t>());</a:t>
-            </a:r>
-          </a:p>
-          <a:p>
-            <a:endParaRPr lang="en-US" sz="1200" kern="1200" dirty="0" smtClean="0">
-              <a:solidFill>
-                <a:schemeClr val="tx1"/>
-              </a:solidFill>
-              <a:latin typeface="+mn-lt"/>
-              <a:ea typeface="+mn-ea"/>
-              <a:cs typeface="+mn-cs"/>
-            </a:endParaRPr>
-          </a:p>
-          <a:p>
-            <a:r>
-              <a:rPr lang="en-US" sz="1200" kern="1200" dirty="0" smtClean="0">
-                <a:solidFill>
-                  <a:schemeClr val="tx1"/>
-                </a:solidFill>
-                <a:latin typeface="+mn-lt"/>
-                <a:ea typeface="+mn-ea"/>
-                <a:cs typeface="+mn-cs"/>
-              </a:rPr>
-              <a:t>return *this;</a:t>
-            </a:r>
-          </a:p>
-          <a:p>
-            <a:r>
-              <a:rPr lang="en-US" sz="1200" kern="1200" dirty="0" smtClean="0">
-                <a:solidFill>
-                  <a:schemeClr val="tx1"/>
-                </a:solidFill>
-                <a:latin typeface="+mn-lt"/>
-                <a:ea typeface="+mn-ea"/>
-                <a:cs typeface="+mn-cs"/>
-              </a:rPr>
-              <a:t>}</a:t>
-            </a:r>
-          </a:p>
-          <a:p>
-            <a:endParaRPr lang="en-US" sz="1200" kern="1200" dirty="0" smtClean="0">
-              <a:solidFill>
-                <a:schemeClr val="tx1"/>
-              </a:solidFill>
-              <a:latin typeface="+mn-lt"/>
-              <a:ea typeface="+mn-ea"/>
-              <a:cs typeface="+mn-cs"/>
-            </a:endParaRPr>
-          </a:p>
-          <a:p>
-            <a:r>
-              <a:rPr lang="en-US" sz="1200" kern="1200" dirty="0" smtClean="0">
-                <a:solidFill>
-                  <a:schemeClr val="tx1"/>
-                </a:solidFill>
-                <a:latin typeface="+mn-lt"/>
-                <a:ea typeface="+mn-ea"/>
-                <a:cs typeface="+mn-cs"/>
-              </a:rPr>
-              <a:t>void </a:t>
-            </a:r>
-            <a:r>
-              <a:rPr lang="en-US" sz="1200" kern="1200" dirty="0" err="1" smtClean="0">
-                <a:solidFill>
-                  <a:schemeClr val="tx1"/>
-                </a:solidFill>
-                <a:latin typeface="+mn-lt"/>
-                <a:ea typeface="+mn-ea"/>
-                <a:cs typeface="+mn-cs"/>
-              </a:rPr>
-              <a:t>SetPoint</a:t>
-            </a:r>
-            <a:r>
-              <a:rPr lang="en-US" sz="1200" kern="1200" dirty="0" smtClean="0">
-                <a:solidFill>
-                  <a:schemeClr val="tx1"/>
-                </a:solidFill>
-                <a:latin typeface="+mn-lt"/>
-                <a:ea typeface="+mn-ea"/>
-                <a:cs typeface="+mn-cs"/>
-              </a:rPr>
-              <a:t>(</a:t>
-            </a:r>
-            <a:r>
-              <a:rPr lang="en-US" sz="1200" kern="1200" dirty="0" err="1" smtClean="0">
-                <a:solidFill>
-                  <a:schemeClr val="tx1"/>
-                </a:solidFill>
-                <a:latin typeface="+mn-lt"/>
-                <a:ea typeface="+mn-ea"/>
-                <a:cs typeface="+mn-cs"/>
-              </a:rPr>
-              <a:t>const</a:t>
-            </a:r>
-            <a:r>
-              <a:rPr lang="en-US" sz="1200" kern="1200" dirty="0" smtClean="0">
-                <a:solidFill>
-                  <a:schemeClr val="tx1"/>
-                </a:solidFill>
-                <a:latin typeface="+mn-lt"/>
-                <a:ea typeface="+mn-ea"/>
-                <a:cs typeface="+mn-cs"/>
-              </a:rPr>
-              <a:t> Point3D&amp; point);</a:t>
-            </a:r>
-          </a:p>
-          <a:p>
-            <a:r>
-              <a:rPr lang="en-US" sz="1200" kern="1200" dirty="0" smtClean="0">
-                <a:solidFill>
-                  <a:schemeClr val="tx1"/>
-                </a:solidFill>
-                <a:latin typeface="+mn-lt"/>
-                <a:ea typeface="+mn-ea"/>
-                <a:cs typeface="+mn-cs"/>
-              </a:rPr>
-              <a:t>private:</a:t>
-            </a:r>
-          </a:p>
-          <a:p>
-            <a:r>
-              <a:rPr lang="en-US" sz="1200" kern="1200" dirty="0" smtClean="0">
-                <a:solidFill>
-                  <a:schemeClr val="tx1"/>
-                </a:solidFill>
-                <a:latin typeface="+mn-lt"/>
-                <a:ea typeface="+mn-ea"/>
-                <a:cs typeface="+mn-cs"/>
-              </a:rPr>
-              <a:t>Point3D(</a:t>
-            </a:r>
-            <a:r>
-              <a:rPr lang="en-US" sz="1200" kern="1200" dirty="0" err="1" smtClean="0">
-                <a:solidFill>
-                  <a:schemeClr val="tx1"/>
-                </a:solidFill>
-                <a:latin typeface="+mn-lt"/>
-                <a:ea typeface="+mn-ea"/>
-                <a:cs typeface="+mn-cs"/>
-              </a:rPr>
-              <a:t>const</a:t>
-            </a:r>
-            <a:r>
-              <a:rPr lang="en-US" sz="1200" kern="1200" dirty="0" smtClean="0">
-                <a:solidFill>
-                  <a:schemeClr val="tx1"/>
-                </a:solidFill>
-                <a:latin typeface="+mn-lt"/>
-                <a:ea typeface="+mn-ea"/>
-                <a:cs typeface="+mn-cs"/>
-              </a:rPr>
-              <a:t> Point3D&amp; point) {</a:t>
-            </a:r>
-          </a:p>
-          <a:p>
-            <a:r>
-              <a:rPr lang="en-US" sz="1200" kern="1200" dirty="0" err="1" smtClean="0">
-                <a:solidFill>
-                  <a:schemeClr val="tx1"/>
-                </a:solidFill>
-                <a:latin typeface="+mn-lt"/>
-                <a:ea typeface="+mn-ea"/>
-                <a:cs typeface="+mn-cs"/>
-              </a:rPr>
-              <a:t>SetX</a:t>
-            </a:r>
-            <a:r>
-              <a:rPr lang="en-US" sz="1200" kern="1200" dirty="0" smtClean="0">
-                <a:solidFill>
-                  <a:schemeClr val="tx1"/>
-                </a:solidFill>
-                <a:latin typeface="+mn-lt"/>
-                <a:ea typeface="+mn-ea"/>
-                <a:cs typeface="+mn-cs"/>
-              </a:rPr>
-              <a:t>(</a:t>
-            </a:r>
-            <a:r>
-              <a:rPr lang="en-US" sz="1200" kern="1200" dirty="0" err="1" smtClean="0">
-                <a:solidFill>
-                  <a:schemeClr val="tx1"/>
-                </a:solidFill>
-                <a:latin typeface="+mn-lt"/>
-                <a:ea typeface="+mn-ea"/>
-                <a:cs typeface="+mn-cs"/>
-              </a:rPr>
-              <a:t>point.GetX</a:t>
-            </a:r>
-            <a:r>
-              <a:rPr lang="en-US" sz="1200" kern="1200" dirty="0" smtClean="0">
-                <a:solidFill>
-                  <a:schemeClr val="tx1"/>
-                </a:solidFill>
-                <a:latin typeface="+mn-lt"/>
-                <a:ea typeface="+mn-ea"/>
-                <a:cs typeface="+mn-cs"/>
-              </a:rPr>
-              <a:t>());</a:t>
-            </a:r>
-          </a:p>
-          <a:p>
-            <a:r>
-              <a:rPr lang="en-US" sz="1200" kern="1200" dirty="0" err="1" smtClean="0">
-                <a:solidFill>
-                  <a:schemeClr val="tx1"/>
-                </a:solidFill>
-                <a:latin typeface="+mn-lt"/>
-                <a:ea typeface="+mn-ea"/>
-                <a:cs typeface="+mn-cs"/>
-              </a:rPr>
-              <a:t>SetY</a:t>
-            </a:r>
-            <a:r>
-              <a:rPr lang="en-US" sz="1200" kern="1200" dirty="0" smtClean="0">
-                <a:solidFill>
-                  <a:schemeClr val="tx1"/>
-                </a:solidFill>
-                <a:latin typeface="+mn-lt"/>
-                <a:ea typeface="+mn-ea"/>
-                <a:cs typeface="+mn-cs"/>
-              </a:rPr>
-              <a:t>(</a:t>
-            </a:r>
-            <a:r>
-              <a:rPr lang="en-US" sz="1200" kern="1200" dirty="0" err="1" smtClean="0">
-                <a:solidFill>
-                  <a:schemeClr val="tx1"/>
-                </a:solidFill>
-                <a:latin typeface="+mn-lt"/>
-                <a:ea typeface="+mn-ea"/>
-                <a:cs typeface="+mn-cs"/>
-              </a:rPr>
-              <a:t>point.GetY</a:t>
-            </a:r>
-            <a:r>
-              <a:rPr lang="en-US" sz="1200" kern="1200" dirty="0" smtClean="0">
-                <a:solidFill>
-                  <a:schemeClr val="tx1"/>
-                </a:solidFill>
-                <a:latin typeface="+mn-lt"/>
-                <a:ea typeface="+mn-ea"/>
-                <a:cs typeface="+mn-cs"/>
-              </a:rPr>
-              <a:t>());</a:t>
-            </a:r>
-          </a:p>
-          <a:p>
-            <a:r>
-              <a:rPr lang="en-US" sz="1200" kern="1200" dirty="0" err="1" smtClean="0">
-                <a:solidFill>
-                  <a:schemeClr val="tx1"/>
-                </a:solidFill>
-                <a:latin typeface="+mn-lt"/>
-                <a:ea typeface="+mn-ea"/>
-                <a:cs typeface="+mn-cs"/>
-              </a:rPr>
-              <a:t>SetZ</a:t>
-            </a:r>
-            <a:r>
-              <a:rPr lang="en-US" sz="1200" kern="1200" dirty="0" smtClean="0">
-                <a:solidFill>
-                  <a:schemeClr val="tx1"/>
-                </a:solidFill>
-                <a:latin typeface="+mn-lt"/>
-                <a:ea typeface="+mn-ea"/>
-                <a:cs typeface="+mn-cs"/>
-              </a:rPr>
-              <a:t>(</a:t>
-            </a:r>
-            <a:r>
-              <a:rPr lang="en-US" sz="1200" kern="1200" dirty="0" err="1" smtClean="0">
-                <a:solidFill>
-                  <a:schemeClr val="tx1"/>
-                </a:solidFill>
-                <a:latin typeface="+mn-lt"/>
-                <a:ea typeface="+mn-ea"/>
-                <a:cs typeface="+mn-cs"/>
-              </a:rPr>
-              <a:t>point.GetZ</a:t>
-            </a:r>
-            <a:r>
-              <a:rPr lang="en-US" sz="1200" kern="1200" dirty="0" smtClean="0">
-                <a:solidFill>
-                  <a:schemeClr val="tx1"/>
-                </a:solidFill>
-                <a:latin typeface="+mn-lt"/>
-                <a:ea typeface="+mn-ea"/>
-                <a:cs typeface="+mn-cs"/>
-              </a:rPr>
-              <a:t>());</a:t>
-            </a:r>
-          </a:p>
-          <a:p>
-            <a:r>
-              <a:rPr lang="en-US" sz="1200" kern="1200" dirty="0" smtClean="0">
-                <a:solidFill>
-                  <a:schemeClr val="tx1"/>
-                </a:solidFill>
-                <a:latin typeface="+mn-lt"/>
-                <a:ea typeface="+mn-ea"/>
-                <a:cs typeface="+mn-cs"/>
-              </a:rPr>
-              <a:t>}</a:t>
-            </a:r>
-          </a:p>
-          <a:p>
-            <a:endParaRPr lang="en-US" sz="1200" kern="1200" dirty="0" smtClean="0">
-              <a:solidFill>
-                <a:schemeClr val="tx1"/>
-              </a:solidFill>
-              <a:latin typeface="+mn-lt"/>
-              <a:ea typeface="+mn-ea"/>
-              <a:cs typeface="+mn-cs"/>
-            </a:endParaRPr>
-          </a:p>
-          <a:p>
-            <a:endParaRPr lang="en-US" sz="1200" kern="1200" dirty="0" smtClean="0">
-              <a:solidFill>
-                <a:schemeClr val="tx1"/>
-              </a:solidFill>
-              <a:latin typeface="+mn-lt"/>
-              <a:ea typeface="+mn-ea"/>
-              <a:cs typeface="+mn-cs"/>
-            </a:endParaRPr>
-          </a:p>
-          <a:p>
-            <a:r>
-              <a:rPr lang="en-US" sz="1200" kern="1200" dirty="0" smtClean="0">
-                <a:solidFill>
-                  <a:schemeClr val="tx1"/>
-                </a:solidFill>
-                <a:latin typeface="+mn-lt"/>
-                <a:ea typeface="+mn-ea"/>
-                <a:cs typeface="+mn-cs"/>
-              </a:rPr>
-              <a:t>Point3D&amp; operator=(</a:t>
-            </a:r>
-            <a:r>
-              <a:rPr lang="en-US" sz="1200" kern="1200" dirty="0" err="1" smtClean="0">
-                <a:solidFill>
-                  <a:schemeClr val="tx1"/>
-                </a:solidFill>
-                <a:latin typeface="+mn-lt"/>
-                <a:ea typeface="+mn-ea"/>
-                <a:cs typeface="+mn-cs"/>
-              </a:rPr>
-              <a:t>const</a:t>
-            </a:r>
-            <a:r>
-              <a:rPr lang="en-US" sz="1200" kern="1200" dirty="0" smtClean="0">
-                <a:solidFill>
-                  <a:schemeClr val="tx1"/>
-                </a:solidFill>
-                <a:latin typeface="+mn-lt"/>
-                <a:ea typeface="+mn-ea"/>
-                <a:cs typeface="+mn-cs"/>
-              </a:rPr>
-              <a:t> Point3D&amp; point)</a:t>
-            </a:r>
-          </a:p>
-          <a:p>
-            <a:r>
-              <a:rPr lang="en-US" sz="1200" kern="1200" dirty="0" smtClean="0">
-                <a:solidFill>
-                  <a:schemeClr val="tx1"/>
-                </a:solidFill>
-                <a:latin typeface="+mn-lt"/>
-                <a:ea typeface="+mn-ea"/>
-                <a:cs typeface="+mn-cs"/>
-              </a:rPr>
-              <a:t>{</a:t>
-            </a:r>
-          </a:p>
-          <a:p>
-            <a:r>
-              <a:rPr lang="en-US" sz="1200" kern="1200" dirty="0" smtClean="0">
-                <a:solidFill>
-                  <a:schemeClr val="tx1"/>
-                </a:solidFill>
-                <a:latin typeface="+mn-lt"/>
-                <a:ea typeface="+mn-ea"/>
-                <a:cs typeface="+mn-cs"/>
-              </a:rPr>
-              <a:t>if (this != &amp;point) //check operator=</a:t>
-            </a:r>
-          </a:p>
-          <a:p>
-            <a:r>
-              <a:rPr lang="en-US" sz="1200" kern="1200" dirty="0" smtClean="0">
-                <a:solidFill>
-                  <a:schemeClr val="tx1"/>
-                </a:solidFill>
-                <a:latin typeface="+mn-lt"/>
-                <a:ea typeface="+mn-ea"/>
-                <a:cs typeface="+mn-cs"/>
-              </a:rPr>
-              <a:t>{</a:t>
-            </a:r>
-          </a:p>
-          <a:p>
-            <a:r>
-              <a:rPr lang="en-US" sz="1200" kern="1200" dirty="0" err="1" smtClean="0">
-                <a:solidFill>
-                  <a:schemeClr val="tx1"/>
-                </a:solidFill>
-                <a:latin typeface="+mn-lt"/>
-                <a:ea typeface="+mn-ea"/>
-                <a:cs typeface="+mn-cs"/>
-              </a:rPr>
-              <a:t>SetX</a:t>
-            </a:r>
-            <a:r>
-              <a:rPr lang="en-US" sz="1200" kern="1200" dirty="0" smtClean="0">
-                <a:solidFill>
-                  <a:schemeClr val="tx1"/>
-                </a:solidFill>
-                <a:latin typeface="+mn-lt"/>
-                <a:ea typeface="+mn-ea"/>
-                <a:cs typeface="+mn-cs"/>
-              </a:rPr>
-              <a:t>(</a:t>
-            </a:r>
-            <a:r>
-              <a:rPr lang="en-US" sz="1200" kern="1200" dirty="0" err="1" smtClean="0">
-                <a:solidFill>
-                  <a:schemeClr val="tx1"/>
-                </a:solidFill>
-                <a:latin typeface="+mn-lt"/>
-                <a:ea typeface="+mn-ea"/>
-                <a:cs typeface="+mn-cs"/>
-              </a:rPr>
-              <a:t>point.GetX</a:t>
-            </a:r>
-            <a:r>
-              <a:rPr lang="en-US" sz="1200" kern="1200" dirty="0" smtClean="0">
-                <a:solidFill>
-                  <a:schemeClr val="tx1"/>
-                </a:solidFill>
-                <a:latin typeface="+mn-lt"/>
-                <a:ea typeface="+mn-ea"/>
-                <a:cs typeface="+mn-cs"/>
-              </a:rPr>
-              <a:t>());</a:t>
-            </a:r>
-          </a:p>
-          <a:p>
-            <a:r>
-              <a:rPr lang="en-US" sz="1200" kern="1200" dirty="0" err="1" smtClean="0">
-                <a:solidFill>
-                  <a:schemeClr val="tx1"/>
-                </a:solidFill>
-                <a:latin typeface="+mn-lt"/>
-                <a:ea typeface="+mn-ea"/>
-                <a:cs typeface="+mn-cs"/>
-              </a:rPr>
-              <a:t>SetY</a:t>
-            </a:r>
-            <a:r>
-              <a:rPr lang="en-US" sz="1200" kern="1200" dirty="0" smtClean="0">
-                <a:solidFill>
-                  <a:schemeClr val="tx1"/>
-                </a:solidFill>
-                <a:latin typeface="+mn-lt"/>
-                <a:ea typeface="+mn-ea"/>
-                <a:cs typeface="+mn-cs"/>
-              </a:rPr>
-              <a:t>(</a:t>
-            </a:r>
-            <a:r>
-              <a:rPr lang="en-US" sz="1200" kern="1200" dirty="0" err="1" smtClean="0">
-                <a:solidFill>
-                  <a:schemeClr val="tx1"/>
-                </a:solidFill>
-                <a:latin typeface="+mn-lt"/>
-                <a:ea typeface="+mn-ea"/>
-                <a:cs typeface="+mn-cs"/>
-              </a:rPr>
-              <a:t>point.GetY</a:t>
-            </a:r>
-            <a:r>
-              <a:rPr lang="en-US" sz="1200" kern="1200" dirty="0" smtClean="0">
-                <a:solidFill>
-                  <a:schemeClr val="tx1"/>
-                </a:solidFill>
-                <a:latin typeface="+mn-lt"/>
-                <a:ea typeface="+mn-ea"/>
-                <a:cs typeface="+mn-cs"/>
-              </a:rPr>
-              <a:t>());</a:t>
-            </a:r>
-          </a:p>
-          <a:p>
-            <a:r>
-              <a:rPr lang="en-US" sz="1200" kern="1200" dirty="0" err="1" smtClean="0">
-                <a:solidFill>
-                  <a:schemeClr val="tx1"/>
-                </a:solidFill>
-                <a:latin typeface="+mn-lt"/>
-                <a:ea typeface="+mn-ea"/>
-                <a:cs typeface="+mn-cs"/>
-              </a:rPr>
-              <a:t>SetZ</a:t>
-            </a:r>
-            <a:r>
-              <a:rPr lang="en-US" sz="1200" kern="1200" dirty="0" smtClean="0">
-                <a:solidFill>
-                  <a:schemeClr val="tx1"/>
-                </a:solidFill>
-                <a:latin typeface="+mn-lt"/>
-                <a:ea typeface="+mn-ea"/>
-                <a:cs typeface="+mn-cs"/>
-              </a:rPr>
-              <a:t>(</a:t>
-            </a:r>
-            <a:r>
-              <a:rPr lang="en-US" sz="1200" kern="1200" dirty="0" err="1" smtClean="0">
-                <a:solidFill>
-                  <a:schemeClr val="tx1"/>
-                </a:solidFill>
-                <a:latin typeface="+mn-lt"/>
-                <a:ea typeface="+mn-ea"/>
-                <a:cs typeface="+mn-cs"/>
-              </a:rPr>
-              <a:t>point.GetZ</a:t>
-            </a:r>
-            <a:r>
-              <a:rPr lang="en-US" sz="1200" kern="1200" dirty="0" smtClean="0">
-                <a:solidFill>
-                  <a:schemeClr val="tx1"/>
-                </a:solidFill>
-                <a:latin typeface="+mn-lt"/>
-                <a:ea typeface="+mn-ea"/>
-                <a:cs typeface="+mn-cs"/>
-              </a:rPr>
-              <a:t>());</a:t>
-            </a:r>
-          </a:p>
-          <a:p>
-            <a:r>
-              <a:rPr lang="en-US" sz="1200" kern="1200" dirty="0" smtClean="0">
-                <a:solidFill>
-                  <a:schemeClr val="tx1"/>
-                </a:solidFill>
-                <a:latin typeface="+mn-lt"/>
-                <a:ea typeface="+mn-ea"/>
-                <a:cs typeface="+mn-cs"/>
-              </a:rPr>
-              <a:t>}</a:t>
-            </a:r>
-          </a:p>
-          <a:p>
-            <a:r>
-              <a:rPr lang="en-US" sz="1200" kern="1200" dirty="0" smtClean="0">
-                <a:solidFill>
-                  <a:schemeClr val="tx1"/>
-                </a:solidFill>
-                <a:latin typeface="+mn-lt"/>
-                <a:ea typeface="+mn-ea"/>
-                <a:cs typeface="+mn-cs"/>
-              </a:rPr>
-              <a:t>return *this;</a:t>
-            </a:r>
-          </a:p>
-          <a:p>
-            <a:r>
-              <a:rPr lang="en-US" sz="1200" kern="1200" dirty="0" smtClean="0">
-                <a:solidFill>
-                  <a:schemeClr val="tx1"/>
-                </a:solidFill>
-                <a:latin typeface="+mn-lt"/>
-                <a:ea typeface="+mn-ea"/>
-                <a:cs typeface="+mn-cs"/>
-              </a:rPr>
-              <a:t>}</a:t>
-            </a:r>
-          </a:p>
-          <a:p>
-            <a:r>
-              <a:rPr lang="en-US" sz="1200" kern="1200" dirty="0" smtClean="0">
-                <a:solidFill>
-                  <a:schemeClr val="tx1"/>
-                </a:solidFill>
-                <a:latin typeface="+mn-lt"/>
-                <a:ea typeface="+mn-ea"/>
-                <a:cs typeface="+mn-cs"/>
-              </a:rPr>
-              <a:t>*/</a:t>
-            </a:r>
-          </a:p>
-          <a:p>
-            <a:endParaRPr lang="en-US" sz="1200" kern="1200" dirty="0" smtClean="0">
-              <a:solidFill>
-                <a:schemeClr val="tx1"/>
-              </a:solidFill>
-              <a:latin typeface="+mn-lt"/>
-              <a:ea typeface="+mn-ea"/>
-              <a:cs typeface="+mn-cs"/>
-            </a:endParaRPr>
-          </a:p>
-          <a:p>
-            <a:r>
-              <a:rPr lang="en-US" sz="1200" kern="1200" dirty="0" smtClean="0">
-                <a:solidFill>
-                  <a:schemeClr val="tx1"/>
-                </a:solidFill>
-                <a:latin typeface="+mn-lt"/>
-                <a:ea typeface="+mn-ea"/>
-                <a:cs typeface="+mn-cs"/>
-              </a:rPr>
-              <a:t>/*</a:t>
-            </a:r>
-            <a:r>
-              <a:rPr lang="en-US" sz="1200" kern="1200" dirty="0" err="1" smtClean="0">
-                <a:solidFill>
-                  <a:schemeClr val="tx1"/>
-                </a:solidFill>
-                <a:latin typeface="+mn-lt"/>
-                <a:ea typeface="+mn-ea"/>
-                <a:cs typeface="+mn-cs"/>
-              </a:rPr>
-              <a:t>TRiangle</a:t>
-            </a:r>
-            <a:r>
-              <a:rPr lang="en-US" sz="1200" kern="1200" dirty="0" smtClean="0">
-                <a:solidFill>
-                  <a:schemeClr val="tx1"/>
-                </a:solidFill>
-                <a:latin typeface="+mn-lt"/>
-                <a:ea typeface="+mn-ea"/>
-                <a:cs typeface="+mn-cs"/>
-              </a:rPr>
-              <a:t> </a:t>
-            </a:r>
-          </a:p>
-          <a:p>
-            <a:r>
-              <a:rPr lang="en-US" sz="1200" kern="1200" dirty="0" smtClean="0">
-                <a:solidFill>
-                  <a:schemeClr val="tx1"/>
-                </a:solidFill>
-                <a:latin typeface="+mn-lt"/>
-                <a:ea typeface="+mn-ea"/>
-                <a:cs typeface="+mn-cs"/>
-              </a:rPr>
-              <a:t>Point</a:t>
-            </a:r>
-          </a:p>
-          <a:p>
-            <a:r>
-              <a:rPr lang="en-US" sz="1200" kern="1200" dirty="0" smtClean="0">
-                <a:solidFill>
-                  <a:schemeClr val="tx1"/>
-                </a:solidFill>
-                <a:latin typeface="+mn-lt"/>
-                <a:ea typeface="+mn-ea"/>
-                <a:cs typeface="+mn-cs"/>
-              </a:rPr>
-              <a:t>void </a:t>
-            </a:r>
-            <a:r>
-              <a:rPr lang="en-US" sz="1200" kern="1200" dirty="0" err="1" smtClean="0">
-                <a:solidFill>
-                  <a:schemeClr val="tx1"/>
-                </a:solidFill>
-                <a:latin typeface="+mn-lt"/>
-                <a:ea typeface="+mn-ea"/>
-                <a:cs typeface="+mn-cs"/>
-              </a:rPr>
-              <a:t>SetPoint</a:t>
-            </a:r>
-            <a:r>
-              <a:rPr lang="en-US" sz="1200" kern="1200" dirty="0" smtClean="0">
-                <a:solidFill>
-                  <a:schemeClr val="tx1"/>
-                </a:solidFill>
-                <a:latin typeface="+mn-lt"/>
-                <a:ea typeface="+mn-ea"/>
-                <a:cs typeface="+mn-cs"/>
-              </a:rPr>
-              <a:t>(</a:t>
-            </a:r>
-            <a:r>
-              <a:rPr lang="en-US" sz="1200" kern="1200" dirty="0" err="1" smtClean="0">
-                <a:solidFill>
-                  <a:schemeClr val="tx1"/>
-                </a:solidFill>
-                <a:latin typeface="+mn-lt"/>
-                <a:ea typeface="+mn-ea"/>
-                <a:cs typeface="+mn-cs"/>
-              </a:rPr>
-              <a:t>const</a:t>
-            </a:r>
-            <a:r>
-              <a:rPr lang="en-US" sz="1200" kern="1200" dirty="0" smtClean="0">
-                <a:solidFill>
-                  <a:schemeClr val="tx1"/>
-                </a:solidFill>
-                <a:latin typeface="+mn-lt"/>
-                <a:ea typeface="+mn-ea"/>
-                <a:cs typeface="+mn-cs"/>
-              </a:rPr>
-              <a:t> Point3D&amp; point);</a:t>
-            </a:r>
-          </a:p>
-          <a:p>
-            <a:r>
-              <a:rPr lang="fr-FR" sz="1200" kern="1200" dirty="0" smtClean="0">
-                <a:solidFill>
-                  <a:schemeClr val="tx1"/>
-                </a:solidFill>
-                <a:latin typeface="+mn-lt"/>
-                <a:ea typeface="+mn-ea"/>
-                <a:cs typeface="+mn-cs"/>
-              </a:rPr>
-              <a:t>double Distance(</a:t>
-            </a:r>
-            <a:r>
-              <a:rPr lang="fr-FR" sz="1200" kern="1200" dirty="0" err="1" smtClean="0">
-                <a:solidFill>
-                  <a:schemeClr val="tx1"/>
-                </a:solidFill>
-                <a:latin typeface="+mn-lt"/>
-                <a:ea typeface="+mn-ea"/>
-                <a:cs typeface="+mn-cs"/>
-              </a:rPr>
-              <a:t>const</a:t>
-            </a:r>
-            <a:r>
-              <a:rPr lang="fr-FR" sz="1200" kern="1200" dirty="0" smtClean="0">
-                <a:solidFill>
-                  <a:schemeClr val="tx1"/>
-                </a:solidFill>
-                <a:latin typeface="+mn-lt"/>
-                <a:ea typeface="+mn-ea"/>
-                <a:cs typeface="+mn-cs"/>
-              </a:rPr>
-              <a:t> Point3D&amp; </a:t>
-            </a:r>
-            <a:r>
-              <a:rPr lang="fr-FR" sz="1200" kern="1200" dirty="0" err="1" smtClean="0">
-                <a:solidFill>
-                  <a:schemeClr val="tx1"/>
-                </a:solidFill>
-                <a:latin typeface="+mn-lt"/>
-                <a:ea typeface="+mn-ea"/>
-                <a:cs typeface="+mn-cs"/>
-              </a:rPr>
-              <a:t>ptr</a:t>
-            </a:r>
-            <a:r>
-              <a:rPr lang="fr-FR" sz="1200" kern="1200" dirty="0" smtClean="0">
-                <a:solidFill>
-                  <a:schemeClr val="tx1"/>
-                </a:solidFill>
-                <a:latin typeface="+mn-lt"/>
-                <a:ea typeface="+mn-ea"/>
-                <a:cs typeface="+mn-cs"/>
-              </a:rPr>
-              <a:t>) </a:t>
-            </a:r>
-            <a:r>
-              <a:rPr lang="fr-FR" sz="1200" kern="1200" dirty="0" err="1" smtClean="0">
-                <a:solidFill>
-                  <a:schemeClr val="tx1"/>
-                </a:solidFill>
-                <a:latin typeface="+mn-lt"/>
-                <a:ea typeface="+mn-ea"/>
-                <a:cs typeface="+mn-cs"/>
-              </a:rPr>
-              <a:t>const</a:t>
-            </a:r>
-            <a:r>
-              <a:rPr lang="fr-FR" sz="1200" kern="1200" dirty="0" smtClean="0">
-                <a:solidFill>
-                  <a:schemeClr val="tx1"/>
-                </a:solidFill>
-                <a:latin typeface="+mn-lt"/>
-                <a:ea typeface="+mn-ea"/>
-                <a:cs typeface="+mn-cs"/>
-              </a:rPr>
-              <a:t>;</a:t>
-            </a:r>
-          </a:p>
-          <a:p>
-            <a:endParaRPr lang="en-US" sz="1200" kern="1200" dirty="0" smtClean="0">
-              <a:solidFill>
-                <a:schemeClr val="tx1"/>
-              </a:solidFill>
-              <a:latin typeface="+mn-lt"/>
-              <a:ea typeface="+mn-ea"/>
-              <a:cs typeface="+mn-cs"/>
-            </a:endParaRPr>
-          </a:p>
-          <a:p>
-            <a:r>
-              <a:rPr lang="en-US" sz="1200" kern="1200" dirty="0" smtClean="0">
-                <a:solidFill>
-                  <a:schemeClr val="tx1"/>
-                </a:solidFill>
-                <a:latin typeface="+mn-lt"/>
-                <a:ea typeface="+mn-ea"/>
-                <a:cs typeface="+mn-cs"/>
-              </a:rPr>
-              <a:t>Triangle </a:t>
-            </a:r>
-          </a:p>
-          <a:p>
-            <a:r>
-              <a:rPr lang="en-US" sz="1200" kern="1200" dirty="0" err="1" smtClean="0">
-                <a:solidFill>
-                  <a:schemeClr val="tx1"/>
-                </a:solidFill>
-                <a:latin typeface="+mn-lt"/>
-                <a:ea typeface="+mn-ea"/>
-                <a:cs typeface="+mn-cs"/>
-              </a:rPr>
-              <a:t>const</a:t>
-            </a:r>
-            <a:r>
-              <a:rPr lang="en-US" sz="1200" kern="1200" dirty="0" smtClean="0">
-                <a:solidFill>
-                  <a:schemeClr val="tx1"/>
-                </a:solidFill>
-                <a:latin typeface="+mn-lt"/>
-                <a:ea typeface="+mn-ea"/>
-                <a:cs typeface="+mn-cs"/>
-              </a:rPr>
-              <a:t> Point3D&amp; </a:t>
-            </a:r>
-            <a:r>
-              <a:rPr lang="en-US" sz="1200" kern="1200" dirty="0" err="1" smtClean="0">
-                <a:solidFill>
-                  <a:schemeClr val="tx1"/>
-                </a:solidFill>
-                <a:latin typeface="+mn-lt"/>
-                <a:ea typeface="+mn-ea"/>
-                <a:cs typeface="+mn-cs"/>
-              </a:rPr>
-              <a:t>GetA</a:t>
-            </a:r>
-            <a:r>
-              <a:rPr lang="en-US" sz="1200" kern="1200" dirty="0" smtClean="0">
-                <a:solidFill>
-                  <a:schemeClr val="tx1"/>
-                </a:solidFill>
-                <a:latin typeface="+mn-lt"/>
-                <a:ea typeface="+mn-ea"/>
-                <a:cs typeface="+mn-cs"/>
-              </a:rPr>
-              <a:t>() </a:t>
-            </a:r>
-            <a:r>
-              <a:rPr lang="en-US" sz="1200" kern="1200" dirty="0" err="1" smtClean="0">
-                <a:solidFill>
-                  <a:schemeClr val="tx1"/>
-                </a:solidFill>
-                <a:latin typeface="+mn-lt"/>
-                <a:ea typeface="+mn-ea"/>
-                <a:cs typeface="+mn-cs"/>
-              </a:rPr>
-              <a:t>const</a:t>
-            </a:r>
-            <a:r>
-              <a:rPr lang="en-US" sz="1200" kern="1200" dirty="0" smtClean="0">
-                <a:solidFill>
-                  <a:schemeClr val="tx1"/>
-                </a:solidFill>
-                <a:latin typeface="+mn-lt"/>
-                <a:ea typeface="+mn-ea"/>
-                <a:cs typeface="+mn-cs"/>
-              </a:rPr>
-              <a:t> { return </a:t>
-            </a:r>
-            <a:r>
-              <a:rPr lang="en-US" sz="1200" kern="1200" dirty="0" err="1" smtClean="0">
-                <a:solidFill>
-                  <a:schemeClr val="tx1"/>
-                </a:solidFill>
-                <a:latin typeface="+mn-lt"/>
-                <a:ea typeface="+mn-ea"/>
-                <a:cs typeface="+mn-cs"/>
-              </a:rPr>
-              <a:t>m_a</a:t>
-            </a:r>
-            <a:r>
-              <a:rPr lang="en-US" sz="1200" kern="1200" dirty="0" smtClean="0">
-                <a:solidFill>
-                  <a:schemeClr val="tx1"/>
-                </a:solidFill>
-                <a:latin typeface="+mn-lt"/>
-                <a:ea typeface="+mn-ea"/>
-                <a:cs typeface="+mn-cs"/>
-              </a:rPr>
-              <a:t>; }</a:t>
-            </a:r>
-          </a:p>
-          <a:p>
-            <a:r>
-              <a:rPr lang="en-US" sz="1200" kern="1200" dirty="0" err="1" smtClean="0">
-                <a:solidFill>
-                  <a:schemeClr val="tx1"/>
-                </a:solidFill>
-                <a:latin typeface="+mn-lt"/>
-                <a:ea typeface="+mn-ea"/>
-                <a:cs typeface="+mn-cs"/>
-              </a:rPr>
-              <a:t>const</a:t>
-            </a:r>
-            <a:r>
-              <a:rPr lang="en-US" sz="1200" kern="1200" dirty="0" smtClean="0">
-                <a:solidFill>
-                  <a:schemeClr val="tx1"/>
-                </a:solidFill>
-                <a:latin typeface="+mn-lt"/>
-                <a:ea typeface="+mn-ea"/>
-                <a:cs typeface="+mn-cs"/>
-              </a:rPr>
-              <a:t> Point3D&amp; </a:t>
-            </a:r>
-            <a:r>
-              <a:rPr lang="en-US" sz="1200" kern="1200" dirty="0" err="1" smtClean="0">
-                <a:solidFill>
-                  <a:schemeClr val="tx1"/>
-                </a:solidFill>
-                <a:latin typeface="+mn-lt"/>
-                <a:ea typeface="+mn-ea"/>
-                <a:cs typeface="+mn-cs"/>
-              </a:rPr>
-              <a:t>GetB</a:t>
-            </a:r>
-            <a:r>
-              <a:rPr lang="en-US" sz="1200" kern="1200" dirty="0" smtClean="0">
-                <a:solidFill>
-                  <a:schemeClr val="tx1"/>
-                </a:solidFill>
-                <a:latin typeface="+mn-lt"/>
-                <a:ea typeface="+mn-ea"/>
-                <a:cs typeface="+mn-cs"/>
-              </a:rPr>
-              <a:t>() </a:t>
-            </a:r>
-            <a:r>
-              <a:rPr lang="en-US" sz="1200" kern="1200" dirty="0" err="1" smtClean="0">
-                <a:solidFill>
-                  <a:schemeClr val="tx1"/>
-                </a:solidFill>
-                <a:latin typeface="+mn-lt"/>
-                <a:ea typeface="+mn-ea"/>
-                <a:cs typeface="+mn-cs"/>
-              </a:rPr>
-              <a:t>const</a:t>
-            </a:r>
-            <a:r>
-              <a:rPr lang="en-US" sz="1200" kern="1200" dirty="0" smtClean="0">
-                <a:solidFill>
-                  <a:schemeClr val="tx1"/>
-                </a:solidFill>
-                <a:latin typeface="+mn-lt"/>
-                <a:ea typeface="+mn-ea"/>
-                <a:cs typeface="+mn-cs"/>
-              </a:rPr>
-              <a:t> { return </a:t>
-            </a:r>
-            <a:r>
-              <a:rPr lang="en-US" sz="1200" kern="1200" dirty="0" err="1" smtClean="0">
-                <a:solidFill>
-                  <a:schemeClr val="tx1"/>
-                </a:solidFill>
-                <a:latin typeface="+mn-lt"/>
-                <a:ea typeface="+mn-ea"/>
-                <a:cs typeface="+mn-cs"/>
-              </a:rPr>
-              <a:t>m_b</a:t>
-            </a:r>
-            <a:r>
-              <a:rPr lang="en-US" sz="1200" kern="1200" dirty="0" smtClean="0">
-                <a:solidFill>
-                  <a:schemeClr val="tx1"/>
-                </a:solidFill>
-                <a:latin typeface="+mn-lt"/>
-                <a:ea typeface="+mn-ea"/>
-                <a:cs typeface="+mn-cs"/>
-              </a:rPr>
-              <a:t>; }</a:t>
-            </a:r>
-          </a:p>
-          <a:p>
-            <a:r>
-              <a:rPr lang="en-US" sz="1200" kern="1200" dirty="0" err="1" smtClean="0">
-                <a:solidFill>
-                  <a:schemeClr val="tx1"/>
-                </a:solidFill>
-                <a:latin typeface="+mn-lt"/>
-                <a:ea typeface="+mn-ea"/>
-                <a:cs typeface="+mn-cs"/>
-              </a:rPr>
-              <a:t>const</a:t>
-            </a:r>
-            <a:r>
-              <a:rPr lang="en-US" sz="1200" kern="1200" dirty="0" smtClean="0">
-                <a:solidFill>
-                  <a:schemeClr val="tx1"/>
-                </a:solidFill>
-                <a:latin typeface="+mn-lt"/>
-                <a:ea typeface="+mn-ea"/>
-                <a:cs typeface="+mn-cs"/>
-              </a:rPr>
-              <a:t> Point3D&amp; </a:t>
-            </a:r>
-            <a:r>
-              <a:rPr lang="en-US" sz="1200" kern="1200" dirty="0" err="1" smtClean="0">
-                <a:solidFill>
-                  <a:schemeClr val="tx1"/>
-                </a:solidFill>
-                <a:latin typeface="+mn-lt"/>
-                <a:ea typeface="+mn-ea"/>
-                <a:cs typeface="+mn-cs"/>
-              </a:rPr>
-              <a:t>GetC</a:t>
-            </a:r>
-            <a:r>
-              <a:rPr lang="en-US" sz="1200" kern="1200" dirty="0" smtClean="0">
-                <a:solidFill>
-                  <a:schemeClr val="tx1"/>
-                </a:solidFill>
-                <a:latin typeface="+mn-lt"/>
-                <a:ea typeface="+mn-ea"/>
-                <a:cs typeface="+mn-cs"/>
-              </a:rPr>
-              <a:t>() </a:t>
-            </a:r>
-            <a:r>
-              <a:rPr lang="en-US" sz="1200" kern="1200" dirty="0" err="1" smtClean="0">
-                <a:solidFill>
-                  <a:schemeClr val="tx1"/>
-                </a:solidFill>
-                <a:latin typeface="+mn-lt"/>
-                <a:ea typeface="+mn-ea"/>
-                <a:cs typeface="+mn-cs"/>
-              </a:rPr>
-              <a:t>const</a:t>
-            </a:r>
-            <a:r>
-              <a:rPr lang="en-US" sz="1200" kern="1200" dirty="0" smtClean="0">
-                <a:solidFill>
-                  <a:schemeClr val="tx1"/>
-                </a:solidFill>
-                <a:latin typeface="+mn-lt"/>
-                <a:ea typeface="+mn-ea"/>
-                <a:cs typeface="+mn-cs"/>
-              </a:rPr>
-              <a:t> { return </a:t>
-            </a:r>
-            <a:r>
-              <a:rPr lang="en-US" sz="1200" kern="1200" dirty="0" err="1" smtClean="0">
-                <a:solidFill>
-                  <a:schemeClr val="tx1"/>
-                </a:solidFill>
-                <a:latin typeface="+mn-lt"/>
-                <a:ea typeface="+mn-ea"/>
-                <a:cs typeface="+mn-cs"/>
-              </a:rPr>
-              <a:t>m_c</a:t>
-            </a:r>
-            <a:r>
-              <a:rPr lang="en-US" sz="1200" kern="1200" dirty="0" smtClean="0">
-                <a:solidFill>
-                  <a:schemeClr val="tx1"/>
-                </a:solidFill>
-                <a:latin typeface="+mn-lt"/>
-                <a:ea typeface="+mn-ea"/>
-                <a:cs typeface="+mn-cs"/>
-              </a:rPr>
-              <a:t>; }</a:t>
-            </a:r>
-          </a:p>
-          <a:p>
-            <a:r>
-              <a:rPr lang="en-US" sz="1200" kern="1200" dirty="0" smtClean="0">
-                <a:solidFill>
-                  <a:schemeClr val="tx1"/>
-                </a:solidFill>
-                <a:latin typeface="+mn-lt"/>
-                <a:ea typeface="+mn-ea"/>
-                <a:cs typeface="+mn-cs"/>
-              </a:rPr>
-              <a:t>*/</a:t>
-            </a:r>
-          </a:p>
-          <a:p>
-            <a:endParaRPr lang="en-US" sz="1200" kern="1200" dirty="0" smtClean="0">
-              <a:solidFill>
-                <a:schemeClr val="tx1"/>
-              </a:solidFill>
-              <a:latin typeface="+mn-lt"/>
-              <a:ea typeface="+mn-ea"/>
-              <a:cs typeface="+mn-cs"/>
-            </a:endParaRPr>
-          </a:p>
-          <a:p>
-            <a:r>
-              <a:rPr lang="en-US" sz="1200" kern="1200" dirty="0" smtClean="0">
-                <a:solidFill>
-                  <a:schemeClr val="tx1"/>
-                </a:solidFill>
-                <a:latin typeface="+mn-lt"/>
-                <a:ea typeface="+mn-ea"/>
-                <a:cs typeface="+mn-cs"/>
-              </a:rPr>
-              <a:t>void </a:t>
-            </a:r>
-            <a:r>
-              <a:rPr lang="en-US" sz="1200" kern="1200" dirty="0" err="1" smtClean="0">
-                <a:solidFill>
-                  <a:schemeClr val="tx1"/>
-                </a:solidFill>
-                <a:latin typeface="+mn-lt"/>
-                <a:ea typeface="+mn-ea"/>
-                <a:cs typeface="+mn-cs"/>
-              </a:rPr>
-              <a:t>PointsManager</a:t>
-            </a:r>
-            <a:r>
-              <a:rPr lang="en-US" sz="1200" kern="1200" dirty="0" smtClean="0">
-                <a:solidFill>
-                  <a:schemeClr val="tx1"/>
-                </a:solidFill>
-                <a:latin typeface="+mn-lt"/>
-                <a:ea typeface="+mn-ea"/>
-                <a:cs typeface="+mn-cs"/>
-              </a:rPr>
-              <a:t>::Input(</a:t>
-            </a:r>
-            <a:r>
-              <a:rPr lang="en-US" sz="1200" kern="1200" dirty="0" err="1" smtClean="0">
-                <a:solidFill>
-                  <a:schemeClr val="tx1"/>
-                </a:solidFill>
-                <a:latin typeface="+mn-lt"/>
-                <a:ea typeface="+mn-ea"/>
-                <a:cs typeface="+mn-cs"/>
-              </a:rPr>
-              <a:t>int</a:t>
-            </a:r>
-            <a:r>
-              <a:rPr lang="en-US" sz="1200" kern="1200" dirty="0" smtClean="0">
-                <a:solidFill>
-                  <a:schemeClr val="tx1"/>
-                </a:solidFill>
-                <a:latin typeface="+mn-lt"/>
-                <a:ea typeface="+mn-ea"/>
-                <a:cs typeface="+mn-cs"/>
-              </a:rPr>
-              <a:t> n, Point3D </a:t>
-            </a:r>
-            <a:r>
-              <a:rPr lang="en-US" sz="1200" kern="1200" dirty="0" err="1" smtClean="0">
-                <a:solidFill>
-                  <a:schemeClr val="tx1"/>
-                </a:solidFill>
-                <a:latin typeface="+mn-lt"/>
-                <a:ea typeface="+mn-ea"/>
-                <a:cs typeface="+mn-cs"/>
-              </a:rPr>
-              <a:t>arr</a:t>
-            </a:r>
-            <a:r>
-              <a:rPr lang="en-US" sz="1200" kern="1200" dirty="0" smtClean="0">
-                <a:solidFill>
-                  <a:schemeClr val="tx1"/>
-                </a:solidFill>
-                <a:latin typeface="+mn-lt"/>
-                <a:ea typeface="+mn-ea"/>
-                <a:cs typeface="+mn-cs"/>
-              </a:rPr>
-              <a:t>[])</a:t>
-            </a:r>
-          </a:p>
-          <a:p>
-            <a:r>
-              <a:rPr lang="en-US" sz="1200" kern="1200" dirty="0" smtClean="0">
-                <a:solidFill>
-                  <a:schemeClr val="tx1"/>
-                </a:solidFill>
-                <a:latin typeface="+mn-lt"/>
-                <a:ea typeface="+mn-ea"/>
-                <a:cs typeface="+mn-cs"/>
-              </a:rPr>
-              <a:t>{</a:t>
-            </a:r>
-          </a:p>
-          <a:p>
-            <a:r>
-              <a:rPr lang="en-US" sz="1200" kern="1200" dirty="0" smtClean="0">
-                <a:solidFill>
-                  <a:schemeClr val="tx1"/>
-                </a:solidFill>
-                <a:latin typeface="+mn-lt"/>
-                <a:ea typeface="+mn-ea"/>
-                <a:cs typeface="+mn-cs"/>
-              </a:rPr>
-              <a:t>double x, y, z;</a:t>
-            </a:r>
-          </a:p>
-          <a:p>
-            <a:r>
-              <a:rPr lang="nn-NO" sz="1200" kern="1200" dirty="0" smtClean="0">
-                <a:solidFill>
-                  <a:schemeClr val="tx1"/>
-                </a:solidFill>
-                <a:latin typeface="+mn-lt"/>
-                <a:ea typeface="+mn-ea"/>
-                <a:cs typeface="+mn-cs"/>
-              </a:rPr>
-              <a:t>for (int i = 0; i &lt; n; i++)</a:t>
-            </a:r>
-          </a:p>
-          <a:p>
-            <a:r>
-              <a:rPr lang="en-US" sz="1200" kern="1200" dirty="0" smtClean="0">
-                <a:solidFill>
-                  <a:schemeClr val="tx1"/>
-                </a:solidFill>
-                <a:latin typeface="+mn-lt"/>
-                <a:ea typeface="+mn-ea"/>
-                <a:cs typeface="+mn-cs"/>
-              </a:rPr>
-              <a:t>{</a:t>
-            </a:r>
-          </a:p>
-          <a:p>
-            <a:r>
-              <a:rPr lang="en-US" sz="1200" kern="1200" dirty="0" err="1" smtClean="0">
-                <a:solidFill>
-                  <a:schemeClr val="tx1"/>
-                </a:solidFill>
-                <a:latin typeface="+mn-lt"/>
-                <a:ea typeface="+mn-ea"/>
-                <a:cs typeface="+mn-cs"/>
-              </a:rPr>
-              <a:t>std</a:t>
-            </a:r>
-            <a:r>
-              <a:rPr lang="en-US" sz="1200" kern="1200" dirty="0" smtClean="0">
-                <a:solidFill>
-                  <a:schemeClr val="tx1"/>
-                </a:solidFill>
-                <a:latin typeface="+mn-lt"/>
-                <a:ea typeface="+mn-ea"/>
-                <a:cs typeface="+mn-cs"/>
-              </a:rPr>
-              <a:t>::</a:t>
-            </a:r>
-            <a:r>
-              <a:rPr lang="en-US" sz="1200" kern="1200" dirty="0" err="1" smtClean="0">
-                <a:solidFill>
-                  <a:schemeClr val="tx1"/>
-                </a:solidFill>
-                <a:latin typeface="+mn-lt"/>
-                <a:ea typeface="+mn-ea"/>
-                <a:cs typeface="+mn-cs"/>
-              </a:rPr>
-              <a:t>cin</a:t>
-            </a:r>
-            <a:r>
-              <a:rPr lang="en-US" sz="1200" kern="1200" dirty="0" smtClean="0">
-                <a:solidFill>
-                  <a:schemeClr val="tx1"/>
-                </a:solidFill>
-                <a:latin typeface="+mn-lt"/>
-                <a:ea typeface="+mn-ea"/>
-                <a:cs typeface="+mn-cs"/>
-              </a:rPr>
-              <a:t> &gt;&gt; x &gt;&gt; y &gt;&gt; z;</a:t>
-            </a:r>
-          </a:p>
-          <a:p>
-            <a:r>
-              <a:rPr lang="en-US" sz="1200" kern="1200" dirty="0" err="1" smtClean="0">
-                <a:solidFill>
-                  <a:schemeClr val="tx1"/>
-                </a:solidFill>
-                <a:latin typeface="+mn-lt"/>
-                <a:ea typeface="+mn-ea"/>
-                <a:cs typeface="+mn-cs"/>
-              </a:rPr>
-              <a:t>arr</a:t>
-            </a:r>
-            <a:r>
-              <a:rPr lang="en-US" sz="1200" kern="1200" dirty="0" smtClean="0">
-                <a:solidFill>
-                  <a:schemeClr val="tx1"/>
-                </a:solidFill>
-                <a:latin typeface="+mn-lt"/>
-                <a:ea typeface="+mn-ea"/>
-                <a:cs typeface="+mn-cs"/>
-              </a:rPr>
-              <a:t>[</a:t>
-            </a:r>
-            <a:r>
-              <a:rPr lang="en-US" sz="1200" kern="1200" dirty="0" err="1" smtClean="0">
-                <a:solidFill>
-                  <a:schemeClr val="tx1"/>
-                </a:solidFill>
-                <a:latin typeface="+mn-lt"/>
-                <a:ea typeface="+mn-ea"/>
-                <a:cs typeface="+mn-cs"/>
-              </a:rPr>
-              <a:t>i</a:t>
-            </a:r>
-            <a:r>
-              <a:rPr lang="en-US" sz="1200" kern="1200" dirty="0" smtClean="0">
-                <a:solidFill>
-                  <a:schemeClr val="tx1"/>
-                </a:solidFill>
-                <a:latin typeface="+mn-lt"/>
-                <a:ea typeface="+mn-ea"/>
-                <a:cs typeface="+mn-cs"/>
-              </a:rPr>
-              <a:t>].</a:t>
-            </a:r>
-            <a:r>
-              <a:rPr lang="en-US" sz="1200" kern="1200" dirty="0" err="1" smtClean="0">
-                <a:solidFill>
-                  <a:schemeClr val="tx1"/>
-                </a:solidFill>
-                <a:latin typeface="+mn-lt"/>
-                <a:ea typeface="+mn-ea"/>
-                <a:cs typeface="+mn-cs"/>
-              </a:rPr>
-              <a:t>SetX</a:t>
-            </a:r>
-            <a:r>
-              <a:rPr lang="en-US" sz="1200" kern="1200" dirty="0" smtClean="0">
-                <a:solidFill>
-                  <a:schemeClr val="tx1"/>
-                </a:solidFill>
-                <a:latin typeface="+mn-lt"/>
-                <a:ea typeface="+mn-ea"/>
-                <a:cs typeface="+mn-cs"/>
-              </a:rPr>
-              <a:t>(x);</a:t>
-            </a:r>
-          </a:p>
-          <a:p>
-            <a:r>
-              <a:rPr lang="en-US" sz="1200" kern="1200" dirty="0" err="1" smtClean="0">
-                <a:solidFill>
-                  <a:schemeClr val="tx1"/>
-                </a:solidFill>
-                <a:latin typeface="+mn-lt"/>
-                <a:ea typeface="+mn-ea"/>
-                <a:cs typeface="+mn-cs"/>
-              </a:rPr>
-              <a:t>arr</a:t>
-            </a:r>
-            <a:r>
-              <a:rPr lang="en-US" sz="1200" kern="1200" dirty="0" smtClean="0">
-                <a:solidFill>
-                  <a:schemeClr val="tx1"/>
-                </a:solidFill>
-                <a:latin typeface="+mn-lt"/>
-                <a:ea typeface="+mn-ea"/>
-                <a:cs typeface="+mn-cs"/>
-              </a:rPr>
-              <a:t>[</a:t>
-            </a:r>
-            <a:r>
-              <a:rPr lang="en-US" sz="1200" kern="1200" dirty="0" err="1" smtClean="0">
-                <a:solidFill>
-                  <a:schemeClr val="tx1"/>
-                </a:solidFill>
-                <a:latin typeface="+mn-lt"/>
-                <a:ea typeface="+mn-ea"/>
-                <a:cs typeface="+mn-cs"/>
-              </a:rPr>
-              <a:t>i</a:t>
-            </a:r>
-            <a:r>
-              <a:rPr lang="en-US" sz="1200" kern="1200" dirty="0" smtClean="0">
-                <a:solidFill>
-                  <a:schemeClr val="tx1"/>
-                </a:solidFill>
-                <a:latin typeface="+mn-lt"/>
-                <a:ea typeface="+mn-ea"/>
-                <a:cs typeface="+mn-cs"/>
-              </a:rPr>
-              <a:t>].</a:t>
-            </a:r>
-            <a:r>
-              <a:rPr lang="en-US" sz="1200" kern="1200" dirty="0" err="1" smtClean="0">
-                <a:solidFill>
-                  <a:schemeClr val="tx1"/>
-                </a:solidFill>
-                <a:latin typeface="+mn-lt"/>
-                <a:ea typeface="+mn-ea"/>
-                <a:cs typeface="+mn-cs"/>
-              </a:rPr>
-              <a:t>SetY</a:t>
-            </a:r>
-            <a:r>
-              <a:rPr lang="en-US" sz="1200" kern="1200" dirty="0" smtClean="0">
-                <a:solidFill>
-                  <a:schemeClr val="tx1"/>
-                </a:solidFill>
-                <a:latin typeface="+mn-lt"/>
-                <a:ea typeface="+mn-ea"/>
-                <a:cs typeface="+mn-cs"/>
-              </a:rPr>
-              <a:t>(y);</a:t>
-            </a:r>
-          </a:p>
-          <a:p>
-            <a:r>
-              <a:rPr lang="en-US" sz="1200" kern="1200" dirty="0" err="1" smtClean="0">
-                <a:solidFill>
-                  <a:schemeClr val="tx1"/>
-                </a:solidFill>
-                <a:latin typeface="+mn-lt"/>
-                <a:ea typeface="+mn-ea"/>
-                <a:cs typeface="+mn-cs"/>
-              </a:rPr>
-              <a:t>arr</a:t>
-            </a:r>
-            <a:r>
-              <a:rPr lang="en-US" sz="1200" kern="1200" dirty="0" smtClean="0">
-                <a:solidFill>
-                  <a:schemeClr val="tx1"/>
-                </a:solidFill>
-                <a:latin typeface="+mn-lt"/>
-                <a:ea typeface="+mn-ea"/>
-                <a:cs typeface="+mn-cs"/>
-              </a:rPr>
-              <a:t>[</a:t>
-            </a:r>
-            <a:r>
-              <a:rPr lang="en-US" sz="1200" kern="1200" dirty="0" err="1" smtClean="0">
-                <a:solidFill>
-                  <a:schemeClr val="tx1"/>
-                </a:solidFill>
-                <a:latin typeface="+mn-lt"/>
-                <a:ea typeface="+mn-ea"/>
-                <a:cs typeface="+mn-cs"/>
-              </a:rPr>
-              <a:t>i</a:t>
-            </a:r>
-            <a:r>
-              <a:rPr lang="en-US" sz="1200" kern="1200" dirty="0" smtClean="0">
-                <a:solidFill>
-                  <a:schemeClr val="tx1"/>
-                </a:solidFill>
-                <a:latin typeface="+mn-lt"/>
-                <a:ea typeface="+mn-ea"/>
-                <a:cs typeface="+mn-cs"/>
-              </a:rPr>
-              <a:t>].</a:t>
-            </a:r>
-            <a:r>
-              <a:rPr lang="en-US" sz="1200" kern="1200" dirty="0" err="1" smtClean="0">
-                <a:solidFill>
-                  <a:schemeClr val="tx1"/>
-                </a:solidFill>
-                <a:latin typeface="+mn-lt"/>
-                <a:ea typeface="+mn-ea"/>
-                <a:cs typeface="+mn-cs"/>
-              </a:rPr>
-              <a:t>SetZ</a:t>
-            </a:r>
-            <a:r>
-              <a:rPr lang="en-US" sz="1200" kern="1200" dirty="0" smtClean="0">
-                <a:solidFill>
-                  <a:schemeClr val="tx1"/>
-                </a:solidFill>
-                <a:latin typeface="+mn-lt"/>
-                <a:ea typeface="+mn-ea"/>
-                <a:cs typeface="+mn-cs"/>
-              </a:rPr>
-              <a:t>(z);</a:t>
-            </a:r>
-          </a:p>
-          <a:p>
-            <a:r>
-              <a:rPr lang="en-US" sz="1200" kern="1200" dirty="0" smtClean="0">
-                <a:solidFill>
-                  <a:schemeClr val="tx1"/>
-                </a:solidFill>
-                <a:latin typeface="+mn-lt"/>
-                <a:ea typeface="+mn-ea"/>
-                <a:cs typeface="+mn-cs"/>
-              </a:rPr>
-              <a:t>}</a:t>
-            </a:r>
-          </a:p>
-          <a:p>
-            <a:r>
-              <a:rPr lang="en-US" sz="1200" kern="1200" dirty="0" smtClean="0">
-                <a:solidFill>
-                  <a:schemeClr val="tx1"/>
-                </a:solidFill>
-                <a:latin typeface="+mn-lt"/>
-                <a:ea typeface="+mn-ea"/>
-                <a:cs typeface="+mn-cs"/>
-              </a:rPr>
-              <a:t>}</a:t>
-            </a:r>
-          </a:p>
-          <a:p>
-            <a:endParaRPr lang="en-US" sz="1200" kern="1200" dirty="0" smtClean="0">
-              <a:solidFill>
-                <a:schemeClr val="tx1"/>
-              </a:solidFill>
-              <a:latin typeface="+mn-lt"/>
-              <a:ea typeface="+mn-ea"/>
-              <a:cs typeface="+mn-cs"/>
-            </a:endParaRPr>
-          </a:p>
-          <a:p>
-            <a:r>
-              <a:rPr lang="en-US" sz="1200" kern="1200" dirty="0" smtClean="0">
-                <a:solidFill>
-                  <a:schemeClr val="tx1"/>
-                </a:solidFill>
-                <a:latin typeface="+mn-lt"/>
-                <a:ea typeface="+mn-ea"/>
-                <a:cs typeface="+mn-cs"/>
-              </a:rPr>
-              <a:t>void </a:t>
-            </a:r>
-            <a:r>
-              <a:rPr lang="en-US" sz="1200" kern="1200" dirty="0" err="1" smtClean="0">
-                <a:solidFill>
-                  <a:schemeClr val="tx1"/>
-                </a:solidFill>
-                <a:latin typeface="+mn-lt"/>
-                <a:ea typeface="+mn-ea"/>
-                <a:cs typeface="+mn-cs"/>
-              </a:rPr>
-              <a:t>PointsManager</a:t>
-            </a:r>
-            <a:r>
-              <a:rPr lang="en-US" sz="1200" kern="1200" dirty="0" smtClean="0">
-                <a:solidFill>
-                  <a:schemeClr val="tx1"/>
-                </a:solidFill>
-                <a:latin typeface="+mn-lt"/>
-                <a:ea typeface="+mn-ea"/>
-                <a:cs typeface="+mn-cs"/>
-              </a:rPr>
-              <a:t>::Symmetry(</a:t>
-            </a:r>
-            <a:r>
-              <a:rPr lang="en-US" sz="1200" kern="1200" dirty="0" err="1" smtClean="0">
-                <a:solidFill>
-                  <a:schemeClr val="tx1"/>
-                </a:solidFill>
-                <a:latin typeface="+mn-lt"/>
-                <a:ea typeface="+mn-ea"/>
-                <a:cs typeface="+mn-cs"/>
-              </a:rPr>
-              <a:t>int</a:t>
-            </a:r>
-            <a:r>
-              <a:rPr lang="en-US" sz="1200" kern="1200" dirty="0" smtClean="0">
-                <a:solidFill>
-                  <a:schemeClr val="tx1"/>
-                </a:solidFill>
-                <a:latin typeface="+mn-lt"/>
-                <a:ea typeface="+mn-ea"/>
-                <a:cs typeface="+mn-cs"/>
-              </a:rPr>
-              <a:t> n, Point3D </a:t>
-            </a:r>
-            <a:r>
-              <a:rPr lang="en-US" sz="1200" kern="1200" dirty="0" err="1" smtClean="0">
-                <a:solidFill>
-                  <a:schemeClr val="tx1"/>
-                </a:solidFill>
-                <a:latin typeface="+mn-lt"/>
-                <a:ea typeface="+mn-ea"/>
-                <a:cs typeface="+mn-cs"/>
-              </a:rPr>
-              <a:t>arr</a:t>
-            </a:r>
-            <a:r>
-              <a:rPr lang="en-US" sz="1200" kern="1200" dirty="0" smtClean="0">
-                <a:solidFill>
-                  <a:schemeClr val="tx1"/>
-                </a:solidFill>
-                <a:latin typeface="+mn-lt"/>
-                <a:ea typeface="+mn-ea"/>
-                <a:cs typeface="+mn-cs"/>
-              </a:rPr>
-              <a:t>[])</a:t>
-            </a:r>
-          </a:p>
-          <a:p>
-            <a:r>
-              <a:rPr lang="en-US" sz="1200" kern="1200" dirty="0" smtClean="0">
-                <a:solidFill>
-                  <a:schemeClr val="tx1"/>
-                </a:solidFill>
-                <a:latin typeface="+mn-lt"/>
-                <a:ea typeface="+mn-ea"/>
-                <a:cs typeface="+mn-cs"/>
-              </a:rPr>
-              <a:t>{</a:t>
-            </a:r>
-          </a:p>
-          <a:p>
-            <a:r>
-              <a:rPr lang="nn-NO" sz="1200" kern="1200" dirty="0" smtClean="0">
-                <a:solidFill>
-                  <a:schemeClr val="tx1"/>
-                </a:solidFill>
-                <a:latin typeface="+mn-lt"/>
-                <a:ea typeface="+mn-ea"/>
-                <a:cs typeface="+mn-cs"/>
-              </a:rPr>
-              <a:t>for (int i = 0; i &lt; n; i++)</a:t>
-            </a:r>
-          </a:p>
-          <a:p>
-            <a:r>
-              <a:rPr lang="en-US" sz="1200" kern="1200" dirty="0" smtClean="0">
-                <a:solidFill>
-                  <a:schemeClr val="tx1"/>
-                </a:solidFill>
-                <a:latin typeface="+mn-lt"/>
-                <a:ea typeface="+mn-ea"/>
-                <a:cs typeface="+mn-cs"/>
-              </a:rPr>
-              <a:t>{</a:t>
-            </a:r>
-          </a:p>
-          <a:p>
-            <a:r>
-              <a:rPr lang="en-US" sz="1200" kern="1200" dirty="0" err="1" smtClean="0">
-                <a:solidFill>
-                  <a:schemeClr val="tx1"/>
-                </a:solidFill>
-                <a:latin typeface="+mn-lt"/>
-                <a:ea typeface="+mn-ea"/>
-                <a:cs typeface="+mn-cs"/>
-              </a:rPr>
-              <a:t>arr</a:t>
-            </a:r>
-            <a:r>
-              <a:rPr lang="en-US" sz="1200" kern="1200" dirty="0" smtClean="0">
-                <a:solidFill>
-                  <a:schemeClr val="tx1"/>
-                </a:solidFill>
-                <a:latin typeface="+mn-lt"/>
-                <a:ea typeface="+mn-ea"/>
-                <a:cs typeface="+mn-cs"/>
-              </a:rPr>
-              <a:t>[</a:t>
-            </a:r>
-            <a:r>
-              <a:rPr lang="en-US" sz="1200" kern="1200" dirty="0" err="1" smtClean="0">
-                <a:solidFill>
-                  <a:schemeClr val="tx1"/>
-                </a:solidFill>
-                <a:latin typeface="+mn-lt"/>
-                <a:ea typeface="+mn-ea"/>
-                <a:cs typeface="+mn-cs"/>
-              </a:rPr>
-              <a:t>i</a:t>
-            </a:r>
-            <a:r>
-              <a:rPr lang="en-US" sz="1200" kern="1200" dirty="0" smtClean="0">
-                <a:solidFill>
-                  <a:schemeClr val="tx1"/>
-                </a:solidFill>
-                <a:latin typeface="+mn-lt"/>
-                <a:ea typeface="+mn-ea"/>
-                <a:cs typeface="+mn-cs"/>
-              </a:rPr>
-              <a:t>].</a:t>
-            </a:r>
-            <a:r>
-              <a:rPr lang="en-US" sz="1200" kern="1200" dirty="0" err="1" smtClean="0">
-                <a:solidFill>
-                  <a:schemeClr val="tx1"/>
-                </a:solidFill>
-                <a:latin typeface="+mn-lt"/>
-                <a:ea typeface="+mn-ea"/>
-                <a:cs typeface="+mn-cs"/>
-              </a:rPr>
-              <a:t>GetSymetry</a:t>
-            </a:r>
-            <a:r>
-              <a:rPr lang="en-US" sz="1200" kern="1200" dirty="0" smtClean="0">
-                <a:solidFill>
-                  <a:schemeClr val="tx1"/>
-                </a:solidFill>
-                <a:latin typeface="+mn-lt"/>
-                <a:ea typeface="+mn-ea"/>
-                <a:cs typeface="+mn-cs"/>
-              </a:rPr>
-              <a:t>();</a:t>
-            </a:r>
-          </a:p>
-          <a:p>
-            <a:r>
-              <a:rPr lang="en-US" sz="1200" kern="1200" dirty="0" smtClean="0">
-                <a:solidFill>
-                  <a:schemeClr val="tx1"/>
-                </a:solidFill>
-                <a:latin typeface="+mn-lt"/>
-                <a:ea typeface="+mn-ea"/>
-                <a:cs typeface="+mn-cs"/>
-              </a:rPr>
-              <a:t>}</a:t>
-            </a:r>
-          </a:p>
-          <a:p>
-            <a:r>
-              <a:rPr lang="en-US" sz="1200" kern="1200" dirty="0" smtClean="0">
-                <a:solidFill>
-                  <a:schemeClr val="tx1"/>
-                </a:solidFill>
-                <a:latin typeface="+mn-lt"/>
-                <a:ea typeface="+mn-ea"/>
-                <a:cs typeface="+mn-cs"/>
-              </a:rPr>
-              <a:t>}</a:t>
-            </a:r>
-          </a:p>
-          <a:p>
-            <a:endParaRPr lang="en-US" sz="1200" kern="1200" dirty="0" smtClean="0">
-              <a:solidFill>
-                <a:schemeClr val="tx1"/>
-              </a:solidFill>
-              <a:latin typeface="+mn-lt"/>
-              <a:ea typeface="+mn-ea"/>
-              <a:cs typeface="+mn-cs"/>
-            </a:endParaRPr>
-          </a:p>
-          <a:p>
-            <a:r>
-              <a:rPr lang="en-US" sz="1200" kern="1200" dirty="0" smtClean="0">
-                <a:solidFill>
-                  <a:schemeClr val="tx1"/>
-                </a:solidFill>
-                <a:latin typeface="+mn-lt"/>
-                <a:ea typeface="+mn-ea"/>
-                <a:cs typeface="+mn-cs"/>
-              </a:rPr>
-              <a:t>void </a:t>
-            </a:r>
-            <a:r>
-              <a:rPr lang="en-US" sz="1200" kern="1200" dirty="0" err="1" smtClean="0">
-                <a:solidFill>
-                  <a:schemeClr val="tx1"/>
-                </a:solidFill>
-                <a:latin typeface="+mn-lt"/>
-                <a:ea typeface="+mn-ea"/>
-                <a:cs typeface="+mn-cs"/>
-              </a:rPr>
-              <a:t>PointsManager</a:t>
-            </a:r>
-            <a:r>
-              <a:rPr lang="en-US" sz="1200" kern="1200" dirty="0" smtClean="0">
-                <a:solidFill>
-                  <a:schemeClr val="tx1"/>
-                </a:solidFill>
-                <a:latin typeface="+mn-lt"/>
-                <a:ea typeface="+mn-ea"/>
-                <a:cs typeface="+mn-cs"/>
-              </a:rPr>
-              <a:t>::Output(</a:t>
-            </a:r>
-            <a:r>
-              <a:rPr lang="en-US" sz="1200" kern="1200" dirty="0" err="1" smtClean="0">
-                <a:solidFill>
-                  <a:schemeClr val="tx1"/>
-                </a:solidFill>
-                <a:latin typeface="+mn-lt"/>
-                <a:ea typeface="+mn-ea"/>
-                <a:cs typeface="+mn-cs"/>
-              </a:rPr>
-              <a:t>int</a:t>
-            </a:r>
-            <a:r>
-              <a:rPr lang="en-US" sz="1200" kern="1200" dirty="0" smtClean="0">
-                <a:solidFill>
-                  <a:schemeClr val="tx1"/>
-                </a:solidFill>
-                <a:latin typeface="+mn-lt"/>
-                <a:ea typeface="+mn-ea"/>
-                <a:cs typeface="+mn-cs"/>
-              </a:rPr>
-              <a:t> n, Point3D </a:t>
-            </a:r>
-            <a:r>
-              <a:rPr lang="en-US" sz="1200" kern="1200" dirty="0" err="1" smtClean="0">
-                <a:solidFill>
-                  <a:schemeClr val="tx1"/>
-                </a:solidFill>
-                <a:latin typeface="+mn-lt"/>
-                <a:ea typeface="+mn-ea"/>
-                <a:cs typeface="+mn-cs"/>
-              </a:rPr>
-              <a:t>arr</a:t>
-            </a:r>
-            <a:r>
-              <a:rPr lang="en-US" sz="1200" kern="1200" dirty="0" smtClean="0">
-                <a:solidFill>
-                  <a:schemeClr val="tx1"/>
-                </a:solidFill>
-                <a:latin typeface="+mn-lt"/>
-                <a:ea typeface="+mn-ea"/>
-                <a:cs typeface="+mn-cs"/>
-              </a:rPr>
-              <a:t>[])</a:t>
-            </a:r>
-          </a:p>
-          <a:p>
-            <a:r>
-              <a:rPr lang="en-US" sz="1200" kern="1200" dirty="0" smtClean="0">
-                <a:solidFill>
-                  <a:schemeClr val="tx1"/>
-                </a:solidFill>
-                <a:latin typeface="+mn-lt"/>
-                <a:ea typeface="+mn-ea"/>
-                <a:cs typeface="+mn-cs"/>
-              </a:rPr>
-              <a:t>{</a:t>
-            </a:r>
-          </a:p>
-          <a:p>
-            <a:r>
-              <a:rPr lang="nn-NO" sz="1200" kern="1200" dirty="0" smtClean="0">
-                <a:solidFill>
-                  <a:schemeClr val="tx1"/>
-                </a:solidFill>
-                <a:latin typeface="+mn-lt"/>
-                <a:ea typeface="+mn-ea"/>
-                <a:cs typeface="+mn-cs"/>
-              </a:rPr>
-              <a:t>for (int i = 0; i &lt; n; i++)</a:t>
-            </a:r>
-          </a:p>
-          <a:p>
-            <a:r>
-              <a:rPr lang="en-US" sz="1200" kern="1200" dirty="0" smtClean="0">
-                <a:solidFill>
-                  <a:schemeClr val="tx1"/>
-                </a:solidFill>
-                <a:latin typeface="+mn-lt"/>
-                <a:ea typeface="+mn-ea"/>
-                <a:cs typeface="+mn-cs"/>
-              </a:rPr>
-              <a:t>{</a:t>
-            </a:r>
-          </a:p>
-          <a:p>
-            <a:r>
-              <a:rPr lang="en-US" sz="1200" kern="1200" dirty="0" smtClean="0">
-                <a:solidFill>
-                  <a:schemeClr val="tx1"/>
-                </a:solidFill>
-                <a:latin typeface="+mn-lt"/>
-                <a:ea typeface="+mn-ea"/>
-                <a:cs typeface="+mn-cs"/>
-              </a:rPr>
-              <a:t>//</a:t>
-            </a:r>
-            <a:r>
-              <a:rPr lang="en-US" sz="1200" kern="1200" dirty="0" err="1" smtClean="0">
-                <a:solidFill>
-                  <a:schemeClr val="tx1"/>
-                </a:solidFill>
-                <a:latin typeface="+mn-lt"/>
-                <a:ea typeface="+mn-ea"/>
-                <a:cs typeface="+mn-cs"/>
-              </a:rPr>
-              <a:t>std</a:t>
-            </a:r>
-            <a:r>
-              <a:rPr lang="en-US" sz="1200" kern="1200" dirty="0" smtClean="0">
-                <a:solidFill>
-                  <a:schemeClr val="tx1"/>
-                </a:solidFill>
-                <a:latin typeface="+mn-lt"/>
-                <a:ea typeface="+mn-ea"/>
-                <a:cs typeface="+mn-cs"/>
-              </a:rPr>
-              <a:t>::</a:t>
-            </a:r>
-            <a:r>
-              <a:rPr lang="en-US" sz="1200" kern="1200" dirty="0" err="1" smtClean="0">
-                <a:solidFill>
-                  <a:schemeClr val="tx1"/>
-                </a:solidFill>
-                <a:latin typeface="+mn-lt"/>
-                <a:ea typeface="+mn-ea"/>
-                <a:cs typeface="+mn-cs"/>
-              </a:rPr>
-              <a:t>cout</a:t>
-            </a:r>
-            <a:r>
-              <a:rPr lang="en-US" sz="1200" kern="1200" dirty="0" smtClean="0">
-                <a:solidFill>
-                  <a:schemeClr val="tx1"/>
-                </a:solidFill>
-                <a:latin typeface="+mn-lt"/>
-                <a:ea typeface="+mn-ea"/>
-                <a:cs typeface="+mn-cs"/>
-              </a:rPr>
-              <a:t> &lt;&lt; </a:t>
-            </a:r>
-            <a:r>
-              <a:rPr lang="en-US" sz="1200" kern="1200" dirty="0" err="1" smtClean="0">
-                <a:solidFill>
-                  <a:schemeClr val="tx1"/>
-                </a:solidFill>
-                <a:latin typeface="+mn-lt"/>
-                <a:ea typeface="+mn-ea"/>
-                <a:cs typeface="+mn-cs"/>
-              </a:rPr>
-              <a:t>arr</a:t>
-            </a:r>
-            <a:r>
-              <a:rPr lang="en-US" sz="1200" kern="1200" dirty="0" smtClean="0">
-                <a:solidFill>
-                  <a:schemeClr val="tx1"/>
-                </a:solidFill>
-                <a:latin typeface="+mn-lt"/>
-                <a:ea typeface="+mn-ea"/>
-                <a:cs typeface="+mn-cs"/>
-              </a:rPr>
-              <a:t>[</a:t>
-            </a:r>
-            <a:r>
-              <a:rPr lang="en-US" sz="1200" kern="1200" dirty="0" err="1" smtClean="0">
-                <a:solidFill>
-                  <a:schemeClr val="tx1"/>
-                </a:solidFill>
-                <a:latin typeface="+mn-lt"/>
-                <a:ea typeface="+mn-ea"/>
-                <a:cs typeface="+mn-cs"/>
-              </a:rPr>
-              <a:t>i</a:t>
-            </a:r>
-            <a:r>
-              <a:rPr lang="en-US" sz="1200" kern="1200" dirty="0" smtClean="0">
-                <a:solidFill>
-                  <a:schemeClr val="tx1"/>
-                </a:solidFill>
-                <a:latin typeface="+mn-lt"/>
-                <a:ea typeface="+mn-ea"/>
-                <a:cs typeface="+mn-cs"/>
-              </a:rPr>
-              <a:t>];//.Print();</a:t>
-            </a:r>
-          </a:p>
-          <a:p>
-            <a:r>
-              <a:rPr lang="en-US" sz="1200" kern="1200" dirty="0" smtClean="0">
-                <a:solidFill>
-                  <a:schemeClr val="tx1"/>
-                </a:solidFill>
-                <a:latin typeface="+mn-lt"/>
-                <a:ea typeface="+mn-ea"/>
-                <a:cs typeface="+mn-cs"/>
-              </a:rPr>
-              <a:t>//</a:t>
-            </a:r>
-            <a:r>
-              <a:rPr lang="en-US" sz="1200" kern="1200" dirty="0" err="1" smtClean="0">
-                <a:solidFill>
-                  <a:schemeClr val="tx1"/>
-                </a:solidFill>
-                <a:latin typeface="+mn-lt"/>
-                <a:ea typeface="+mn-ea"/>
-                <a:cs typeface="+mn-cs"/>
-              </a:rPr>
-              <a:t>arr</a:t>
-            </a:r>
-            <a:r>
-              <a:rPr lang="en-US" sz="1200" kern="1200" dirty="0" smtClean="0">
-                <a:solidFill>
-                  <a:schemeClr val="tx1"/>
-                </a:solidFill>
-                <a:latin typeface="+mn-lt"/>
-                <a:ea typeface="+mn-ea"/>
-                <a:cs typeface="+mn-cs"/>
-              </a:rPr>
-              <a:t>[</a:t>
-            </a:r>
-            <a:r>
-              <a:rPr lang="en-US" sz="1200" kern="1200" dirty="0" err="1" smtClean="0">
-                <a:solidFill>
-                  <a:schemeClr val="tx1"/>
-                </a:solidFill>
-                <a:latin typeface="+mn-lt"/>
-                <a:ea typeface="+mn-ea"/>
-                <a:cs typeface="+mn-cs"/>
-              </a:rPr>
-              <a:t>i</a:t>
-            </a:r>
-            <a:r>
-              <a:rPr lang="en-US" sz="1200" kern="1200" dirty="0" smtClean="0">
-                <a:solidFill>
-                  <a:schemeClr val="tx1"/>
-                </a:solidFill>
-                <a:latin typeface="+mn-lt"/>
-                <a:ea typeface="+mn-ea"/>
-                <a:cs typeface="+mn-cs"/>
-              </a:rPr>
-              <a:t>].operator&lt;&lt;(</a:t>
-            </a:r>
-            <a:r>
-              <a:rPr lang="en-US" sz="1200" kern="1200" dirty="0" err="1" smtClean="0">
-                <a:solidFill>
-                  <a:schemeClr val="tx1"/>
-                </a:solidFill>
-                <a:latin typeface="+mn-lt"/>
-                <a:ea typeface="+mn-ea"/>
-                <a:cs typeface="+mn-cs"/>
-              </a:rPr>
-              <a:t>std</a:t>
-            </a:r>
-            <a:r>
-              <a:rPr lang="en-US" sz="1200" kern="1200" dirty="0" smtClean="0">
-                <a:solidFill>
-                  <a:schemeClr val="tx1"/>
-                </a:solidFill>
-                <a:latin typeface="+mn-lt"/>
-                <a:ea typeface="+mn-ea"/>
-                <a:cs typeface="+mn-cs"/>
-              </a:rPr>
-              <a:t>::</a:t>
-            </a:r>
-            <a:r>
-              <a:rPr lang="en-US" sz="1200" kern="1200" dirty="0" err="1" smtClean="0">
-                <a:solidFill>
-                  <a:schemeClr val="tx1"/>
-                </a:solidFill>
-                <a:latin typeface="+mn-lt"/>
-                <a:ea typeface="+mn-ea"/>
-                <a:cs typeface="+mn-cs"/>
-              </a:rPr>
-              <a:t>cout</a:t>
-            </a:r>
-            <a:r>
-              <a:rPr lang="en-US" sz="1200" kern="1200" dirty="0" smtClean="0">
-                <a:solidFill>
-                  <a:schemeClr val="tx1"/>
-                </a:solidFill>
-                <a:latin typeface="+mn-lt"/>
-                <a:ea typeface="+mn-ea"/>
-                <a:cs typeface="+mn-cs"/>
-              </a:rPr>
-              <a:t>);</a:t>
-            </a:r>
-          </a:p>
-          <a:p>
-            <a:r>
-              <a:rPr lang="en-US" sz="1200" kern="1200" dirty="0" err="1" smtClean="0">
-                <a:solidFill>
-                  <a:schemeClr val="tx1"/>
-                </a:solidFill>
-                <a:latin typeface="+mn-lt"/>
-                <a:ea typeface="+mn-ea"/>
-                <a:cs typeface="+mn-cs"/>
-              </a:rPr>
-              <a:t>std</a:t>
-            </a:r>
-            <a:r>
-              <a:rPr lang="en-US" sz="1200" kern="1200" dirty="0" smtClean="0">
-                <a:solidFill>
-                  <a:schemeClr val="tx1"/>
-                </a:solidFill>
-                <a:latin typeface="+mn-lt"/>
-                <a:ea typeface="+mn-ea"/>
-                <a:cs typeface="+mn-cs"/>
-              </a:rPr>
-              <a:t>::</a:t>
-            </a:r>
-            <a:r>
-              <a:rPr lang="en-US" sz="1200" kern="1200" dirty="0" err="1" smtClean="0">
-                <a:solidFill>
-                  <a:schemeClr val="tx1"/>
-                </a:solidFill>
-                <a:latin typeface="+mn-lt"/>
-                <a:ea typeface="+mn-ea"/>
-                <a:cs typeface="+mn-cs"/>
-              </a:rPr>
-              <a:t>cout</a:t>
-            </a:r>
-            <a:r>
-              <a:rPr lang="en-US" sz="1200" kern="1200" dirty="0" smtClean="0">
-                <a:solidFill>
-                  <a:schemeClr val="tx1"/>
-                </a:solidFill>
-                <a:latin typeface="+mn-lt"/>
-                <a:ea typeface="+mn-ea"/>
-                <a:cs typeface="+mn-cs"/>
-              </a:rPr>
-              <a:t> &lt;&lt; </a:t>
-            </a:r>
-            <a:r>
-              <a:rPr lang="en-US" sz="1200" kern="1200" dirty="0" err="1" smtClean="0">
-                <a:solidFill>
-                  <a:schemeClr val="tx1"/>
-                </a:solidFill>
-                <a:latin typeface="+mn-lt"/>
-                <a:ea typeface="+mn-ea"/>
-                <a:cs typeface="+mn-cs"/>
-              </a:rPr>
-              <a:t>arr</a:t>
-            </a:r>
-            <a:r>
-              <a:rPr lang="en-US" sz="1200" kern="1200" dirty="0" smtClean="0">
-                <a:solidFill>
-                  <a:schemeClr val="tx1"/>
-                </a:solidFill>
-                <a:latin typeface="+mn-lt"/>
-                <a:ea typeface="+mn-ea"/>
-                <a:cs typeface="+mn-cs"/>
-              </a:rPr>
-              <a:t>[</a:t>
-            </a:r>
-            <a:r>
-              <a:rPr lang="en-US" sz="1200" kern="1200" dirty="0" err="1" smtClean="0">
-                <a:solidFill>
-                  <a:schemeClr val="tx1"/>
-                </a:solidFill>
-                <a:latin typeface="+mn-lt"/>
-                <a:ea typeface="+mn-ea"/>
-                <a:cs typeface="+mn-cs"/>
-              </a:rPr>
-              <a:t>i</a:t>
-            </a:r>
-            <a:r>
-              <a:rPr lang="en-US" sz="1200" kern="1200" dirty="0" smtClean="0">
-                <a:solidFill>
-                  <a:schemeClr val="tx1"/>
-                </a:solidFill>
-                <a:latin typeface="+mn-lt"/>
-                <a:ea typeface="+mn-ea"/>
-                <a:cs typeface="+mn-cs"/>
-              </a:rPr>
-              <a:t>];</a:t>
-            </a:r>
-          </a:p>
-          <a:p>
-            <a:r>
-              <a:rPr lang="en-US" sz="1200" kern="1200" dirty="0" smtClean="0">
-                <a:solidFill>
-                  <a:schemeClr val="tx1"/>
-                </a:solidFill>
-                <a:latin typeface="+mn-lt"/>
-                <a:ea typeface="+mn-ea"/>
-                <a:cs typeface="+mn-cs"/>
-              </a:rPr>
-              <a:t>//</a:t>
-            </a:r>
-            <a:r>
-              <a:rPr lang="en-US" sz="1200" kern="1200" dirty="0" err="1" smtClean="0">
-                <a:solidFill>
-                  <a:schemeClr val="tx1"/>
-                </a:solidFill>
-                <a:latin typeface="+mn-lt"/>
-                <a:ea typeface="+mn-ea"/>
-                <a:cs typeface="+mn-cs"/>
-              </a:rPr>
-              <a:t>arr</a:t>
-            </a:r>
-            <a:r>
-              <a:rPr lang="en-US" sz="1200" kern="1200" dirty="0" smtClean="0">
-                <a:solidFill>
-                  <a:schemeClr val="tx1"/>
-                </a:solidFill>
-                <a:latin typeface="+mn-lt"/>
-                <a:ea typeface="+mn-ea"/>
-                <a:cs typeface="+mn-cs"/>
-              </a:rPr>
-              <a:t>[</a:t>
-            </a:r>
-            <a:r>
-              <a:rPr lang="en-US" sz="1200" kern="1200" dirty="0" err="1" smtClean="0">
-                <a:solidFill>
-                  <a:schemeClr val="tx1"/>
-                </a:solidFill>
-                <a:latin typeface="+mn-lt"/>
-                <a:ea typeface="+mn-ea"/>
-                <a:cs typeface="+mn-cs"/>
-              </a:rPr>
-              <a:t>i</a:t>
-            </a:r>
-            <a:r>
-              <a:rPr lang="en-US" sz="1200" kern="1200" dirty="0" smtClean="0">
-                <a:solidFill>
-                  <a:schemeClr val="tx1"/>
-                </a:solidFill>
-                <a:latin typeface="+mn-lt"/>
-                <a:ea typeface="+mn-ea"/>
-                <a:cs typeface="+mn-cs"/>
-              </a:rPr>
-              <a:t>] &lt;&lt; (</a:t>
-            </a:r>
-            <a:r>
-              <a:rPr lang="en-US" sz="1200" kern="1200" dirty="0" err="1" smtClean="0">
-                <a:solidFill>
-                  <a:schemeClr val="tx1"/>
-                </a:solidFill>
-                <a:latin typeface="+mn-lt"/>
-                <a:ea typeface="+mn-ea"/>
-                <a:cs typeface="+mn-cs"/>
-              </a:rPr>
-              <a:t>std</a:t>
-            </a:r>
-            <a:r>
-              <a:rPr lang="en-US" sz="1200" kern="1200" dirty="0" smtClean="0">
-                <a:solidFill>
-                  <a:schemeClr val="tx1"/>
-                </a:solidFill>
-                <a:latin typeface="+mn-lt"/>
-                <a:ea typeface="+mn-ea"/>
-                <a:cs typeface="+mn-cs"/>
-              </a:rPr>
-              <a:t>::</a:t>
-            </a:r>
-            <a:r>
-              <a:rPr lang="en-US" sz="1200" kern="1200" dirty="0" err="1" smtClean="0">
-                <a:solidFill>
-                  <a:schemeClr val="tx1"/>
-                </a:solidFill>
-                <a:latin typeface="+mn-lt"/>
-                <a:ea typeface="+mn-ea"/>
-                <a:cs typeface="+mn-cs"/>
-              </a:rPr>
-              <a:t>cout</a:t>
-            </a:r>
-            <a:r>
-              <a:rPr lang="en-US" sz="1200" kern="1200" dirty="0" smtClean="0">
-                <a:solidFill>
-                  <a:schemeClr val="tx1"/>
-                </a:solidFill>
-                <a:latin typeface="+mn-lt"/>
-                <a:ea typeface="+mn-ea"/>
-                <a:cs typeface="+mn-cs"/>
-              </a:rPr>
-              <a:t>);</a:t>
-            </a:r>
-          </a:p>
-          <a:p>
-            <a:r>
-              <a:rPr lang="en-US" sz="1200" kern="1200" dirty="0" smtClean="0">
-                <a:solidFill>
-                  <a:schemeClr val="tx1"/>
-                </a:solidFill>
-                <a:latin typeface="+mn-lt"/>
-                <a:ea typeface="+mn-ea"/>
-                <a:cs typeface="+mn-cs"/>
-              </a:rPr>
-              <a:t>}</a:t>
-            </a:r>
-          </a:p>
-          <a:p>
-            <a:r>
-              <a:rPr lang="en-US" sz="1200" kern="1200" dirty="0" smtClean="0">
-                <a:solidFill>
-                  <a:schemeClr val="tx1"/>
-                </a:solidFill>
-                <a:latin typeface="+mn-lt"/>
-                <a:ea typeface="+mn-ea"/>
-                <a:cs typeface="+mn-cs"/>
-              </a:rPr>
-              <a:t>}</a:t>
-            </a:r>
-          </a:p>
-          <a:p>
-            <a:endParaRPr lang="en-US" sz="1200" kern="1200" dirty="0" smtClean="0">
-              <a:solidFill>
-                <a:schemeClr val="tx1"/>
-              </a:solidFill>
-              <a:latin typeface="+mn-lt"/>
-              <a:ea typeface="+mn-ea"/>
-              <a:cs typeface="+mn-cs"/>
-            </a:endParaRPr>
-          </a:p>
-          <a:p>
-            <a:endParaRPr lang="en-US" sz="1200" kern="1200" dirty="0" smtClean="0">
-              <a:solidFill>
-                <a:schemeClr val="tx1"/>
-              </a:solidFill>
-              <a:latin typeface="+mn-lt"/>
-              <a:ea typeface="+mn-ea"/>
-              <a:cs typeface="+mn-cs"/>
-            </a:endParaRPr>
-          </a:p>
-          <a:p>
-            <a:r>
-              <a:rPr lang="en-US" sz="1200" kern="1200" dirty="0" smtClean="0">
-                <a:solidFill>
-                  <a:schemeClr val="tx1"/>
-                </a:solidFill>
-                <a:latin typeface="+mn-lt"/>
-                <a:ea typeface="+mn-ea"/>
-                <a:cs typeface="+mn-cs"/>
-              </a:rPr>
-              <a:t>class </a:t>
-            </a:r>
-            <a:r>
-              <a:rPr lang="en-US" sz="1200" kern="1200" dirty="0" err="1" smtClean="0">
-                <a:solidFill>
-                  <a:schemeClr val="tx1"/>
-                </a:solidFill>
-                <a:latin typeface="+mn-lt"/>
-                <a:ea typeface="+mn-ea"/>
-                <a:cs typeface="+mn-cs"/>
-              </a:rPr>
-              <a:t>PointsManager</a:t>
-            </a:r>
-            <a:endParaRPr lang="en-US" sz="1200" kern="1200" dirty="0" smtClean="0">
-              <a:solidFill>
-                <a:schemeClr val="tx1"/>
-              </a:solidFill>
-              <a:latin typeface="+mn-lt"/>
-              <a:ea typeface="+mn-ea"/>
-              <a:cs typeface="+mn-cs"/>
-            </a:endParaRPr>
-          </a:p>
-          <a:p>
-            <a:r>
-              <a:rPr lang="en-US" sz="1200" kern="1200" dirty="0" smtClean="0">
-                <a:solidFill>
-                  <a:schemeClr val="tx1"/>
-                </a:solidFill>
-                <a:latin typeface="+mn-lt"/>
-                <a:ea typeface="+mn-ea"/>
-                <a:cs typeface="+mn-cs"/>
-              </a:rPr>
-              <a:t>{</a:t>
-            </a:r>
-          </a:p>
-          <a:p>
-            <a:r>
-              <a:rPr lang="en-US" sz="1200" kern="1200" dirty="0" smtClean="0">
-                <a:solidFill>
-                  <a:schemeClr val="tx1"/>
-                </a:solidFill>
-                <a:latin typeface="+mn-lt"/>
-                <a:ea typeface="+mn-ea"/>
-                <a:cs typeface="+mn-cs"/>
-              </a:rPr>
-              <a:t>public:</a:t>
-            </a:r>
-          </a:p>
-          <a:p>
-            <a:r>
-              <a:rPr lang="en-US" sz="1200" kern="1200" dirty="0" smtClean="0">
-                <a:solidFill>
-                  <a:schemeClr val="tx1"/>
-                </a:solidFill>
-                <a:latin typeface="+mn-lt"/>
-                <a:ea typeface="+mn-ea"/>
-                <a:cs typeface="+mn-cs"/>
-              </a:rPr>
-              <a:t>static void Input(</a:t>
-            </a:r>
-            <a:r>
-              <a:rPr lang="en-US" sz="1200" kern="1200" dirty="0" err="1" smtClean="0">
-                <a:solidFill>
-                  <a:schemeClr val="tx1"/>
-                </a:solidFill>
-                <a:latin typeface="+mn-lt"/>
-                <a:ea typeface="+mn-ea"/>
-                <a:cs typeface="+mn-cs"/>
-              </a:rPr>
-              <a:t>int</a:t>
-            </a:r>
-            <a:r>
-              <a:rPr lang="en-US" sz="1200" kern="1200" dirty="0" smtClean="0">
-                <a:solidFill>
-                  <a:schemeClr val="tx1"/>
-                </a:solidFill>
-                <a:latin typeface="+mn-lt"/>
-                <a:ea typeface="+mn-ea"/>
-                <a:cs typeface="+mn-cs"/>
-              </a:rPr>
-              <a:t> n, Point3D </a:t>
-            </a:r>
-            <a:r>
-              <a:rPr lang="en-US" sz="1200" kern="1200" dirty="0" err="1" smtClean="0">
-                <a:solidFill>
-                  <a:schemeClr val="tx1"/>
-                </a:solidFill>
-                <a:latin typeface="+mn-lt"/>
-                <a:ea typeface="+mn-ea"/>
-                <a:cs typeface="+mn-cs"/>
-              </a:rPr>
-              <a:t>arr</a:t>
-            </a:r>
-            <a:r>
-              <a:rPr lang="en-US" sz="1200" kern="1200" dirty="0" smtClean="0">
-                <a:solidFill>
-                  <a:schemeClr val="tx1"/>
-                </a:solidFill>
-                <a:latin typeface="+mn-lt"/>
-                <a:ea typeface="+mn-ea"/>
-                <a:cs typeface="+mn-cs"/>
-              </a:rPr>
-              <a:t>[]);</a:t>
-            </a:r>
-          </a:p>
-          <a:p>
-            <a:r>
-              <a:rPr lang="en-US" sz="1200" kern="1200" dirty="0" smtClean="0">
-                <a:solidFill>
-                  <a:schemeClr val="tx1"/>
-                </a:solidFill>
-                <a:latin typeface="+mn-lt"/>
-                <a:ea typeface="+mn-ea"/>
-                <a:cs typeface="+mn-cs"/>
-              </a:rPr>
-              <a:t>static void Symmetry(</a:t>
-            </a:r>
-            <a:r>
-              <a:rPr lang="en-US" sz="1200" kern="1200" dirty="0" err="1" smtClean="0">
-                <a:solidFill>
-                  <a:schemeClr val="tx1"/>
-                </a:solidFill>
-                <a:latin typeface="+mn-lt"/>
-                <a:ea typeface="+mn-ea"/>
-                <a:cs typeface="+mn-cs"/>
-              </a:rPr>
-              <a:t>int</a:t>
-            </a:r>
-            <a:r>
-              <a:rPr lang="en-US" sz="1200" kern="1200" dirty="0" smtClean="0">
-                <a:solidFill>
-                  <a:schemeClr val="tx1"/>
-                </a:solidFill>
-                <a:latin typeface="+mn-lt"/>
-                <a:ea typeface="+mn-ea"/>
-                <a:cs typeface="+mn-cs"/>
-              </a:rPr>
-              <a:t> n, Point3D </a:t>
-            </a:r>
-            <a:r>
-              <a:rPr lang="en-US" sz="1200" kern="1200" dirty="0" err="1" smtClean="0">
-                <a:solidFill>
-                  <a:schemeClr val="tx1"/>
-                </a:solidFill>
-                <a:latin typeface="+mn-lt"/>
-                <a:ea typeface="+mn-ea"/>
-                <a:cs typeface="+mn-cs"/>
-              </a:rPr>
-              <a:t>arr</a:t>
-            </a:r>
-            <a:r>
-              <a:rPr lang="en-US" sz="1200" kern="1200" dirty="0" smtClean="0">
-                <a:solidFill>
-                  <a:schemeClr val="tx1"/>
-                </a:solidFill>
-                <a:latin typeface="+mn-lt"/>
-                <a:ea typeface="+mn-ea"/>
-                <a:cs typeface="+mn-cs"/>
-              </a:rPr>
-              <a:t>[]);</a:t>
-            </a:r>
-          </a:p>
-          <a:p>
-            <a:r>
-              <a:rPr lang="en-US" sz="1200" kern="1200" dirty="0" smtClean="0">
-                <a:solidFill>
-                  <a:schemeClr val="tx1"/>
-                </a:solidFill>
-                <a:latin typeface="+mn-lt"/>
-                <a:ea typeface="+mn-ea"/>
-                <a:cs typeface="+mn-cs"/>
-              </a:rPr>
-              <a:t>static void Output(</a:t>
-            </a:r>
-            <a:r>
-              <a:rPr lang="en-US" sz="1200" kern="1200" dirty="0" err="1" smtClean="0">
-                <a:solidFill>
-                  <a:schemeClr val="tx1"/>
-                </a:solidFill>
-                <a:latin typeface="+mn-lt"/>
-                <a:ea typeface="+mn-ea"/>
-                <a:cs typeface="+mn-cs"/>
-              </a:rPr>
-              <a:t>int</a:t>
-            </a:r>
-            <a:r>
-              <a:rPr lang="en-US" sz="1200" kern="1200" dirty="0" smtClean="0">
-                <a:solidFill>
-                  <a:schemeClr val="tx1"/>
-                </a:solidFill>
-                <a:latin typeface="+mn-lt"/>
-                <a:ea typeface="+mn-ea"/>
-                <a:cs typeface="+mn-cs"/>
-              </a:rPr>
-              <a:t> n, Point3D </a:t>
-            </a:r>
-            <a:r>
-              <a:rPr lang="en-US" sz="1200" kern="1200" dirty="0" err="1" smtClean="0">
-                <a:solidFill>
-                  <a:schemeClr val="tx1"/>
-                </a:solidFill>
-                <a:latin typeface="+mn-lt"/>
-                <a:ea typeface="+mn-ea"/>
-                <a:cs typeface="+mn-cs"/>
-              </a:rPr>
-              <a:t>arr</a:t>
-            </a:r>
-            <a:r>
-              <a:rPr lang="en-US" sz="1200" kern="1200" dirty="0" smtClean="0">
-                <a:solidFill>
-                  <a:schemeClr val="tx1"/>
-                </a:solidFill>
-                <a:latin typeface="+mn-lt"/>
-                <a:ea typeface="+mn-ea"/>
-                <a:cs typeface="+mn-cs"/>
-              </a:rPr>
-              <a:t>[]);</a:t>
-            </a:r>
-          </a:p>
-          <a:p>
-            <a:r>
-              <a:rPr lang="en-US" sz="1200" kern="1200" dirty="0" smtClean="0">
-                <a:solidFill>
-                  <a:schemeClr val="tx1"/>
-                </a:solidFill>
-                <a:latin typeface="+mn-lt"/>
-                <a:ea typeface="+mn-ea"/>
-                <a:cs typeface="+mn-cs"/>
-              </a:rPr>
-              <a:t>};</a:t>
-            </a:r>
-            <a:endParaRPr lang="en-US" dirty="0"/>
-          </a:p>
-        </p:txBody>
-      </p:sp>
-      <p:sp>
-        <p:nvSpPr>
-          <p:cNvPr id="4" name="Slide Number Placeholder 3"/>
-          <p:cNvSpPr>
-            <a:spLocks noGrp="1"/>
-          </p:cNvSpPr>
-          <p:nvPr>
-            <p:ph type="sldNum" sz="quarter" idx="10"/>
-          </p:nvPr>
-        </p:nvSpPr>
-        <p:spPr/>
-        <p:txBody>
-          <a:bodyPr/>
-          <a:lstStyle/>
-          <a:p>
-            <a:fld id="{00D5D164-6E2E-4DCE-914B-FE6706E63BD9}" type="slidenum">
-              <a:rPr lang="en-US" smtClean="0"/>
-              <a:t>6</a:t>
-            </a:fld>
-            <a:endParaRPr lang="en-US"/>
-          </a:p>
-        </p:txBody>
-      </p:sp>
-    </p:spTree>
-    <p:extLst>
-      <p:ext uri="{BB962C8B-B14F-4D97-AF65-F5344CB8AC3E}">
-        <p14:creationId xmlns:p14="http://schemas.microsoft.com/office/powerpoint/2010/main" val="1232990938"/>
-      </p:ext>
-    </p:extLst>
-  </p:cSld>
-  <p:clrMapOvr>
-    <a:masterClrMapping/>
-  </p:clrMapOvr>
-</p:notes>
-</file>
-
 <file path=ppt/slideLayouts/slideLayout1.xml><?xml version="1.0" encoding="utf-8"?>
 <p:sldLayout xmlns:a="http://schemas.openxmlformats.org/drawingml/2006/main" xmlns:r="http://schemas.openxmlformats.org/officeDocument/2006/relationships" xmlns:p="http://schemas.openxmlformats.org/presentationml/2006/main" showMasterSp="0" type="title" preserve="1">
   <p:cSld name="Title Slide">
@@ -4744,7 +871,7 @@
           <a:p>
             <a:fld id="{83284890-85D2-4D7B-8EF5-15A9C1DB8F42}" type="datetimeFigureOut">
               <a:rPr lang="en-US" dirty="0"/>
-              <a:t>3/25/2019</a:t>
+              <a:t>4/11/2019</a:t>
             </a:fld>
             <a:endParaRPr lang="en-US" dirty="0"/>
           </a:p>
@@ -4919,7 +1046,7 @@
           <a:p>
             <a:fld id="{87157CC2-0FC8-4686-B024-99790E0F5162}" type="datetimeFigureOut">
               <a:rPr lang="en-US" dirty="0"/>
-              <a:t>3/25/2019</a:t>
+              <a:t>4/11/2019</a:t>
             </a:fld>
             <a:endParaRPr lang="en-US" dirty="0"/>
           </a:p>
@@ -5094,7 +1221,7 @@
           <a:p>
             <a:fld id="{F6764DA5-CD3D-4590-A511-FCD3BC7A793E}" type="datetimeFigureOut">
               <a:rPr lang="en-US" dirty="0"/>
-              <a:t>3/25/2019</a:t>
+              <a:t>4/11/2019</a:t>
             </a:fld>
             <a:endParaRPr lang="en-US" dirty="0"/>
           </a:p>
@@ -5259,7 +1386,7 @@
           <a:p>
             <a:fld id="{82F5661D-6934-4B32-B92C-470368BF1EC6}" type="datetimeFigureOut">
               <a:rPr lang="en-US" dirty="0"/>
-              <a:t>3/25/2019</a:t>
+              <a:t>4/11/2019</a:t>
             </a:fld>
             <a:endParaRPr lang="en-US" dirty="0"/>
           </a:p>
@@ -5567,7 +1694,7 @@
           <a:p>
             <a:fld id="{C6F822A4-8DA6-4447-9B1F-C5DB58435268}" type="datetimeFigureOut">
               <a:rPr lang="en-US" dirty="0"/>
-              <a:t>3/25/2019</a:t>
+              <a:t>4/11/2019</a:t>
             </a:fld>
             <a:endParaRPr lang="en-US" dirty="0"/>
           </a:p>
@@ -5949,7 +2076,7 @@
           <a:p>
             <a:fld id="{E548D31E-DCDA-41A7-9C67-C4B11B94D21D}" type="datetimeFigureOut">
               <a:rPr lang="en-US" dirty="0"/>
-              <a:t>3/25/2019</a:t>
+              <a:t>4/11/2019</a:t>
             </a:fld>
             <a:endParaRPr lang="en-US" dirty="0"/>
           </a:p>
@@ -6378,7 +2505,7 @@
           <a:p>
             <a:fld id="{9B3762C0-B258-48F1-ADE6-176B4174CCDD}" type="datetimeFigureOut">
               <a:rPr lang="en-US" dirty="0"/>
-              <a:t>3/25/2019</a:t>
+              <a:t>4/11/2019</a:t>
             </a:fld>
             <a:endParaRPr lang="en-US" dirty="0"/>
           </a:p>
@@ -6491,7 +2618,7 @@
           <a:p>
             <a:fld id="{677919A6-33EB-49BD-A62F-1FA56B9F9712}" type="datetimeFigureOut">
               <a:rPr lang="en-US" dirty="0"/>
-              <a:t>3/25/2019</a:t>
+              <a:t>4/11/2019</a:t>
             </a:fld>
             <a:endParaRPr lang="en-US" dirty="0"/>
           </a:p>
@@ -6581,7 +2708,7 @@
           <a:p>
             <a:fld id="{CA4E7D1B-D673-4CF6-8672-009D42ABD2A0}" type="datetimeFigureOut">
               <a:rPr lang="en-US" dirty="0"/>
-              <a:t>3/25/2019</a:t>
+              <a:t>4/11/2019</a:t>
             </a:fld>
             <a:endParaRPr lang="en-US" dirty="0"/>
           </a:p>
@@ -6926,7 +3053,7 @@
           <a:p>
             <a:fld id="{DA16AA21-1863-4931-97CB-99D0A168701B}" type="datetimeFigureOut">
               <a:rPr lang="en-US" dirty="0"/>
-              <a:t>3/25/2019</a:t>
+              <a:t>4/11/2019</a:t>
             </a:fld>
             <a:endParaRPr lang="en-US" dirty="0"/>
           </a:p>
@@ -7346,7 +3473,7 @@
           <a:p>
             <a:fld id="{3772C379-9A7C-4C87-A116-CBE9F58B04C5}" type="datetimeFigureOut">
               <a:rPr lang="en-US" dirty="0"/>
-              <a:t>3/25/2019</a:t>
+              <a:t>4/11/2019</a:t>
             </a:fld>
             <a:endParaRPr lang="en-US" dirty="0"/>
           </a:p>
@@ -7622,7 +3749,7 @@
           <a:p>
             <a:fld id="{8664C608-40B1-4030-A28D-5B74BC98ADCE}" type="datetimeFigureOut">
               <a:rPr lang="en-US" dirty="0"/>
-              <a:t>3/25/2019</a:t>
+              <a:t>4/11/2019</a:t>
             </a:fld>
             <a:endParaRPr lang="en-US" dirty="0"/>
           </a:p>
@@ -8220,11 +4347,7 @@
             </a:r>
             <a:r>
               <a:rPr lang="en-US" sz="7200" dirty="0" smtClean="0"/>
-              <a:t> and </a:t>
-            </a:r>
-            <a:r>
-              <a:rPr lang="en-US" sz="7200" dirty="0" smtClean="0"/>
-              <a:t>Operators Exercise</a:t>
+              <a:t> and Operators Exercise</a:t>
             </a:r>
             <a:endParaRPr lang="en-US" sz="7200" dirty="0"/>
           </a:p>
@@ -8266,84 +4389,6 @@
       </p:par>
     </p:tnLst>
   </p:timing>
-</p:sld>
-</file>
-
-<file path=ppt/slides/slide10.xml><?xml version="1.0" encoding="utf-8"?>
-<p:sld xmlns:a="http://schemas.openxmlformats.org/drawingml/2006/main" xmlns:r="http://schemas.openxmlformats.org/officeDocument/2006/relationships" xmlns:p="http://schemas.openxmlformats.org/presentationml/2006/main">
-  <p:cSld>
-    <p:spTree>
-      <p:nvGrpSpPr>
-        <p:cNvPr id="1" name=""/>
-        <p:cNvGrpSpPr/>
-        <p:nvPr/>
-      </p:nvGrpSpPr>
-      <p:grpSpPr>
-        <a:xfrm>
-          <a:off x="0" y="0"/>
-          <a:ext cx="0" cy="0"/>
-          <a:chOff x="0" y="0"/>
-          <a:chExt cx="0" cy="0"/>
-        </a:xfrm>
-      </p:grpSpPr>
-      <p:sp>
-        <p:nvSpPr>
-          <p:cNvPr id="2" name="Title 1"/>
-          <p:cNvSpPr>
-            <a:spLocks noGrp="1"/>
-          </p:cNvSpPr>
-          <p:nvPr>
-            <p:ph type="title"/>
-          </p:nvPr>
-        </p:nvSpPr>
-        <p:spPr/>
-        <p:txBody>
-          <a:bodyPr>
-            <a:normAutofit fontScale="90000"/>
-          </a:bodyPr>
-          <a:lstStyle/>
-          <a:p>
-            <a:r>
-              <a:rPr lang="en-US" dirty="0" smtClean="0"/>
-              <a:t>Problem6: Refactor Solution to use override operators and Constructors where it is </a:t>
-            </a:r>
-            <a:r>
-              <a:rPr lang="en-US" dirty="0" err="1" smtClean="0"/>
-              <a:t>posible</a:t>
-            </a:r>
-            <a:endParaRPr lang="en-US" dirty="0"/>
-          </a:p>
-        </p:txBody>
-      </p:sp>
-      <p:sp>
-        <p:nvSpPr>
-          <p:cNvPr id="3" name="Content Placeholder 2"/>
-          <p:cNvSpPr>
-            <a:spLocks noGrp="1"/>
-          </p:cNvSpPr>
-          <p:nvPr>
-            <p:ph idx="1"/>
-          </p:nvPr>
-        </p:nvSpPr>
-        <p:spPr/>
-        <p:txBody>
-          <a:bodyPr/>
-          <a:lstStyle/>
-          <a:p>
-            <a:endParaRPr lang="en-US" dirty="0"/>
-          </a:p>
-        </p:txBody>
-      </p:sp>
-    </p:spTree>
-    <p:extLst>
-      <p:ext uri="{BB962C8B-B14F-4D97-AF65-F5344CB8AC3E}">
-        <p14:creationId xmlns:p14="http://schemas.microsoft.com/office/powerpoint/2010/main" val="1746763090"/>
-      </p:ext>
-    </p:extLst>
-  </p:cSld>
-  <p:clrMapOvr>
-    <a:masterClrMapping/>
-  </p:clrMapOvr>
 </p:sld>
 </file>
 
@@ -10384,2299 +6429,6 @@
       </p:par>
     </p:tnLst>
   </p:timing>
-</p:sld>
-</file>
-
-<file path=ppt/slides/slide5.xml><?xml version="1.0" encoding="utf-8"?>
-<p:sld xmlns:a="http://schemas.openxmlformats.org/drawingml/2006/main" xmlns:r="http://schemas.openxmlformats.org/officeDocument/2006/relationships" xmlns:p="http://schemas.openxmlformats.org/presentationml/2006/main">
-  <p:cSld>
-    <p:spTree>
-      <p:nvGrpSpPr>
-        <p:cNvPr id="1" name=""/>
-        <p:cNvGrpSpPr/>
-        <p:nvPr/>
-      </p:nvGrpSpPr>
-      <p:grpSpPr>
-        <a:xfrm>
-          <a:off x="0" y="0"/>
-          <a:ext cx="0" cy="0"/>
-          <a:chOff x="0" y="0"/>
-          <a:chExt cx="0" cy="0"/>
-        </a:xfrm>
-      </p:grpSpPr>
-      <p:sp>
-        <p:nvSpPr>
-          <p:cNvPr id="2" name="Title 1"/>
-          <p:cNvSpPr>
-            <a:spLocks noGrp="1"/>
-          </p:cNvSpPr>
-          <p:nvPr>
-            <p:ph type="title"/>
-          </p:nvPr>
-        </p:nvSpPr>
-        <p:spPr>
-          <a:xfrm>
-            <a:off x="339634" y="484632"/>
-            <a:ext cx="11460480" cy="577814"/>
-          </a:xfrm>
-        </p:spPr>
-        <p:txBody>
-          <a:bodyPr>
-            <a:noAutofit/>
-          </a:bodyPr>
-          <a:lstStyle/>
-          <a:p>
-            <a:r>
-              <a:rPr lang="en-US" sz="4400" dirty="0" smtClean="0"/>
-              <a:t>Solution eXAm1: </a:t>
-            </a:r>
-            <a:r>
-              <a:rPr lang="en-US" sz="4400" dirty="0" smtClean="0"/>
-              <a:t>Main function</a:t>
-            </a:r>
-            <a:endParaRPr lang="en-US" sz="4400" dirty="0"/>
-          </a:p>
-        </p:txBody>
-      </p:sp>
-      <p:sp>
-        <p:nvSpPr>
-          <p:cNvPr id="3" name="Content Placeholder 2"/>
-          <p:cNvSpPr>
-            <a:spLocks noGrp="1"/>
-          </p:cNvSpPr>
-          <p:nvPr>
-            <p:ph idx="1"/>
-          </p:nvPr>
-        </p:nvSpPr>
-        <p:spPr>
-          <a:xfrm>
-            <a:off x="129322" y="1367246"/>
-            <a:ext cx="11853672" cy="5490754"/>
-          </a:xfrm>
-        </p:spPr>
-        <p:txBody>
-          <a:bodyPr>
-            <a:normAutofit fontScale="55000" lnSpcReduction="20000"/>
-          </a:bodyPr>
-          <a:lstStyle/>
-          <a:p>
-            <a:pPr marL="0" indent="0">
-              <a:buNone/>
-            </a:pPr>
-            <a:endParaRPr lang="en-US" dirty="0" smtClean="0">
-              <a:solidFill>
-                <a:srgbClr val="0000FF"/>
-              </a:solidFill>
-              <a:latin typeface="Consolas" panose="020B0609020204030204" pitchFamily="49" charset="0"/>
-            </a:endParaRPr>
-          </a:p>
-          <a:p>
-            <a:pPr marL="0" indent="0">
-              <a:buNone/>
-            </a:pPr>
-            <a:r>
-              <a:rPr lang="en-US" dirty="0">
-                <a:solidFill>
-                  <a:srgbClr val="2B91AF"/>
-                </a:solidFill>
-                <a:latin typeface="Consolas" panose="020B0609020204030204" pitchFamily="49" charset="0"/>
-              </a:rPr>
-              <a:t>Point3D</a:t>
-            </a:r>
-            <a:r>
-              <a:rPr lang="en-US" dirty="0">
-                <a:solidFill>
-                  <a:srgbClr val="000000"/>
-                </a:solidFill>
-                <a:latin typeface="Consolas" panose="020B0609020204030204" pitchFamily="49" charset="0"/>
-              </a:rPr>
-              <a:t> point(3.0);</a:t>
-            </a:r>
-          </a:p>
-          <a:p>
-            <a:pPr marL="0" indent="0">
-              <a:buNone/>
-            </a:pPr>
-            <a:r>
-              <a:rPr lang="en-US" dirty="0">
-                <a:solidFill>
-                  <a:srgbClr val="008000"/>
-                </a:solidFill>
-                <a:latin typeface="Consolas" panose="020B0609020204030204" pitchFamily="49" charset="0"/>
-              </a:rPr>
-              <a:t>//TO DO (3) </a:t>
-            </a:r>
-            <a:r>
-              <a:rPr lang="en-US" dirty="0" err="1">
-                <a:solidFill>
-                  <a:srgbClr val="008000"/>
-                </a:solidFill>
-                <a:latin typeface="Consolas" panose="020B0609020204030204" pitchFamily="49" charset="0"/>
-              </a:rPr>
-              <a:t>std</a:t>
-            </a:r>
-            <a:r>
-              <a:rPr lang="en-US" dirty="0">
-                <a:solidFill>
-                  <a:srgbClr val="008000"/>
-                </a:solidFill>
-                <a:latin typeface="Consolas" panose="020B0609020204030204" pitchFamily="49" charset="0"/>
-              </a:rPr>
-              <a:t>::</a:t>
-            </a:r>
-            <a:r>
-              <a:rPr lang="en-US" dirty="0" err="1">
-                <a:solidFill>
-                  <a:srgbClr val="008000"/>
-                </a:solidFill>
-                <a:latin typeface="Consolas" panose="020B0609020204030204" pitchFamily="49" charset="0"/>
-              </a:rPr>
-              <a:t>cin</a:t>
-            </a:r>
-            <a:r>
-              <a:rPr lang="en-US" dirty="0">
-                <a:solidFill>
-                  <a:srgbClr val="008000"/>
-                </a:solidFill>
-                <a:latin typeface="Consolas" panose="020B0609020204030204" pitchFamily="49" charset="0"/>
-              </a:rPr>
-              <a:t> &gt;&gt; point</a:t>
-            </a:r>
-            <a:endParaRPr lang="en-US" dirty="0">
-              <a:solidFill>
-                <a:srgbClr val="000000"/>
-              </a:solidFill>
-              <a:latin typeface="Consolas" panose="020B0609020204030204" pitchFamily="49" charset="0"/>
-            </a:endParaRPr>
-          </a:p>
-          <a:p>
-            <a:pPr marL="0" indent="0">
-              <a:buNone/>
-            </a:pPr>
-            <a:endParaRPr lang="en-US" dirty="0">
-              <a:solidFill>
-                <a:srgbClr val="000000"/>
-              </a:solidFill>
-              <a:latin typeface="Consolas" panose="020B0609020204030204" pitchFamily="49" charset="0"/>
-            </a:endParaRPr>
-          </a:p>
-          <a:p>
-            <a:pPr marL="0" indent="0">
-              <a:buNone/>
-            </a:pPr>
-            <a:r>
-              <a:rPr lang="en-US" dirty="0">
-                <a:solidFill>
-                  <a:srgbClr val="2B91AF"/>
-                </a:solidFill>
-                <a:latin typeface="Consolas" panose="020B0609020204030204" pitchFamily="49" charset="0"/>
-              </a:rPr>
-              <a:t>Point3D</a:t>
-            </a:r>
-            <a:r>
-              <a:rPr lang="en-US" dirty="0">
-                <a:solidFill>
-                  <a:srgbClr val="000000"/>
-                </a:solidFill>
-                <a:latin typeface="Consolas" panose="020B0609020204030204" pitchFamily="49" charset="0"/>
-              </a:rPr>
-              <a:t> </a:t>
-            </a:r>
-            <a:r>
-              <a:rPr lang="en-US" dirty="0" err="1">
-                <a:solidFill>
-                  <a:srgbClr val="000000"/>
-                </a:solidFill>
-                <a:latin typeface="Consolas" panose="020B0609020204030204" pitchFamily="49" charset="0"/>
-              </a:rPr>
-              <a:t>copyOfPoint</a:t>
-            </a:r>
-            <a:r>
-              <a:rPr lang="en-US" dirty="0">
-                <a:solidFill>
-                  <a:srgbClr val="000000"/>
-                </a:solidFill>
-                <a:latin typeface="Consolas" panose="020B0609020204030204" pitchFamily="49" charset="0"/>
-              </a:rPr>
-              <a:t> = point;</a:t>
-            </a:r>
-          </a:p>
-          <a:p>
-            <a:pPr marL="0" indent="0">
-              <a:buNone/>
-            </a:pPr>
-            <a:r>
-              <a:rPr lang="en-US" dirty="0">
-                <a:solidFill>
-                  <a:srgbClr val="008000"/>
-                </a:solidFill>
-                <a:latin typeface="Consolas" panose="020B0609020204030204" pitchFamily="49" charset="0"/>
-              </a:rPr>
-              <a:t>//To Do (0) </a:t>
-            </a:r>
-            <a:r>
-              <a:rPr lang="en-US" dirty="0" err="1">
-                <a:solidFill>
-                  <a:srgbClr val="008000"/>
-                </a:solidFill>
-                <a:latin typeface="Consolas" panose="020B0609020204030204" pitchFamily="49" charset="0"/>
-              </a:rPr>
-              <a:t>point.Print</a:t>
-            </a:r>
-            <a:r>
-              <a:rPr lang="en-US" dirty="0">
-                <a:solidFill>
-                  <a:srgbClr val="008000"/>
-                </a:solidFill>
-                <a:latin typeface="Consolas" panose="020B0609020204030204" pitchFamily="49" charset="0"/>
-              </a:rPr>
-              <a:t>();</a:t>
-            </a:r>
-            <a:endParaRPr lang="en-US" dirty="0">
-              <a:solidFill>
-                <a:srgbClr val="000000"/>
-              </a:solidFill>
-              <a:latin typeface="Consolas" panose="020B0609020204030204" pitchFamily="49" charset="0"/>
-            </a:endParaRPr>
-          </a:p>
-          <a:p>
-            <a:pPr marL="0" indent="0">
-              <a:buNone/>
-            </a:pPr>
-            <a:r>
-              <a:rPr lang="en-US" dirty="0">
-                <a:solidFill>
-                  <a:srgbClr val="008000"/>
-                </a:solidFill>
-                <a:latin typeface="Consolas" panose="020B0609020204030204" pitchFamily="49" charset="0"/>
-              </a:rPr>
-              <a:t>//To Do (1) </a:t>
-            </a:r>
-            <a:r>
-              <a:rPr lang="en-US" dirty="0" err="1">
-                <a:solidFill>
-                  <a:srgbClr val="008000"/>
-                </a:solidFill>
-                <a:latin typeface="Consolas" panose="020B0609020204030204" pitchFamily="49" charset="0"/>
-              </a:rPr>
-              <a:t>std</a:t>
-            </a:r>
-            <a:r>
-              <a:rPr lang="en-US" dirty="0">
-                <a:solidFill>
-                  <a:srgbClr val="008000"/>
-                </a:solidFill>
-                <a:latin typeface="Consolas" panose="020B0609020204030204" pitchFamily="49" charset="0"/>
-              </a:rPr>
-              <a:t>::</a:t>
-            </a:r>
-            <a:r>
-              <a:rPr lang="en-US" dirty="0" err="1">
-                <a:solidFill>
-                  <a:srgbClr val="008000"/>
-                </a:solidFill>
-                <a:latin typeface="Consolas" panose="020B0609020204030204" pitchFamily="49" charset="0"/>
-              </a:rPr>
-              <a:t>cout</a:t>
-            </a:r>
-            <a:r>
-              <a:rPr lang="en-US" dirty="0">
-                <a:solidFill>
-                  <a:srgbClr val="008000"/>
-                </a:solidFill>
-                <a:latin typeface="Consolas" panose="020B0609020204030204" pitchFamily="49" charset="0"/>
-              </a:rPr>
-              <a:t> &lt;&lt; point;</a:t>
-            </a:r>
-            <a:endParaRPr lang="en-US" dirty="0">
-              <a:solidFill>
-                <a:srgbClr val="000000"/>
-              </a:solidFill>
-              <a:latin typeface="Consolas" panose="020B0609020204030204" pitchFamily="49" charset="0"/>
-            </a:endParaRPr>
-          </a:p>
-          <a:p>
-            <a:pPr marL="0" indent="0">
-              <a:buNone/>
-            </a:pPr>
-            <a:r>
-              <a:rPr lang="en-US" dirty="0" err="1">
-                <a:solidFill>
-                  <a:srgbClr val="000000"/>
-                </a:solidFill>
-                <a:latin typeface="Consolas" panose="020B0609020204030204" pitchFamily="49" charset="0"/>
-              </a:rPr>
-              <a:t>std</a:t>
-            </a:r>
-            <a:r>
-              <a:rPr lang="en-US" dirty="0">
-                <a:solidFill>
-                  <a:srgbClr val="000000"/>
-                </a:solidFill>
-                <a:latin typeface="Consolas" panose="020B0609020204030204" pitchFamily="49" charset="0"/>
-              </a:rPr>
-              <a:t>::</a:t>
-            </a:r>
-            <a:r>
-              <a:rPr lang="en-US" dirty="0" err="1">
-                <a:solidFill>
-                  <a:srgbClr val="000000"/>
-                </a:solidFill>
-                <a:latin typeface="Consolas" panose="020B0609020204030204" pitchFamily="49" charset="0"/>
-              </a:rPr>
-              <a:t>cout</a:t>
-            </a:r>
-            <a:r>
-              <a:rPr lang="en-US" dirty="0">
-                <a:solidFill>
-                  <a:srgbClr val="000000"/>
-                </a:solidFill>
-                <a:latin typeface="Consolas" panose="020B0609020204030204" pitchFamily="49" charset="0"/>
-              </a:rPr>
-              <a:t> </a:t>
-            </a:r>
-            <a:r>
-              <a:rPr lang="en-US" dirty="0">
-                <a:solidFill>
-                  <a:srgbClr val="008080"/>
-                </a:solidFill>
-                <a:latin typeface="Consolas" panose="020B0609020204030204" pitchFamily="49" charset="0"/>
-              </a:rPr>
-              <a:t>&lt;&lt;</a:t>
-            </a:r>
-            <a:r>
-              <a:rPr lang="en-US" dirty="0">
-                <a:solidFill>
-                  <a:srgbClr val="000000"/>
-                </a:solidFill>
-                <a:latin typeface="Consolas" panose="020B0609020204030204" pitchFamily="49" charset="0"/>
-              </a:rPr>
-              <a:t> </a:t>
-            </a:r>
-            <a:r>
-              <a:rPr lang="en-US" dirty="0" err="1">
-                <a:solidFill>
-                  <a:srgbClr val="000000"/>
-                </a:solidFill>
-                <a:latin typeface="Consolas" panose="020B0609020204030204" pitchFamily="49" charset="0"/>
-              </a:rPr>
-              <a:t>point.GetX</a:t>
-            </a:r>
-            <a:r>
-              <a:rPr lang="en-US" dirty="0">
-                <a:solidFill>
-                  <a:srgbClr val="000000"/>
-                </a:solidFill>
-                <a:latin typeface="Consolas" panose="020B0609020204030204" pitchFamily="49" charset="0"/>
-              </a:rPr>
-              <a:t>() </a:t>
-            </a:r>
-            <a:r>
-              <a:rPr lang="en-US" dirty="0">
-                <a:solidFill>
-                  <a:srgbClr val="008080"/>
-                </a:solidFill>
-                <a:latin typeface="Consolas" panose="020B0609020204030204" pitchFamily="49" charset="0"/>
-              </a:rPr>
-              <a:t>&lt;&lt;</a:t>
-            </a:r>
-            <a:r>
-              <a:rPr lang="en-US" dirty="0">
-                <a:solidFill>
-                  <a:srgbClr val="000000"/>
-                </a:solidFill>
-                <a:latin typeface="Consolas" panose="020B0609020204030204" pitchFamily="49" charset="0"/>
-              </a:rPr>
-              <a:t> </a:t>
-            </a:r>
-            <a:r>
-              <a:rPr lang="en-US" dirty="0">
-                <a:solidFill>
-                  <a:srgbClr val="A31515"/>
-                </a:solidFill>
-                <a:latin typeface="Consolas" panose="020B0609020204030204" pitchFamily="49" charset="0"/>
-              </a:rPr>
-              <a:t>", "</a:t>
-            </a:r>
-            <a:r>
-              <a:rPr lang="en-US" dirty="0">
-                <a:solidFill>
-                  <a:srgbClr val="000000"/>
-                </a:solidFill>
-                <a:latin typeface="Consolas" panose="020B0609020204030204" pitchFamily="49" charset="0"/>
-              </a:rPr>
-              <a:t> </a:t>
-            </a:r>
-            <a:r>
-              <a:rPr lang="en-US" dirty="0">
-                <a:solidFill>
-                  <a:srgbClr val="008080"/>
-                </a:solidFill>
-                <a:latin typeface="Consolas" panose="020B0609020204030204" pitchFamily="49" charset="0"/>
-              </a:rPr>
-              <a:t>&lt;&lt;</a:t>
-            </a:r>
-            <a:r>
-              <a:rPr lang="en-US" dirty="0">
-                <a:solidFill>
-                  <a:srgbClr val="000000"/>
-                </a:solidFill>
-                <a:latin typeface="Consolas" panose="020B0609020204030204" pitchFamily="49" charset="0"/>
-              </a:rPr>
-              <a:t> </a:t>
-            </a:r>
-            <a:r>
-              <a:rPr lang="en-US" dirty="0" err="1">
-                <a:solidFill>
-                  <a:srgbClr val="000000"/>
-                </a:solidFill>
-                <a:latin typeface="Consolas" panose="020B0609020204030204" pitchFamily="49" charset="0"/>
-              </a:rPr>
-              <a:t>point.GetY</a:t>
-            </a:r>
-            <a:r>
-              <a:rPr lang="en-US" dirty="0">
-                <a:solidFill>
-                  <a:srgbClr val="000000"/>
-                </a:solidFill>
-                <a:latin typeface="Consolas" panose="020B0609020204030204" pitchFamily="49" charset="0"/>
-              </a:rPr>
-              <a:t>() </a:t>
-            </a:r>
-            <a:r>
-              <a:rPr lang="en-US" dirty="0">
-                <a:solidFill>
-                  <a:srgbClr val="008080"/>
-                </a:solidFill>
-                <a:latin typeface="Consolas" panose="020B0609020204030204" pitchFamily="49" charset="0"/>
-              </a:rPr>
-              <a:t>&lt;&lt;</a:t>
-            </a:r>
-            <a:r>
-              <a:rPr lang="en-US" dirty="0">
-                <a:solidFill>
-                  <a:srgbClr val="000000"/>
-                </a:solidFill>
-                <a:latin typeface="Consolas" panose="020B0609020204030204" pitchFamily="49" charset="0"/>
-              </a:rPr>
-              <a:t> </a:t>
-            </a:r>
-            <a:r>
-              <a:rPr lang="en-US" dirty="0">
-                <a:solidFill>
-                  <a:srgbClr val="A31515"/>
-                </a:solidFill>
-                <a:latin typeface="Consolas" panose="020B0609020204030204" pitchFamily="49" charset="0"/>
-              </a:rPr>
-              <a:t>", "</a:t>
-            </a:r>
-            <a:r>
-              <a:rPr lang="en-US" dirty="0">
-                <a:solidFill>
-                  <a:srgbClr val="000000"/>
-                </a:solidFill>
-                <a:latin typeface="Consolas" panose="020B0609020204030204" pitchFamily="49" charset="0"/>
-              </a:rPr>
-              <a:t> </a:t>
-            </a:r>
-            <a:r>
-              <a:rPr lang="en-US" dirty="0">
-                <a:solidFill>
-                  <a:srgbClr val="008080"/>
-                </a:solidFill>
-                <a:latin typeface="Consolas" panose="020B0609020204030204" pitchFamily="49" charset="0"/>
-              </a:rPr>
-              <a:t>&lt;&lt;</a:t>
-            </a:r>
-            <a:r>
-              <a:rPr lang="en-US" dirty="0">
-                <a:solidFill>
-                  <a:srgbClr val="000000"/>
-                </a:solidFill>
-                <a:latin typeface="Consolas" panose="020B0609020204030204" pitchFamily="49" charset="0"/>
-              </a:rPr>
-              <a:t> </a:t>
-            </a:r>
-            <a:r>
-              <a:rPr lang="en-US" dirty="0" err="1">
-                <a:solidFill>
-                  <a:srgbClr val="000000"/>
-                </a:solidFill>
-                <a:latin typeface="Consolas" panose="020B0609020204030204" pitchFamily="49" charset="0"/>
-              </a:rPr>
-              <a:t>point.GetZ</a:t>
-            </a:r>
-            <a:r>
-              <a:rPr lang="en-US" dirty="0">
-                <a:solidFill>
-                  <a:srgbClr val="000000"/>
-                </a:solidFill>
-                <a:latin typeface="Consolas" panose="020B0609020204030204" pitchFamily="49" charset="0"/>
-              </a:rPr>
-              <a:t>() </a:t>
-            </a:r>
-            <a:r>
-              <a:rPr lang="en-US" dirty="0">
-                <a:solidFill>
-                  <a:srgbClr val="008080"/>
-                </a:solidFill>
-                <a:latin typeface="Consolas" panose="020B0609020204030204" pitchFamily="49" charset="0"/>
-              </a:rPr>
-              <a:t>&lt;&lt;</a:t>
-            </a:r>
-            <a:r>
-              <a:rPr lang="en-US" dirty="0">
-                <a:solidFill>
-                  <a:srgbClr val="000000"/>
-                </a:solidFill>
-                <a:latin typeface="Consolas" panose="020B0609020204030204" pitchFamily="49" charset="0"/>
-              </a:rPr>
-              <a:t> </a:t>
-            </a:r>
-            <a:r>
-              <a:rPr lang="en-US" dirty="0" err="1">
-                <a:solidFill>
-                  <a:srgbClr val="000000"/>
-                </a:solidFill>
-                <a:latin typeface="Consolas" panose="020B0609020204030204" pitchFamily="49" charset="0"/>
-              </a:rPr>
-              <a:t>std</a:t>
-            </a:r>
-            <a:r>
-              <a:rPr lang="en-US" dirty="0">
-                <a:solidFill>
-                  <a:srgbClr val="000000"/>
-                </a:solidFill>
-                <a:latin typeface="Consolas" panose="020B0609020204030204" pitchFamily="49" charset="0"/>
-              </a:rPr>
-              <a:t>::</a:t>
-            </a:r>
-            <a:r>
-              <a:rPr lang="en-US" dirty="0" err="1">
-                <a:solidFill>
-                  <a:srgbClr val="000000"/>
-                </a:solidFill>
-                <a:latin typeface="Consolas" panose="020B0609020204030204" pitchFamily="49" charset="0"/>
-              </a:rPr>
-              <a:t>endl</a:t>
-            </a:r>
-            <a:r>
-              <a:rPr lang="en-US" dirty="0">
-                <a:solidFill>
-                  <a:srgbClr val="000000"/>
-                </a:solidFill>
-                <a:latin typeface="Consolas" panose="020B0609020204030204" pitchFamily="49" charset="0"/>
-              </a:rPr>
-              <a:t>;</a:t>
-            </a:r>
-          </a:p>
-          <a:p>
-            <a:pPr marL="0" indent="0">
-              <a:buNone/>
-            </a:pPr>
-            <a:r>
-              <a:rPr lang="en-US" dirty="0" err="1">
-                <a:solidFill>
-                  <a:srgbClr val="000000"/>
-                </a:solidFill>
-                <a:latin typeface="Consolas" panose="020B0609020204030204" pitchFamily="49" charset="0"/>
-              </a:rPr>
-              <a:t>point.TranslateByVector</a:t>
-            </a:r>
-            <a:r>
-              <a:rPr lang="en-US" dirty="0">
-                <a:solidFill>
-                  <a:srgbClr val="000000"/>
-                </a:solidFill>
-                <a:latin typeface="Consolas" panose="020B0609020204030204" pitchFamily="49" charset="0"/>
-              </a:rPr>
-              <a:t>(</a:t>
-            </a:r>
-            <a:r>
-              <a:rPr lang="en-US" dirty="0">
-                <a:solidFill>
-                  <a:srgbClr val="2B91AF"/>
-                </a:solidFill>
-                <a:latin typeface="Consolas" panose="020B0609020204030204" pitchFamily="49" charset="0"/>
-              </a:rPr>
-              <a:t>Point3D</a:t>
-            </a:r>
-            <a:r>
-              <a:rPr lang="en-US" dirty="0">
-                <a:solidFill>
-                  <a:srgbClr val="000000"/>
-                </a:solidFill>
-                <a:latin typeface="Consolas" panose="020B0609020204030204" pitchFamily="49" charset="0"/>
-              </a:rPr>
-              <a:t>(3, 1, 0));</a:t>
-            </a:r>
-          </a:p>
-          <a:p>
-            <a:pPr marL="0" indent="0">
-              <a:buNone/>
-            </a:pPr>
-            <a:endParaRPr lang="en-US" dirty="0">
-              <a:solidFill>
-                <a:srgbClr val="000000"/>
-              </a:solidFill>
-              <a:latin typeface="Consolas" panose="020B0609020204030204" pitchFamily="49" charset="0"/>
-            </a:endParaRPr>
-          </a:p>
-          <a:p>
-            <a:pPr marL="0" indent="0">
-              <a:buNone/>
-            </a:pPr>
-            <a:r>
-              <a:rPr lang="en-US" dirty="0">
-                <a:solidFill>
-                  <a:srgbClr val="008000"/>
-                </a:solidFill>
-                <a:latin typeface="Consolas" panose="020B0609020204030204" pitchFamily="49" charset="0"/>
-              </a:rPr>
-              <a:t>//To Do (0) </a:t>
-            </a:r>
-            <a:r>
-              <a:rPr lang="en-US" dirty="0" err="1">
-                <a:solidFill>
-                  <a:srgbClr val="008000"/>
-                </a:solidFill>
-                <a:latin typeface="Consolas" panose="020B0609020204030204" pitchFamily="49" charset="0"/>
-              </a:rPr>
-              <a:t>point.Print</a:t>
-            </a:r>
-            <a:r>
-              <a:rPr lang="en-US" dirty="0">
-                <a:solidFill>
-                  <a:srgbClr val="008000"/>
-                </a:solidFill>
-                <a:latin typeface="Consolas" panose="020B0609020204030204" pitchFamily="49" charset="0"/>
-              </a:rPr>
-              <a:t>();</a:t>
-            </a:r>
-            <a:endParaRPr lang="en-US" dirty="0">
-              <a:solidFill>
-                <a:srgbClr val="000000"/>
-              </a:solidFill>
-              <a:latin typeface="Consolas" panose="020B0609020204030204" pitchFamily="49" charset="0"/>
-            </a:endParaRPr>
-          </a:p>
-          <a:p>
-            <a:pPr marL="0" indent="0">
-              <a:buNone/>
-            </a:pPr>
-            <a:r>
-              <a:rPr lang="en-US" dirty="0">
-                <a:solidFill>
-                  <a:srgbClr val="008000"/>
-                </a:solidFill>
-                <a:latin typeface="Consolas" panose="020B0609020204030204" pitchFamily="49" charset="0"/>
-              </a:rPr>
-              <a:t>//To Do (1) </a:t>
-            </a:r>
-            <a:r>
-              <a:rPr lang="en-US" dirty="0" err="1">
-                <a:solidFill>
-                  <a:srgbClr val="008000"/>
-                </a:solidFill>
-                <a:latin typeface="Consolas" panose="020B0609020204030204" pitchFamily="49" charset="0"/>
-              </a:rPr>
-              <a:t>std</a:t>
-            </a:r>
-            <a:r>
-              <a:rPr lang="en-US" dirty="0">
-                <a:solidFill>
-                  <a:srgbClr val="008000"/>
-                </a:solidFill>
-                <a:latin typeface="Consolas" panose="020B0609020204030204" pitchFamily="49" charset="0"/>
-              </a:rPr>
-              <a:t>::</a:t>
-            </a:r>
-            <a:r>
-              <a:rPr lang="en-US" dirty="0" err="1">
-                <a:solidFill>
-                  <a:srgbClr val="008000"/>
-                </a:solidFill>
-                <a:latin typeface="Consolas" panose="020B0609020204030204" pitchFamily="49" charset="0"/>
-              </a:rPr>
-              <a:t>cout</a:t>
-            </a:r>
-            <a:r>
-              <a:rPr lang="en-US" dirty="0">
-                <a:solidFill>
-                  <a:srgbClr val="008000"/>
-                </a:solidFill>
-                <a:latin typeface="Consolas" panose="020B0609020204030204" pitchFamily="49" charset="0"/>
-              </a:rPr>
-              <a:t> &lt;&lt; point;</a:t>
-            </a:r>
-            <a:endParaRPr lang="en-US" dirty="0">
-              <a:solidFill>
-                <a:srgbClr val="000000"/>
-              </a:solidFill>
-              <a:latin typeface="Consolas" panose="020B0609020204030204" pitchFamily="49" charset="0"/>
-            </a:endParaRPr>
-          </a:p>
-          <a:p>
-            <a:pPr marL="0" indent="0">
-              <a:buNone/>
-            </a:pPr>
-            <a:r>
-              <a:rPr lang="en-US" dirty="0">
-                <a:solidFill>
-                  <a:srgbClr val="000000"/>
-                </a:solidFill>
-                <a:latin typeface="Consolas" panose="020B0609020204030204" pitchFamily="49" charset="0"/>
-              </a:rPr>
-              <a:t>point </a:t>
-            </a:r>
-            <a:r>
-              <a:rPr lang="en-US" dirty="0">
-                <a:solidFill>
-                  <a:srgbClr val="008080"/>
-                </a:solidFill>
-                <a:latin typeface="Consolas" panose="020B0609020204030204" pitchFamily="49" charset="0"/>
-              </a:rPr>
-              <a:t>=</a:t>
-            </a:r>
-            <a:r>
-              <a:rPr lang="en-US" dirty="0">
-                <a:solidFill>
-                  <a:srgbClr val="000000"/>
-                </a:solidFill>
-                <a:latin typeface="Consolas" panose="020B0609020204030204" pitchFamily="49" charset="0"/>
-              </a:rPr>
-              <a:t> </a:t>
-            </a:r>
-            <a:r>
-              <a:rPr lang="en-US" dirty="0" err="1">
-                <a:solidFill>
-                  <a:srgbClr val="000000"/>
-                </a:solidFill>
-                <a:latin typeface="Consolas" panose="020B0609020204030204" pitchFamily="49" charset="0"/>
-              </a:rPr>
-              <a:t>point.GetSymetry</a:t>
-            </a:r>
-            <a:r>
-              <a:rPr lang="en-US" dirty="0">
-                <a:solidFill>
-                  <a:srgbClr val="000000"/>
-                </a:solidFill>
-                <a:latin typeface="Consolas" panose="020B0609020204030204" pitchFamily="49" charset="0"/>
-              </a:rPr>
-              <a:t>();</a:t>
-            </a:r>
-          </a:p>
-          <a:p>
-            <a:pPr marL="0" indent="0">
-              <a:buNone/>
-            </a:pPr>
-            <a:r>
-              <a:rPr lang="en-US" dirty="0">
-                <a:solidFill>
-                  <a:srgbClr val="008000"/>
-                </a:solidFill>
-                <a:latin typeface="Consolas" panose="020B0609020204030204" pitchFamily="49" charset="0"/>
-              </a:rPr>
-              <a:t>//TO DO (3) Point3D&amp; point = -point;</a:t>
-            </a:r>
-            <a:endParaRPr lang="en-US" dirty="0">
-              <a:solidFill>
-                <a:srgbClr val="000000"/>
-              </a:solidFill>
-              <a:latin typeface="Consolas" panose="020B0609020204030204" pitchFamily="49" charset="0"/>
-            </a:endParaRPr>
-          </a:p>
-          <a:p>
-            <a:pPr marL="0" indent="0">
-              <a:buNone/>
-            </a:pPr>
-            <a:r>
-              <a:rPr lang="en-US" dirty="0" err="1">
-                <a:solidFill>
-                  <a:srgbClr val="000000"/>
-                </a:solidFill>
-                <a:latin typeface="Consolas" panose="020B0609020204030204" pitchFamily="49" charset="0"/>
-              </a:rPr>
-              <a:t>std</a:t>
-            </a:r>
-            <a:r>
-              <a:rPr lang="en-US" dirty="0">
-                <a:solidFill>
-                  <a:srgbClr val="000000"/>
-                </a:solidFill>
-                <a:latin typeface="Consolas" panose="020B0609020204030204" pitchFamily="49" charset="0"/>
-              </a:rPr>
-              <a:t>::</a:t>
-            </a:r>
-            <a:r>
-              <a:rPr lang="en-US" dirty="0" err="1">
-                <a:solidFill>
-                  <a:srgbClr val="000000"/>
-                </a:solidFill>
-                <a:latin typeface="Consolas" panose="020B0609020204030204" pitchFamily="49" charset="0"/>
-              </a:rPr>
-              <a:t>cout</a:t>
-            </a:r>
-            <a:r>
-              <a:rPr lang="en-US" dirty="0">
-                <a:solidFill>
-                  <a:srgbClr val="000000"/>
-                </a:solidFill>
-                <a:latin typeface="Consolas" panose="020B0609020204030204" pitchFamily="49" charset="0"/>
-              </a:rPr>
-              <a:t> </a:t>
-            </a:r>
-            <a:r>
-              <a:rPr lang="en-US" dirty="0">
-                <a:solidFill>
-                  <a:srgbClr val="008080"/>
-                </a:solidFill>
-                <a:latin typeface="Consolas" panose="020B0609020204030204" pitchFamily="49" charset="0"/>
-              </a:rPr>
-              <a:t>&lt;&lt;</a:t>
-            </a:r>
-            <a:r>
-              <a:rPr lang="en-US" dirty="0">
-                <a:solidFill>
-                  <a:srgbClr val="000000"/>
-                </a:solidFill>
-                <a:latin typeface="Consolas" panose="020B0609020204030204" pitchFamily="49" charset="0"/>
-              </a:rPr>
-              <a:t> </a:t>
-            </a:r>
-            <a:r>
-              <a:rPr lang="en-US" dirty="0" err="1">
-                <a:solidFill>
-                  <a:srgbClr val="000000"/>
-                </a:solidFill>
-                <a:latin typeface="Consolas" panose="020B0609020204030204" pitchFamily="49" charset="0"/>
-              </a:rPr>
-              <a:t>point.GetX</a:t>
-            </a:r>
-            <a:r>
-              <a:rPr lang="en-US" dirty="0">
-                <a:solidFill>
-                  <a:srgbClr val="000000"/>
-                </a:solidFill>
-                <a:latin typeface="Consolas" panose="020B0609020204030204" pitchFamily="49" charset="0"/>
-              </a:rPr>
-              <a:t>() </a:t>
-            </a:r>
-            <a:r>
-              <a:rPr lang="en-US" dirty="0">
-                <a:solidFill>
-                  <a:srgbClr val="008080"/>
-                </a:solidFill>
-                <a:latin typeface="Consolas" panose="020B0609020204030204" pitchFamily="49" charset="0"/>
-              </a:rPr>
-              <a:t>&lt;&lt;</a:t>
-            </a:r>
-            <a:r>
-              <a:rPr lang="en-US" dirty="0">
-                <a:solidFill>
-                  <a:srgbClr val="000000"/>
-                </a:solidFill>
-                <a:latin typeface="Consolas" panose="020B0609020204030204" pitchFamily="49" charset="0"/>
-              </a:rPr>
-              <a:t> </a:t>
-            </a:r>
-            <a:r>
-              <a:rPr lang="en-US" dirty="0">
-                <a:solidFill>
-                  <a:srgbClr val="A31515"/>
-                </a:solidFill>
-                <a:latin typeface="Consolas" panose="020B0609020204030204" pitchFamily="49" charset="0"/>
-              </a:rPr>
-              <a:t>", "</a:t>
-            </a:r>
-            <a:r>
-              <a:rPr lang="en-US" dirty="0">
-                <a:solidFill>
-                  <a:srgbClr val="000000"/>
-                </a:solidFill>
-                <a:latin typeface="Consolas" panose="020B0609020204030204" pitchFamily="49" charset="0"/>
-              </a:rPr>
-              <a:t> </a:t>
-            </a:r>
-            <a:r>
-              <a:rPr lang="en-US" dirty="0">
-                <a:solidFill>
-                  <a:srgbClr val="008080"/>
-                </a:solidFill>
-                <a:latin typeface="Consolas" panose="020B0609020204030204" pitchFamily="49" charset="0"/>
-              </a:rPr>
-              <a:t>&lt;&lt;</a:t>
-            </a:r>
-            <a:r>
-              <a:rPr lang="en-US" dirty="0">
-                <a:solidFill>
-                  <a:srgbClr val="000000"/>
-                </a:solidFill>
-                <a:latin typeface="Consolas" panose="020B0609020204030204" pitchFamily="49" charset="0"/>
-              </a:rPr>
-              <a:t> </a:t>
-            </a:r>
-            <a:r>
-              <a:rPr lang="en-US" dirty="0" err="1">
-                <a:solidFill>
-                  <a:srgbClr val="000000"/>
-                </a:solidFill>
-                <a:latin typeface="Consolas" panose="020B0609020204030204" pitchFamily="49" charset="0"/>
-              </a:rPr>
-              <a:t>point.GetY</a:t>
-            </a:r>
-            <a:r>
-              <a:rPr lang="en-US" dirty="0">
-                <a:solidFill>
-                  <a:srgbClr val="000000"/>
-                </a:solidFill>
-                <a:latin typeface="Consolas" panose="020B0609020204030204" pitchFamily="49" charset="0"/>
-              </a:rPr>
-              <a:t>() </a:t>
-            </a:r>
-            <a:r>
-              <a:rPr lang="en-US" dirty="0">
-                <a:solidFill>
-                  <a:srgbClr val="008080"/>
-                </a:solidFill>
-                <a:latin typeface="Consolas" panose="020B0609020204030204" pitchFamily="49" charset="0"/>
-              </a:rPr>
-              <a:t>&lt;&lt;</a:t>
-            </a:r>
-            <a:r>
-              <a:rPr lang="en-US" dirty="0">
-                <a:solidFill>
-                  <a:srgbClr val="000000"/>
-                </a:solidFill>
-                <a:latin typeface="Consolas" panose="020B0609020204030204" pitchFamily="49" charset="0"/>
-              </a:rPr>
-              <a:t> </a:t>
-            </a:r>
-            <a:r>
-              <a:rPr lang="en-US" dirty="0">
-                <a:solidFill>
-                  <a:srgbClr val="A31515"/>
-                </a:solidFill>
-                <a:latin typeface="Consolas" panose="020B0609020204030204" pitchFamily="49" charset="0"/>
-              </a:rPr>
-              <a:t>", "</a:t>
-            </a:r>
-            <a:r>
-              <a:rPr lang="en-US" dirty="0">
-                <a:solidFill>
-                  <a:srgbClr val="000000"/>
-                </a:solidFill>
-                <a:latin typeface="Consolas" panose="020B0609020204030204" pitchFamily="49" charset="0"/>
-              </a:rPr>
-              <a:t> </a:t>
-            </a:r>
-            <a:r>
-              <a:rPr lang="en-US" dirty="0">
-                <a:solidFill>
-                  <a:srgbClr val="008080"/>
-                </a:solidFill>
-                <a:latin typeface="Consolas" panose="020B0609020204030204" pitchFamily="49" charset="0"/>
-              </a:rPr>
-              <a:t>&lt;&lt;</a:t>
-            </a:r>
-            <a:r>
-              <a:rPr lang="en-US" dirty="0">
-                <a:solidFill>
-                  <a:srgbClr val="000000"/>
-                </a:solidFill>
-                <a:latin typeface="Consolas" panose="020B0609020204030204" pitchFamily="49" charset="0"/>
-              </a:rPr>
-              <a:t> </a:t>
-            </a:r>
-            <a:r>
-              <a:rPr lang="en-US" dirty="0" err="1">
-                <a:solidFill>
-                  <a:srgbClr val="000000"/>
-                </a:solidFill>
-                <a:latin typeface="Consolas" panose="020B0609020204030204" pitchFamily="49" charset="0"/>
-              </a:rPr>
-              <a:t>point.GetZ</a:t>
-            </a:r>
-            <a:r>
-              <a:rPr lang="en-US" dirty="0">
-                <a:solidFill>
-                  <a:srgbClr val="000000"/>
-                </a:solidFill>
-                <a:latin typeface="Consolas" panose="020B0609020204030204" pitchFamily="49" charset="0"/>
-              </a:rPr>
-              <a:t>() </a:t>
-            </a:r>
-            <a:r>
-              <a:rPr lang="en-US" dirty="0">
-                <a:solidFill>
-                  <a:srgbClr val="008080"/>
-                </a:solidFill>
-                <a:latin typeface="Consolas" panose="020B0609020204030204" pitchFamily="49" charset="0"/>
-              </a:rPr>
-              <a:t>&lt;&lt;</a:t>
-            </a:r>
-            <a:r>
-              <a:rPr lang="en-US" dirty="0">
-                <a:solidFill>
-                  <a:srgbClr val="000000"/>
-                </a:solidFill>
-                <a:latin typeface="Consolas" panose="020B0609020204030204" pitchFamily="49" charset="0"/>
-              </a:rPr>
-              <a:t> </a:t>
-            </a:r>
-            <a:r>
-              <a:rPr lang="en-US" dirty="0" err="1">
-                <a:solidFill>
-                  <a:srgbClr val="000000"/>
-                </a:solidFill>
-                <a:latin typeface="Consolas" panose="020B0609020204030204" pitchFamily="49" charset="0"/>
-              </a:rPr>
-              <a:t>std</a:t>
-            </a:r>
-            <a:r>
-              <a:rPr lang="en-US" dirty="0">
-                <a:solidFill>
-                  <a:srgbClr val="000000"/>
-                </a:solidFill>
-                <a:latin typeface="Consolas" panose="020B0609020204030204" pitchFamily="49" charset="0"/>
-              </a:rPr>
-              <a:t>::</a:t>
-            </a:r>
-            <a:r>
-              <a:rPr lang="en-US" dirty="0" err="1">
-                <a:solidFill>
-                  <a:srgbClr val="000000"/>
-                </a:solidFill>
-                <a:latin typeface="Consolas" panose="020B0609020204030204" pitchFamily="49" charset="0"/>
-              </a:rPr>
-              <a:t>endl</a:t>
-            </a:r>
-            <a:r>
-              <a:rPr lang="en-US" dirty="0">
-                <a:solidFill>
-                  <a:srgbClr val="000000"/>
-                </a:solidFill>
-                <a:latin typeface="Consolas" panose="020B0609020204030204" pitchFamily="49" charset="0"/>
-              </a:rPr>
-              <a:t>;</a:t>
-            </a:r>
-          </a:p>
-          <a:p>
-            <a:pPr marL="0" indent="0">
-              <a:buNone/>
-            </a:pPr>
-            <a:r>
-              <a:rPr lang="en-US" dirty="0">
-                <a:solidFill>
-                  <a:srgbClr val="008000"/>
-                </a:solidFill>
-                <a:latin typeface="Consolas" panose="020B0609020204030204" pitchFamily="49" charset="0"/>
-              </a:rPr>
-              <a:t>//TO DO (3) Point3D&amp; point = -point;</a:t>
-            </a:r>
-            <a:endParaRPr lang="en-US" dirty="0">
-              <a:solidFill>
-                <a:srgbClr val="000000"/>
-              </a:solidFill>
-              <a:latin typeface="Consolas" panose="020B0609020204030204" pitchFamily="49" charset="0"/>
-            </a:endParaRPr>
-          </a:p>
-          <a:p>
-            <a:pPr marL="0" indent="0">
-              <a:buNone/>
-            </a:pPr>
-            <a:r>
-              <a:rPr lang="en-US" dirty="0">
-                <a:solidFill>
-                  <a:srgbClr val="008000"/>
-                </a:solidFill>
-                <a:latin typeface="Consolas" panose="020B0609020204030204" pitchFamily="49" charset="0"/>
-              </a:rPr>
-              <a:t>//To Do (0) </a:t>
-            </a:r>
-            <a:r>
-              <a:rPr lang="en-US" dirty="0" err="1">
-                <a:solidFill>
-                  <a:srgbClr val="008000"/>
-                </a:solidFill>
-                <a:latin typeface="Consolas" panose="020B0609020204030204" pitchFamily="49" charset="0"/>
-              </a:rPr>
-              <a:t>point.Print</a:t>
-            </a:r>
-            <a:r>
-              <a:rPr lang="en-US" dirty="0">
-                <a:solidFill>
-                  <a:srgbClr val="008000"/>
-                </a:solidFill>
-                <a:latin typeface="Consolas" panose="020B0609020204030204" pitchFamily="49" charset="0"/>
-              </a:rPr>
-              <a:t>();</a:t>
-            </a:r>
-            <a:endParaRPr lang="en-US" dirty="0">
-              <a:solidFill>
-                <a:srgbClr val="000000"/>
-              </a:solidFill>
-              <a:latin typeface="Consolas" panose="020B0609020204030204" pitchFamily="49" charset="0"/>
-            </a:endParaRPr>
-          </a:p>
-          <a:p>
-            <a:pPr marL="0" indent="0">
-              <a:buNone/>
-            </a:pPr>
-            <a:endParaRPr lang="en-US" dirty="0">
-              <a:solidFill>
-                <a:srgbClr val="000000"/>
-              </a:solidFill>
-              <a:latin typeface="Consolas" panose="020B0609020204030204" pitchFamily="49" charset="0"/>
-            </a:endParaRPr>
-          </a:p>
-          <a:p>
-            <a:pPr marL="0" indent="0">
-              <a:buNone/>
-            </a:pPr>
-            <a:r>
-              <a:rPr lang="en-US" dirty="0">
-                <a:solidFill>
-                  <a:srgbClr val="008000"/>
-                </a:solidFill>
-                <a:latin typeface="Consolas" panose="020B0609020204030204" pitchFamily="49" charset="0"/>
-              </a:rPr>
-              <a:t>//To Do (0)</a:t>
-            </a:r>
-            <a:r>
-              <a:rPr lang="en-US" dirty="0" err="1">
-                <a:solidFill>
-                  <a:srgbClr val="008000"/>
-                </a:solidFill>
-                <a:latin typeface="Consolas" panose="020B0609020204030204" pitchFamily="49" charset="0"/>
-              </a:rPr>
-              <a:t>copyOfPoint</a:t>
-            </a:r>
-            <a:r>
-              <a:rPr lang="en-US" dirty="0">
-                <a:solidFill>
-                  <a:srgbClr val="008000"/>
-                </a:solidFill>
-                <a:latin typeface="Consolas" panose="020B0609020204030204" pitchFamily="49" charset="0"/>
-              </a:rPr>
-              <a:t> = point;//Operator =</a:t>
-            </a:r>
-            <a:endParaRPr lang="en-US" dirty="0">
-              <a:solidFill>
-                <a:srgbClr val="000000"/>
-              </a:solidFill>
-              <a:latin typeface="Consolas" panose="020B0609020204030204" pitchFamily="49" charset="0"/>
-            </a:endParaRPr>
-          </a:p>
-          <a:p>
-            <a:pPr marL="0" indent="0">
-              <a:buNone/>
-            </a:pPr>
-            <a:r>
-              <a:rPr lang="en-US" dirty="0">
-                <a:solidFill>
-                  <a:srgbClr val="008000"/>
-                </a:solidFill>
-                <a:latin typeface="Consolas" panose="020B0609020204030204" pitchFamily="49" charset="0"/>
-              </a:rPr>
-              <a:t>//</a:t>
-            </a:r>
-            <a:r>
-              <a:rPr lang="en-US" dirty="0" err="1">
-                <a:solidFill>
-                  <a:srgbClr val="008000"/>
-                </a:solidFill>
-                <a:latin typeface="Consolas" panose="020B0609020204030204" pitchFamily="49" charset="0"/>
-              </a:rPr>
-              <a:t>cout</a:t>
-            </a:r>
-            <a:r>
-              <a:rPr lang="en-US" dirty="0">
-                <a:solidFill>
-                  <a:srgbClr val="008000"/>
-                </a:solidFill>
-                <a:latin typeface="Consolas" panose="020B0609020204030204" pitchFamily="49" charset="0"/>
-              </a:rPr>
-              <a:t> &lt;&lt; </a:t>
-            </a:r>
-            <a:r>
-              <a:rPr lang="en-US" dirty="0" err="1">
-                <a:solidFill>
-                  <a:srgbClr val="008000"/>
-                </a:solidFill>
-                <a:latin typeface="Consolas" panose="020B0609020204030204" pitchFamily="49" charset="0"/>
-              </a:rPr>
-              <a:t>copyOfPoint</a:t>
-            </a:r>
-            <a:r>
-              <a:rPr lang="en-US" dirty="0">
-                <a:solidFill>
-                  <a:srgbClr val="008000"/>
-                </a:solidFill>
-                <a:latin typeface="Consolas" panose="020B0609020204030204" pitchFamily="49" charset="0"/>
-              </a:rPr>
-              <a:t> //with and </a:t>
-            </a:r>
-            <a:r>
-              <a:rPr lang="en-US" dirty="0" err="1">
-                <a:solidFill>
-                  <a:srgbClr val="008000"/>
-                </a:solidFill>
-                <a:latin typeface="Consolas" panose="020B0609020204030204" pitchFamily="49" charset="0"/>
-              </a:rPr>
-              <a:t>withou</a:t>
-            </a:r>
-            <a:r>
-              <a:rPr lang="en-US" dirty="0">
-                <a:solidFill>
-                  <a:srgbClr val="008000"/>
-                </a:solidFill>
-                <a:latin typeface="Consolas" panose="020B0609020204030204" pitchFamily="49" charset="0"/>
-              </a:rPr>
-              <a:t> friend function</a:t>
-            </a:r>
-            <a:endParaRPr lang="en-US" dirty="0" smtClean="0">
-              <a:solidFill>
-                <a:srgbClr val="000000"/>
-              </a:solidFill>
-              <a:latin typeface="Consolas" panose="020B0609020204030204" pitchFamily="49" charset="0"/>
-            </a:endParaRPr>
-          </a:p>
-          <a:p>
-            <a:pPr marL="0" indent="0">
-              <a:buNone/>
-            </a:pPr>
-            <a:endParaRPr lang="en-US" dirty="0"/>
-          </a:p>
-        </p:txBody>
-      </p:sp>
-    </p:spTree>
-    <p:extLst>
-      <p:ext uri="{BB962C8B-B14F-4D97-AF65-F5344CB8AC3E}">
-        <p14:creationId xmlns:p14="http://schemas.microsoft.com/office/powerpoint/2010/main" val="3759739595"/>
-      </p:ext>
-    </p:extLst>
-  </p:cSld>
-  <p:clrMapOvr>
-    <a:masterClrMapping/>
-  </p:clrMapOvr>
-  <p:timing>
-    <p:tnLst>
-      <p:par>
-        <p:cTn id="1" dur="indefinite" restart="never" nodeType="tmRoot"/>
-      </p:par>
-    </p:tnLst>
-  </p:timing>
-</p:sld>
-</file>
-
-<file path=ppt/slides/slide6.xml><?xml version="1.0" encoding="utf-8"?>
-<p:sld xmlns:a="http://schemas.openxmlformats.org/drawingml/2006/main" xmlns:r="http://schemas.openxmlformats.org/officeDocument/2006/relationships" xmlns:p="http://schemas.openxmlformats.org/presentationml/2006/main">
-  <p:cSld>
-    <p:spTree>
-      <p:nvGrpSpPr>
-        <p:cNvPr id="1" name=""/>
-        <p:cNvGrpSpPr/>
-        <p:nvPr/>
-      </p:nvGrpSpPr>
-      <p:grpSpPr>
-        <a:xfrm>
-          <a:off x="0" y="0"/>
-          <a:ext cx="0" cy="0"/>
-          <a:chOff x="0" y="0"/>
-          <a:chExt cx="0" cy="0"/>
-        </a:xfrm>
-      </p:grpSpPr>
-      <p:sp>
-        <p:nvSpPr>
-          <p:cNvPr id="2" name="Title 1"/>
-          <p:cNvSpPr>
-            <a:spLocks noGrp="1"/>
-          </p:cNvSpPr>
-          <p:nvPr>
-            <p:ph type="title"/>
-          </p:nvPr>
-        </p:nvSpPr>
-        <p:spPr>
-          <a:xfrm>
-            <a:off x="339634" y="484632"/>
-            <a:ext cx="11460480" cy="577814"/>
-          </a:xfrm>
-        </p:spPr>
-        <p:txBody>
-          <a:bodyPr>
-            <a:noAutofit/>
-          </a:bodyPr>
-          <a:lstStyle/>
-          <a:p>
-            <a:r>
-              <a:rPr lang="en-US" sz="4400" dirty="0" smtClean="0"/>
-              <a:t>Solution eXAm1: </a:t>
-            </a:r>
-            <a:r>
-              <a:rPr lang="en-US" sz="4400" dirty="0" smtClean="0"/>
-              <a:t>Main function (Continue)</a:t>
-            </a:r>
-            <a:endParaRPr lang="en-US" sz="4400" dirty="0"/>
-          </a:p>
-        </p:txBody>
-      </p:sp>
-      <p:sp>
-        <p:nvSpPr>
-          <p:cNvPr id="3" name="Content Placeholder 2"/>
-          <p:cNvSpPr>
-            <a:spLocks noGrp="1"/>
-          </p:cNvSpPr>
-          <p:nvPr>
-            <p:ph idx="1"/>
-          </p:nvPr>
-        </p:nvSpPr>
-        <p:spPr>
-          <a:xfrm>
-            <a:off x="129322" y="1367246"/>
-            <a:ext cx="11853672" cy="5490754"/>
-          </a:xfrm>
-        </p:spPr>
-        <p:txBody>
-          <a:bodyPr>
-            <a:normAutofit fontScale="32500" lnSpcReduction="20000"/>
-          </a:bodyPr>
-          <a:lstStyle/>
-          <a:p>
-            <a:pPr marL="0" indent="0">
-              <a:buNone/>
-            </a:pPr>
-            <a:endParaRPr lang="en-US" dirty="0" smtClean="0">
-              <a:solidFill>
-                <a:srgbClr val="0000FF"/>
-              </a:solidFill>
-              <a:latin typeface="Consolas" panose="020B0609020204030204" pitchFamily="49" charset="0"/>
-            </a:endParaRPr>
-          </a:p>
-          <a:p>
-            <a:pPr marL="0" indent="0">
-              <a:buNone/>
-            </a:pPr>
-            <a:r>
-              <a:rPr lang="en-US" dirty="0">
-                <a:solidFill>
-                  <a:srgbClr val="2B91AF"/>
-                </a:solidFill>
-                <a:latin typeface="Consolas" panose="020B0609020204030204" pitchFamily="49" charset="0"/>
-              </a:rPr>
-              <a:t>Point3D</a:t>
-            </a:r>
-            <a:r>
-              <a:rPr lang="en-US" dirty="0">
-                <a:solidFill>
-                  <a:srgbClr val="000000"/>
-                </a:solidFill>
-                <a:latin typeface="Consolas" panose="020B0609020204030204" pitchFamily="49" charset="0"/>
-              </a:rPr>
-              <a:t> points[3];</a:t>
-            </a:r>
-          </a:p>
-          <a:p>
-            <a:pPr marL="0" indent="0">
-              <a:buNone/>
-            </a:pPr>
-            <a:r>
-              <a:rPr lang="en-US" dirty="0">
-                <a:solidFill>
-                  <a:srgbClr val="000000"/>
-                </a:solidFill>
-                <a:latin typeface="Consolas" panose="020B0609020204030204" pitchFamily="49" charset="0"/>
-              </a:rPr>
-              <a:t>points[0].</a:t>
-            </a:r>
-            <a:r>
-              <a:rPr lang="en-US" dirty="0" err="1">
-                <a:solidFill>
-                  <a:srgbClr val="000000"/>
-                </a:solidFill>
-                <a:latin typeface="Consolas" panose="020B0609020204030204" pitchFamily="49" charset="0"/>
-              </a:rPr>
-              <a:t>SetX</a:t>
-            </a:r>
-            <a:r>
-              <a:rPr lang="en-US" dirty="0">
-                <a:solidFill>
-                  <a:srgbClr val="000000"/>
-                </a:solidFill>
-                <a:latin typeface="Consolas" panose="020B0609020204030204" pitchFamily="49" charset="0"/>
-              </a:rPr>
-              <a:t>(1);</a:t>
-            </a:r>
-            <a:r>
-              <a:rPr lang="en-US" dirty="0">
-                <a:solidFill>
-                  <a:srgbClr val="008000"/>
-                </a:solidFill>
-                <a:latin typeface="Consolas" panose="020B0609020204030204" pitchFamily="49" charset="0"/>
-              </a:rPr>
-              <a:t>// Refactor use constructors and operator=</a:t>
-            </a:r>
-            <a:endParaRPr lang="en-US" dirty="0">
-              <a:solidFill>
-                <a:srgbClr val="000000"/>
-              </a:solidFill>
-              <a:latin typeface="Consolas" panose="020B0609020204030204" pitchFamily="49" charset="0"/>
-            </a:endParaRPr>
-          </a:p>
-          <a:p>
-            <a:pPr marL="0" indent="0">
-              <a:buNone/>
-            </a:pPr>
-            <a:r>
-              <a:rPr lang="en-US" dirty="0">
-                <a:solidFill>
-                  <a:srgbClr val="000000"/>
-                </a:solidFill>
-                <a:latin typeface="Consolas" panose="020B0609020204030204" pitchFamily="49" charset="0"/>
-              </a:rPr>
-              <a:t>points[0].</a:t>
-            </a:r>
-            <a:r>
-              <a:rPr lang="en-US" dirty="0" err="1">
-                <a:solidFill>
-                  <a:srgbClr val="000000"/>
-                </a:solidFill>
-                <a:latin typeface="Consolas" panose="020B0609020204030204" pitchFamily="49" charset="0"/>
-              </a:rPr>
-              <a:t>SetY</a:t>
-            </a:r>
-            <a:r>
-              <a:rPr lang="en-US" dirty="0">
-                <a:solidFill>
-                  <a:srgbClr val="000000"/>
-                </a:solidFill>
-                <a:latin typeface="Consolas" panose="020B0609020204030204" pitchFamily="49" charset="0"/>
-              </a:rPr>
-              <a:t>(1);</a:t>
-            </a:r>
-          </a:p>
-          <a:p>
-            <a:pPr marL="0" indent="0">
-              <a:buNone/>
-            </a:pPr>
-            <a:r>
-              <a:rPr lang="en-US" dirty="0">
-                <a:solidFill>
-                  <a:srgbClr val="000000"/>
-                </a:solidFill>
-                <a:latin typeface="Consolas" panose="020B0609020204030204" pitchFamily="49" charset="0"/>
-              </a:rPr>
-              <a:t>points[0].</a:t>
-            </a:r>
-            <a:r>
-              <a:rPr lang="en-US" dirty="0" err="1">
-                <a:solidFill>
-                  <a:srgbClr val="000000"/>
-                </a:solidFill>
-                <a:latin typeface="Consolas" panose="020B0609020204030204" pitchFamily="49" charset="0"/>
-              </a:rPr>
-              <a:t>SetZ</a:t>
-            </a:r>
-            <a:r>
-              <a:rPr lang="en-US" dirty="0">
-                <a:solidFill>
-                  <a:srgbClr val="000000"/>
-                </a:solidFill>
-                <a:latin typeface="Consolas" panose="020B0609020204030204" pitchFamily="49" charset="0"/>
-              </a:rPr>
-              <a:t>(0);</a:t>
-            </a:r>
-          </a:p>
-          <a:p>
-            <a:pPr marL="0" indent="0">
-              <a:buNone/>
-            </a:pPr>
-            <a:endParaRPr lang="en-US" dirty="0">
-              <a:solidFill>
-                <a:srgbClr val="000000"/>
-              </a:solidFill>
-              <a:latin typeface="Consolas" panose="020B0609020204030204" pitchFamily="49" charset="0"/>
-            </a:endParaRPr>
-          </a:p>
-          <a:p>
-            <a:pPr marL="0" indent="0">
-              <a:buNone/>
-            </a:pPr>
-            <a:r>
-              <a:rPr lang="en-US" dirty="0">
-                <a:solidFill>
-                  <a:srgbClr val="000000"/>
-                </a:solidFill>
-                <a:latin typeface="Consolas" panose="020B0609020204030204" pitchFamily="49" charset="0"/>
-              </a:rPr>
-              <a:t>points[1].</a:t>
-            </a:r>
-            <a:r>
-              <a:rPr lang="en-US" dirty="0" err="1">
-                <a:solidFill>
-                  <a:srgbClr val="000000"/>
-                </a:solidFill>
-                <a:latin typeface="Consolas" panose="020B0609020204030204" pitchFamily="49" charset="0"/>
-              </a:rPr>
-              <a:t>SetX</a:t>
-            </a:r>
-            <a:r>
-              <a:rPr lang="en-US" dirty="0">
-                <a:solidFill>
-                  <a:srgbClr val="000000"/>
-                </a:solidFill>
-                <a:latin typeface="Consolas" panose="020B0609020204030204" pitchFamily="49" charset="0"/>
-              </a:rPr>
-              <a:t>(1);</a:t>
-            </a:r>
-          </a:p>
-          <a:p>
-            <a:pPr marL="0" indent="0">
-              <a:buNone/>
-            </a:pPr>
-            <a:r>
-              <a:rPr lang="en-US" dirty="0">
-                <a:solidFill>
-                  <a:srgbClr val="000000"/>
-                </a:solidFill>
-                <a:latin typeface="Consolas" panose="020B0609020204030204" pitchFamily="49" charset="0"/>
-              </a:rPr>
-              <a:t>points[1].</a:t>
-            </a:r>
-            <a:r>
-              <a:rPr lang="en-US" dirty="0" err="1">
-                <a:solidFill>
-                  <a:srgbClr val="000000"/>
-                </a:solidFill>
-                <a:latin typeface="Consolas" panose="020B0609020204030204" pitchFamily="49" charset="0"/>
-              </a:rPr>
-              <a:t>SetY</a:t>
-            </a:r>
-            <a:r>
-              <a:rPr lang="en-US" dirty="0">
-                <a:solidFill>
-                  <a:srgbClr val="000000"/>
-                </a:solidFill>
-                <a:latin typeface="Consolas" panose="020B0609020204030204" pitchFamily="49" charset="0"/>
-              </a:rPr>
-              <a:t>(0);</a:t>
-            </a:r>
-          </a:p>
-          <a:p>
-            <a:pPr marL="0" indent="0">
-              <a:buNone/>
-            </a:pPr>
-            <a:r>
-              <a:rPr lang="en-US" dirty="0">
-                <a:solidFill>
-                  <a:srgbClr val="000000"/>
-                </a:solidFill>
-                <a:latin typeface="Consolas" panose="020B0609020204030204" pitchFamily="49" charset="0"/>
-              </a:rPr>
-              <a:t>points[1].</a:t>
-            </a:r>
-            <a:r>
-              <a:rPr lang="en-US" dirty="0" err="1">
-                <a:solidFill>
-                  <a:srgbClr val="000000"/>
-                </a:solidFill>
-                <a:latin typeface="Consolas" panose="020B0609020204030204" pitchFamily="49" charset="0"/>
-              </a:rPr>
-              <a:t>SetZ</a:t>
-            </a:r>
-            <a:r>
-              <a:rPr lang="en-US" dirty="0">
-                <a:solidFill>
-                  <a:srgbClr val="000000"/>
-                </a:solidFill>
-                <a:latin typeface="Consolas" panose="020B0609020204030204" pitchFamily="49" charset="0"/>
-              </a:rPr>
-              <a:t>(0);</a:t>
-            </a:r>
-          </a:p>
-          <a:p>
-            <a:pPr marL="0" indent="0">
-              <a:buNone/>
-            </a:pPr>
-            <a:endParaRPr lang="en-US" dirty="0">
-              <a:solidFill>
-                <a:srgbClr val="000000"/>
-              </a:solidFill>
-              <a:latin typeface="Consolas" panose="020B0609020204030204" pitchFamily="49" charset="0"/>
-            </a:endParaRPr>
-          </a:p>
-          <a:p>
-            <a:pPr marL="0" indent="0">
-              <a:buNone/>
-            </a:pPr>
-            <a:r>
-              <a:rPr lang="en-US" dirty="0">
-                <a:solidFill>
-                  <a:srgbClr val="000000"/>
-                </a:solidFill>
-                <a:latin typeface="Consolas" panose="020B0609020204030204" pitchFamily="49" charset="0"/>
-              </a:rPr>
-              <a:t>points[2].</a:t>
-            </a:r>
-            <a:r>
-              <a:rPr lang="en-US" dirty="0" err="1">
-                <a:solidFill>
-                  <a:srgbClr val="000000"/>
-                </a:solidFill>
-                <a:latin typeface="Consolas" panose="020B0609020204030204" pitchFamily="49" charset="0"/>
-              </a:rPr>
-              <a:t>SetX</a:t>
-            </a:r>
-            <a:r>
-              <a:rPr lang="en-US" dirty="0">
-                <a:solidFill>
-                  <a:srgbClr val="000000"/>
-                </a:solidFill>
-                <a:latin typeface="Consolas" panose="020B0609020204030204" pitchFamily="49" charset="0"/>
-              </a:rPr>
-              <a:t>(0);</a:t>
-            </a:r>
-          </a:p>
-          <a:p>
-            <a:pPr marL="0" indent="0">
-              <a:buNone/>
-            </a:pPr>
-            <a:r>
-              <a:rPr lang="en-US" dirty="0">
-                <a:solidFill>
-                  <a:srgbClr val="000000"/>
-                </a:solidFill>
-                <a:latin typeface="Consolas" panose="020B0609020204030204" pitchFamily="49" charset="0"/>
-              </a:rPr>
-              <a:t>points[2].</a:t>
-            </a:r>
-            <a:r>
-              <a:rPr lang="en-US" dirty="0" err="1">
-                <a:solidFill>
-                  <a:srgbClr val="000000"/>
-                </a:solidFill>
-                <a:latin typeface="Consolas" panose="020B0609020204030204" pitchFamily="49" charset="0"/>
-              </a:rPr>
-              <a:t>SetY</a:t>
-            </a:r>
-            <a:r>
-              <a:rPr lang="en-US" dirty="0">
-                <a:solidFill>
-                  <a:srgbClr val="000000"/>
-                </a:solidFill>
-                <a:latin typeface="Consolas" panose="020B0609020204030204" pitchFamily="49" charset="0"/>
-              </a:rPr>
-              <a:t>(1);</a:t>
-            </a:r>
-          </a:p>
-          <a:p>
-            <a:pPr marL="0" indent="0">
-              <a:buNone/>
-            </a:pPr>
-            <a:r>
-              <a:rPr lang="en-US" dirty="0">
-                <a:solidFill>
-                  <a:srgbClr val="000000"/>
-                </a:solidFill>
-                <a:latin typeface="Consolas" panose="020B0609020204030204" pitchFamily="49" charset="0"/>
-              </a:rPr>
-              <a:t>points[2].</a:t>
-            </a:r>
-            <a:r>
-              <a:rPr lang="en-US" dirty="0" err="1">
-                <a:solidFill>
-                  <a:srgbClr val="000000"/>
-                </a:solidFill>
-                <a:latin typeface="Consolas" panose="020B0609020204030204" pitchFamily="49" charset="0"/>
-              </a:rPr>
-              <a:t>SetZ</a:t>
-            </a:r>
-            <a:r>
-              <a:rPr lang="en-US" dirty="0">
-                <a:solidFill>
-                  <a:srgbClr val="000000"/>
-                </a:solidFill>
-                <a:latin typeface="Consolas" panose="020B0609020204030204" pitchFamily="49" charset="0"/>
-              </a:rPr>
-              <a:t>(0);</a:t>
-            </a:r>
-          </a:p>
-          <a:p>
-            <a:pPr marL="0" indent="0">
-              <a:buNone/>
-            </a:pPr>
-            <a:endParaRPr lang="en-US" dirty="0">
-              <a:solidFill>
-                <a:srgbClr val="000000"/>
-              </a:solidFill>
-              <a:latin typeface="Consolas" panose="020B0609020204030204" pitchFamily="49" charset="0"/>
-            </a:endParaRPr>
-          </a:p>
-          <a:p>
-            <a:pPr marL="0" indent="0">
-              <a:buNone/>
-            </a:pPr>
-            <a:r>
-              <a:rPr lang="en-US" dirty="0">
-                <a:solidFill>
-                  <a:srgbClr val="2B91AF"/>
-                </a:solidFill>
-                <a:latin typeface="Consolas" panose="020B0609020204030204" pitchFamily="49" charset="0"/>
-              </a:rPr>
-              <a:t>Triangle</a:t>
-            </a:r>
-            <a:r>
-              <a:rPr lang="en-US" dirty="0">
-                <a:solidFill>
-                  <a:srgbClr val="000000"/>
-                </a:solidFill>
-                <a:latin typeface="Consolas" panose="020B0609020204030204" pitchFamily="49" charset="0"/>
-              </a:rPr>
-              <a:t> </a:t>
-            </a:r>
-            <a:r>
-              <a:rPr lang="en-US" dirty="0" err="1">
-                <a:solidFill>
-                  <a:srgbClr val="000000"/>
-                </a:solidFill>
-                <a:latin typeface="Consolas" panose="020B0609020204030204" pitchFamily="49" charset="0"/>
-              </a:rPr>
-              <a:t>tr</a:t>
-            </a:r>
-            <a:r>
-              <a:rPr lang="en-US" dirty="0">
-                <a:solidFill>
-                  <a:srgbClr val="000000"/>
-                </a:solidFill>
-                <a:latin typeface="Consolas" panose="020B0609020204030204" pitchFamily="49" charset="0"/>
-              </a:rPr>
-              <a:t>;</a:t>
-            </a:r>
-          </a:p>
-          <a:p>
-            <a:pPr marL="0" indent="0">
-              <a:buNone/>
-            </a:pPr>
-            <a:r>
-              <a:rPr lang="en-US" dirty="0" err="1">
-                <a:solidFill>
-                  <a:srgbClr val="000000"/>
-                </a:solidFill>
-                <a:latin typeface="Consolas" panose="020B0609020204030204" pitchFamily="49" charset="0"/>
-              </a:rPr>
-              <a:t>tr.SetA</a:t>
-            </a:r>
-            <a:r>
-              <a:rPr lang="en-US" dirty="0">
-                <a:solidFill>
-                  <a:srgbClr val="000000"/>
-                </a:solidFill>
-                <a:latin typeface="Consolas" panose="020B0609020204030204" pitchFamily="49" charset="0"/>
-              </a:rPr>
-              <a:t>(points[0]);</a:t>
-            </a:r>
-          </a:p>
-          <a:p>
-            <a:pPr marL="0" indent="0">
-              <a:buNone/>
-            </a:pPr>
-            <a:r>
-              <a:rPr lang="en-US" dirty="0" err="1">
-                <a:solidFill>
-                  <a:srgbClr val="000000"/>
-                </a:solidFill>
-                <a:latin typeface="Consolas" panose="020B0609020204030204" pitchFamily="49" charset="0"/>
-              </a:rPr>
-              <a:t>tr.SetB</a:t>
-            </a:r>
-            <a:r>
-              <a:rPr lang="en-US" dirty="0">
-                <a:solidFill>
-                  <a:srgbClr val="000000"/>
-                </a:solidFill>
-                <a:latin typeface="Consolas" panose="020B0609020204030204" pitchFamily="49" charset="0"/>
-              </a:rPr>
-              <a:t>(points[1]);</a:t>
-            </a:r>
-          </a:p>
-          <a:p>
-            <a:pPr marL="0" indent="0">
-              <a:buNone/>
-            </a:pPr>
-            <a:r>
-              <a:rPr lang="en-US" dirty="0" err="1">
-                <a:solidFill>
-                  <a:srgbClr val="000000"/>
-                </a:solidFill>
-                <a:latin typeface="Consolas" panose="020B0609020204030204" pitchFamily="49" charset="0"/>
-              </a:rPr>
-              <a:t>tr.SetC</a:t>
-            </a:r>
-            <a:r>
-              <a:rPr lang="en-US" dirty="0">
-                <a:solidFill>
-                  <a:srgbClr val="000000"/>
-                </a:solidFill>
-                <a:latin typeface="Consolas" panose="020B0609020204030204" pitchFamily="49" charset="0"/>
-              </a:rPr>
-              <a:t>(points[2]);</a:t>
-            </a:r>
-          </a:p>
-          <a:p>
-            <a:pPr marL="0" indent="0">
-              <a:buNone/>
-            </a:pPr>
-            <a:endParaRPr lang="en-US" dirty="0">
-              <a:solidFill>
-                <a:srgbClr val="000000"/>
-              </a:solidFill>
-              <a:latin typeface="Consolas" panose="020B0609020204030204" pitchFamily="49" charset="0"/>
-            </a:endParaRPr>
-          </a:p>
-          <a:p>
-            <a:pPr marL="0" indent="0">
-              <a:buNone/>
-            </a:pPr>
-            <a:r>
-              <a:rPr lang="en-US" dirty="0" err="1">
-                <a:solidFill>
-                  <a:srgbClr val="000000"/>
-                </a:solidFill>
-                <a:latin typeface="Consolas" panose="020B0609020204030204" pitchFamily="49" charset="0"/>
-              </a:rPr>
-              <a:t>std</a:t>
-            </a:r>
-            <a:r>
-              <a:rPr lang="en-US" dirty="0">
-                <a:solidFill>
-                  <a:srgbClr val="000000"/>
-                </a:solidFill>
-                <a:latin typeface="Consolas" panose="020B0609020204030204" pitchFamily="49" charset="0"/>
-              </a:rPr>
-              <a:t>::</a:t>
-            </a:r>
-            <a:r>
-              <a:rPr lang="en-US" dirty="0" err="1">
-                <a:solidFill>
-                  <a:srgbClr val="000000"/>
-                </a:solidFill>
-                <a:latin typeface="Consolas" panose="020B0609020204030204" pitchFamily="49" charset="0"/>
-              </a:rPr>
-              <a:t>cout</a:t>
-            </a:r>
-            <a:r>
-              <a:rPr lang="en-US" dirty="0">
-                <a:solidFill>
-                  <a:srgbClr val="000000"/>
-                </a:solidFill>
-                <a:latin typeface="Consolas" panose="020B0609020204030204" pitchFamily="49" charset="0"/>
-              </a:rPr>
-              <a:t> </a:t>
-            </a:r>
-            <a:r>
-              <a:rPr lang="en-US" dirty="0">
-                <a:solidFill>
-                  <a:srgbClr val="008080"/>
-                </a:solidFill>
-                <a:latin typeface="Consolas" panose="020B0609020204030204" pitchFamily="49" charset="0"/>
-              </a:rPr>
-              <a:t>&lt;&lt;</a:t>
-            </a:r>
-            <a:r>
-              <a:rPr lang="en-US" dirty="0">
-                <a:solidFill>
-                  <a:srgbClr val="000000"/>
-                </a:solidFill>
-                <a:latin typeface="Consolas" panose="020B0609020204030204" pitchFamily="49" charset="0"/>
-              </a:rPr>
-              <a:t> </a:t>
-            </a:r>
-            <a:r>
-              <a:rPr lang="en-US" dirty="0" err="1">
-                <a:solidFill>
-                  <a:srgbClr val="000000"/>
-                </a:solidFill>
-                <a:latin typeface="Consolas" panose="020B0609020204030204" pitchFamily="49" charset="0"/>
-              </a:rPr>
-              <a:t>tr.GetPerimeter</a:t>
-            </a:r>
-            <a:r>
-              <a:rPr lang="en-US" dirty="0">
-                <a:solidFill>
-                  <a:srgbClr val="000000"/>
-                </a:solidFill>
-                <a:latin typeface="Consolas" panose="020B0609020204030204" pitchFamily="49" charset="0"/>
-              </a:rPr>
-              <a:t>();</a:t>
-            </a:r>
-          </a:p>
-          <a:p>
-            <a:pPr marL="0" indent="0">
-              <a:buNone/>
-            </a:pPr>
-            <a:endParaRPr lang="en-US" dirty="0">
-              <a:solidFill>
-                <a:srgbClr val="000000"/>
-              </a:solidFill>
-              <a:latin typeface="Consolas" panose="020B0609020204030204" pitchFamily="49" charset="0"/>
-            </a:endParaRPr>
-          </a:p>
-          <a:p>
-            <a:pPr marL="0" indent="0">
-              <a:buNone/>
-            </a:pPr>
-            <a:r>
-              <a:rPr lang="en-US" dirty="0">
-                <a:solidFill>
-                  <a:srgbClr val="000000"/>
-                </a:solidFill>
-                <a:latin typeface="Consolas" panose="020B0609020204030204" pitchFamily="49" charset="0"/>
-              </a:rPr>
-              <a:t>Input(3, points); </a:t>
-            </a:r>
-            <a:r>
-              <a:rPr lang="en-US" dirty="0">
-                <a:solidFill>
-                  <a:srgbClr val="008000"/>
-                </a:solidFill>
-                <a:latin typeface="Consolas" panose="020B0609020204030204" pitchFamily="49" charset="0"/>
-              </a:rPr>
-              <a:t>// Make manager with static fields Manager::Input(3, points)</a:t>
-            </a:r>
-            <a:endParaRPr lang="en-US" dirty="0">
-              <a:solidFill>
-                <a:srgbClr val="000000"/>
-              </a:solidFill>
-              <a:latin typeface="Consolas" panose="020B0609020204030204" pitchFamily="49" charset="0"/>
-            </a:endParaRPr>
-          </a:p>
-          <a:p>
-            <a:pPr marL="0" indent="0">
-              <a:buNone/>
-            </a:pPr>
-            <a:r>
-              <a:rPr lang="en-US" dirty="0">
-                <a:solidFill>
-                  <a:srgbClr val="000000"/>
-                </a:solidFill>
-                <a:latin typeface="Consolas" panose="020B0609020204030204" pitchFamily="49" charset="0"/>
-              </a:rPr>
-              <a:t>Symmetry(3, points);</a:t>
-            </a:r>
-          </a:p>
-          <a:p>
-            <a:pPr marL="0" indent="0">
-              <a:buNone/>
-            </a:pPr>
-            <a:r>
-              <a:rPr lang="en-US" dirty="0">
-                <a:solidFill>
-                  <a:srgbClr val="000000"/>
-                </a:solidFill>
-                <a:latin typeface="Consolas" panose="020B0609020204030204" pitchFamily="49" charset="0"/>
-              </a:rPr>
-              <a:t>Output(3, points);</a:t>
-            </a:r>
-            <a:endParaRPr lang="en-US" dirty="0"/>
-          </a:p>
-        </p:txBody>
-      </p:sp>
-    </p:spTree>
-    <p:extLst>
-      <p:ext uri="{BB962C8B-B14F-4D97-AF65-F5344CB8AC3E}">
-        <p14:creationId xmlns:p14="http://schemas.microsoft.com/office/powerpoint/2010/main" val="1112604880"/>
-      </p:ext>
-    </p:extLst>
-  </p:cSld>
-  <p:clrMapOvr>
-    <a:masterClrMapping/>
-  </p:clrMapOvr>
-  <p:timing>
-    <p:tnLst>
-      <p:par>
-        <p:cTn id="1" dur="indefinite" restart="never" nodeType="tmRoot"/>
-      </p:par>
-    </p:tnLst>
-  </p:timing>
-</p:sld>
-</file>
-
-<file path=ppt/slides/slide7.xml><?xml version="1.0" encoding="utf-8"?>
-<p:sld xmlns:a="http://schemas.openxmlformats.org/drawingml/2006/main" xmlns:r="http://schemas.openxmlformats.org/officeDocument/2006/relationships" xmlns:p="http://schemas.openxmlformats.org/presentationml/2006/main">
-  <p:cSld>
-    <p:spTree>
-      <p:nvGrpSpPr>
-        <p:cNvPr id="1" name=""/>
-        <p:cNvGrpSpPr/>
-        <p:nvPr/>
-      </p:nvGrpSpPr>
-      <p:grpSpPr>
-        <a:xfrm>
-          <a:off x="0" y="0"/>
-          <a:ext cx="0" cy="0"/>
-          <a:chOff x="0" y="0"/>
-          <a:chExt cx="0" cy="0"/>
-        </a:xfrm>
-      </p:grpSpPr>
-      <p:sp>
-        <p:nvSpPr>
-          <p:cNvPr id="2" name="Title 1"/>
-          <p:cNvSpPr>
-            <a:spLocks noGrp="1"/>
-          </p:cNvSpPr>
-          <p:nvPr>
-            <p:ph type="title"/>
-          </p:nvPr>
-        </p:nvSpPr>
-        <p:spPr/>
-        <p:txBody>
-          <a:bodyPr/>
-          <a:lstStyle/>
-          <a:p>
-            <a:r>
-              <a:rPr lang="en-US" dirty="0" smtClean="0"/>
-              <a:t>Refactor Exam to use:</a:t>
-            </a:r>
-            <a:endParaRPr lang="en-US" dirty="0"/>
-          </a:p>
-        </p:txBody>
-      </p:sp>
-      <p:sp>
-        <p:nvSpPr>
-          <p:cNvPr id="3" name="Content Placeholder 2"/>
-          <p:cNvSpPr>
-            <a:spLocks noGrp="1"/>
-          </p:cNvSpPr>
-          <p:nvPr>
-            <p:ph idx="1"/>
-          </p:nvPr>
-        </p:nvSpPr>
-        <p:spPr/>
-        <p:txBody>
-          <a:bodyPr/>
-          <a:lstStyle/>
-          <a:p>
-            <a:endParaRPr lang="en-US" dirty="0" smtClean="0"/>
-          </a:p>
-          <a:p>
-            <a:r>
-              <a:rPr lang="en-US" dirty="0" smtClean="0"/>
-              <a:t>Separate .h and .</a:t>
-            </a:r>
-            <a:r>
-              <a:rPr lang="en-US" dirty="0" err="1" smtClean="0"/>
-              <a:t>cpp</a:t>
-            </a:r>
-            <a:r>
-              <a:rPr lang="en-US" dirty="0" smtClean="0"/>
-              <a:t> files</a:t>
-            </a:r>
-          </a:p>
-          <a:p>
-            <a:r>
-              <a:rPr lang="en-US" dirty="0" err="1" smtClean="0"/>
-              <a:t>CopyConstructors</a:t>
-            </a:r>
-            <a:endParaRPr lang="en-US" dirty="0" smtClean="0"/>
-          </a:p>
-          <a:p>
-            <a:r>
-              <a:rPr lang="en-US" dirty="0" smtClean="0"/>
-              <a:t>Override operator = , - and &lt;&lt;(with and without friend function)</a:t>
-            </a:r>
-          </a:p>
-          <a:p>
-            <a:r>
-              <a:rPr lang="en-US" dirty="0" smtClean="0"/>
-              <a:t>Destructors</a:t>
-            </a:r>
-          </a:p>
-          <a:p>
-            <a:r>
-              <a:rPr lang="en-US" dirty="0" smtClean="0"/>
-              <a:t>Managers with static methods for input, symmetry and output methods</a:t>
-            </a:r>
-            <a:endParaRPr lang="en-US" dirty="0"/>
-          </a:p>
-        </p:txBody>
-      </p:sp>
-    </p:spTree>
-    <p:extLst>
-      <p:ext uri="{BB962C8B-B14F-4D97-AF65-F5344CB8AC3E}">
-        <p14:creationId xmlns:p14="http://schemas.microsoft.com/office/powerpoint/2010/main" val="3259570251"/>
-      </p:ext>
-    </p:extLst>
-  </p:cSld>
-  <p:clrMapOvr>
-    <a:masterClrMapping/>
-  </p:clrMapOvr>
-</p:sld>
-</file>
-
-<file path=ppt/slides/slide8.xml><?xml version="1.0" encoding="utf-8"?>
-<p:sld xmlns:a="http://schemas.openxmlformats.org/drawingml/2006/main" xmlns:r="http://schemas.openxmlformats.org/officeDocument/2006/relationships" xmlns:p="http://schemas.openxmlformats.org/presentationml/2006/main">
-  <p:cSld>
-    <p:spTree>
-      <p:nvGrpSpPr>
-        <p:cNvPr id="1" name=""/>
-        <p:cNvGrpSpPr/>
-        <p:nvPr/>
-      </p:nvGrpSpPr>
-      <p:grpSpPr>
-        <a:xfrm>
-          <a:off x="0" y="0"/>
-          <a:ext cx="0" cy="0"/>
-          <a:chOff x="0" y="0"/>
-          <a:chExt cx="0" cy="0"/>
-        </a:xfrm>
-      </p:grpSpPr>
-      <p:sp>
-        <p:nvSpPr>
-          <p:cNvPr id="2" name="Title 1"/>
-          <p:cNvSpPr>
-            <a:spLocks noGrp="1"/>
-          </p:cNvSpPr>
-          <p:nvPr>
-            <p:ph type="title"/>
-          </p:nvPr>
-        </p:nvSpPr>
-        <p:spPr>
-          <a:xfrm>
-            <a:off x="69669" y="484632"/>
-            <a:ext cx="12122331" cy="1609344"/>
-          </a:xfrm>
-        </p:spPr>
-        <p:txBody>
-          <a:bodyPr>
-            <a:normAutofit/>
-          </a:bodyPr>
-          <a:lstStyle/>
-          <a:p>
-            <a:r>
-              <a:rPr lang="en-US" sz="3600" dirty="0" smtClean="0"/>
-              <a:t>Problem4: Override operator&lt;&lt; (with and without friend function)</a:t>
-            </a:r>
-            <a:endParaRPr lang="en-US" sz="3600" dirty="0"/>
-          </a:p>
-        </p:txBody>
-      </p:sp>
-      <p:sp>
-        <p:nvSpPr>
-          <p:cNvPr id="3" name="Content Placeholder 2"/>
-          <p:cNvSpPr>
-            <a:spLocks noGrp="1"/>
-          </p:cNvSpPr>
-          <p:nvPr>
-            <p:ph idx="1"/>
-          </p:nvPr>
-        </p:nvSpPr>
-        <p:spPr/>
-        <p:txBody>
-          <a:bodyPr/>
-          <a:lstStyle/>
-          <a:p>
-            <a:endParaRPr lang="en-US"/>
-          </a:p>
-        </p:txBody>
-      </p:sp>
-    </p:spTree>
-    <p:extLst>
-      <p:ext uri="{BB962C8B-B14F-4D97-AF65-F5344CB8AC3E}">
-        <p14:creationId xmlns:p14="http://schemas.microsoft.com/office/powerpoint/2010/main" val="3360036759"/>
-      </p:ext>
-    </p:extLst>
-  </p:cSld>
-  <p:clrMapOvr>
-    <a:masterClrMapping/>
-  </p:clrMapOvr>
-</p:sld>
-</file>
-
-<file path=ppt/slides/slide9.xml><?xml version="1.0" encoding="utf-8"?>
-<p:sld xmlns:a="http://schemas.openxmlformats.org/drawingml/2006/main" xmlns:r="http://schemas.openxmlformats.org/officeDocument/2006/relationships" xmlns:p="http://schemas.openxmlformats.org/presentationml/2006/main">
-  <p:cSld>
-    <p:spTree>
-      <p:nvGrpSpPr>
-        <p:cNvPr id="1" name=""/>
-        <p:cNvGrpSpPr/>
-        <p:nvPr/>
-      </p:nvGrpSpPr>
-      <p:grpSpPr>
-        <a:xfrm>
-          <a:off x="0" y="0"/>
-          <a:ext cx="0" cy="0"/>
-          <a:chOff x="0" y="0"/>
-          <a:chExt cx="0" cy="0"/>
-        </a:xfrm>
-      </p:grpSpPr>
-      <p:sp>
-        <p:nvSpPr>
-          <p:cNvPr id="2" name="Title 1"/>
-          <p:cNvSpPr>
-            <a:spLocks noGrp="1"/>
-          </p:cNvSpPr>
-          <p:nvPr>
-            <p:ph type="title"/>
-          </p:nvPr>
-        </p:nvSpPr>
-        <p:spPr/>
-        <p:txBody>
-          <a:bodyPr/>
-          <a:lstStyle/>
-          <a:p>
-            <a:r>
-              <a:rPr lang="en-US" dirty="0" smtClean="0"/>
-              <a:t>Problem5: </a:t>
-            </a:r>
-            <a:r>
-              <a:rPr lang="en-US" dirty="0"/>
-              <a:t>Override </a:t>
-            </a:r>
-            <a:r>
-              <a:rPr lang="en-US" dirty="0" smtClean="0"/>
-              <a:t>operator</a:t>
-            </a:r>
-            <a:r>
-              <a:rPr lang="en-US" dirty="0"/>
-              <a:t>+</a:t>
-            </a:r>
-            <a:r>
-              <a:rPr lang="en-US" dirty="0" smtClean="0"/>
-              <a:t> </a:t>
-            </a:r>
-            <a:endParaRPr lang="en-US" dirty="0"/>
-          </a:p>
-        </p:txBody>
-      </p:sp>
-      <p:sp>
-        <p:nvSpPr>
-          <p:cNvPr id="3" name="Content Placeholder 2"/>
-          <p:cNvSpPr>
-            <a:spLocks noGrp="1"/>
-          </p:cNvSpPr>
-          <p:nvPr>
-            <p:ph idx="1"/>
-          </p:nvPr>
-        </p:nvSpPr>
-        <p:spPr/>
-        <p:txBody>
-          <a:bodyPr/>
-          <a:lstStyle/>
-          <a:p>
-            <a:endParaRPr lang="en-US"/>
-          </a:p>
-        </p:txBody>
-      </p:sp>
-    </p:spTree>
-    <p:extLst>
-      <p:ext uri="{BB962C8B-B14F-4D97-AF65-F5344CB8AC3E}">
-        <p14:creationId xmlns:p14="http://schemas.microsoft.com/office/powerpoint/2010/main" val="1383791230"/>
-      </p:ext>
-    </p:extLst>
-  </p:cSld>
-  <p:clrMapOvr>
-    <a:masterClrMapping/>
-  </p:clrMapOvr>
 </p:sld>
 </file>
 
